--- a/20180428 满鸿 持续集成[CI].pptx
+++ b/20180428 满鸿 持续集成[CI].pptx
@@ -5,7 +5,7 @@
     <p:sldMasterId id="2147483648" r:id="rId1"/>
   </p:sldMasterIdLst>
   <p:notesMasterIdLst>
-    <p:notesMasterId r:id="rId30"/>
+    <p:notesMasterId r:id="rId31"/>
   </p:notesMasterIdLst>
   <p:sldIdLst>
     <p:sldId id="256" r:id="rId2"/>
@@ -28,14 +28,15 @@
     <p:sldId id="271" r:id="rId19"/>
     <p:sldId id="282" r:id="rId20"/>
     <p:sldId id="270" r:id="rId21"/>
-    <p:sldId id="284" r:id="rId22"/>
-    <p:sldId id="278" r:id="rId23"/>
-    <p:sldId id="276" r:id="rId24"/>
-    <p:sldId id="285" r:id="rId25"/>
-    <p:sldId id="277" r:id="rId26"/>
-    <p:sldId id="283" r:id="rId27"/>
-    <p:sldId id="279" r:id="rId28"/>
-    <p:sldId id="280" r:id="rId29"/>
+    <p:sldId id="286" r:id="rId22"/>
+    <p:sldId id="284" r:id="rId23"/>
+    <p:sldId id="278" r:id="rId24"/>
+    <p:sldId id="276" r:id="rId25"/>
+    <p:sldId id="285" r:id="rId26"/>
+    <p:sldId id="277" r:id="rId27"/>
+    <p:sldId id="283" r:id="rId28"/>
+    <p:sldId id="279" r:id="rId29"/>
+    <p:sldId id="280" r:id="rId30"/>
   </p:sldIdLst>
   <p:sldSz cx="12192000" cy="6858000"/>
   <p:notesSz cx="6858000" cy="9144000"/>
@@ -4827,6 +4828,13 @@
         </dgm:presLayoutVars>
       </dgm:prSet>
       <dgm:spPr/>
+      <dgm:t>
+        <a:bodyPr/>
+        <a:lstStyle/>
+        <a:p>
+          <a:endParaRPr lang="zh-CN" altLang="en-US"/>
+        </a:p>
+      </dgm:t>
     </dgm:pt>
     <dgm:pt modelId="{567784B0-7A8F-4392-A787-E05248337AB4}" type="pres">
       <dgm:prSet presAssocID="{F75FE3E6-7ED4-43D3-8895-FF339EF08B79}" presName="composite" presStyleCnt="0"/>
@@ -4866,6 +4874,13 @@
         </dgm:presLayoutVars>
       </dgm:prSet>
       <dgm:spPr/>
+      <dgm:t>
+        <a:bodyPr/>
+        <a:lstStyle/>
+        <a:p>
+          <a:endParaRPr lang="zh-CN" altLang="en-US"/>
+        </a:p>
+      </dgm:t>
     </dgm:pt>
     <dgm:pt modelId="{1BCB2C41-E022-487B-AD5E-DDDF03013D09}" type="pres">
       <dgm:prSet presAssocID="{512F6CD6-05AF-4414-A7D8-41444993F35E}" presName="sibTrans" presStyleCnt="0"/>
@@ -4892,6 +4907,13 @@
         </dgm:presLayoutVars>
       </dgm:prSet>
       <dgm:spPr/>
+      <dgm:t>
+        <a:bodyPr/>
+        <a:lstStyle/>
+        <a:p>
+          <a:endParaRPr lang="zh-CN" altLang="en-US"/>
+        </a:p>
+      </dgm:t>
     </dgm:pt>
     <dgm:pt modelId="{958EC24F-3D2F-416C-9868-843774FA3604}" type="pres">
       <dgm:prSet presAssocID="{8FA457E2-845A-45FD-A8D3-A5CE4449F87A}" presName="Parent" presStyleLbl="revTx" presStyleIdx="3" presStyleCnt="6">
@@ -4902,6 +4924,13 @@
         </dgm:presLayoutVars>
       </dgm:prSet>
       <dgm:spPr/>
+      <dgm:t>
+        <a:bodyPr/>
+        <a:lstStyle/>
+        <a:p>
+          <a:endParaRPr lang="zh-CN" altLang="en-US"/>
+        </a:p>
+      </dgm:t>
     </dgm:pt>
     <dgm:pt modelId="{BC488FA4-485E-42D5-A8D9-C7A5F9E449D1}" type="pres">
       <dgm:prSet presAssocID="{3349D4A6-7158-44FD-8D38-E7F7FE9C9C5D}" presName="sibTrans" presStyleCnt="0"/>
@@ -4928,6 +4957,13 @@
         </dgm:presLayoutVars>
       </dgm:prSet>
       <dgm:spPr/>
+      <dgm:t>
+        <a:bodyPr/>
+        <a:lstStyle/>
+        <a:p>
+          <a:endParaRPr lang="zh-CN" altLang="en-US"/>
+        </a:p>
+      </dgm:t>
     </dgm:pt>
     <dgm:pt modelId="{7A1646CE-349E-45CA-9DF3-7E32376FAF21}" type="pres">
       <dgm:prSet presAssocID="{DE4CECE0-5BF1-47F7-AAC7-7EEED03D5DA4}" presName="Parent" presStyleLbl="revTx" presStyleIdx="5" presStyleCnt="6">
@@ -4938,6 +4974,13 @@
         </dgm:presLayoutVars>
       </dgm:prSet>
       <dgm:spPr/>
+      <dgm:t>
+        <a:bodyPr/>
+        <a:lstStyle/>
+        <a:p>
+          <a:endParaRPr lang="zh-CN" altLang="en-US"/>
+        </a:p>
+      </dgm:t>
     </dgm:pt>
   </dgm:ptLst>
   <dgm:cxnLst>
@@ -5326,6 +5369,13 @@
         </dgm:presLayoutVars>
       </dgm:prSet>
       <dgm:spPr/>
+      <dgm:t>
+        <a:bodyPr/>
+        <a:lstStyle/>
+        <a:p>
+          <a:endParaRPr lang="zh-CN" altLang="en-US"/>
+        </a:p>
+      </dgm:t>
     </dgm:pt>
     <dgm:pt modelId="{52F756B4-7D47-4A83-AD29-B007BBF342C6}" type="pres">
       <dgm:prSet presAssocID="{BA8929DF-E15A-418C-9495-35DDBFC2151B}" presName="root" presStyleCnt="0">
@@ -5359,6 +5409,13 @@
         </dgm:presLayoutVars>
       </dgm:prSet>
       <dgm:spPr/>
+      <dgm:t>
+        <a:bodyPr/>
+        <a:lstStyle/>
+        <a:p>
+          <a:endParaRPr lang="zh-CN" altLang="en-US"/>
+        </a:p>
+      </dgm:t>
     </dgm:pt>
     <dgm:pt modelId="{B2DBE50C-E891-4463-9B32-7F5E7E792D6C}" type="pres">
       <dgm:prSet presAssocID="{BA8929DF-E15A-418C-9495-35DDBFC2151B}" presName="childShape" presStyleCnt="0">
@@ -5391,6 +5448,13 @@
         </dgm:presLayoutVars>
       </dgm:prSet>
       <dgm:spPr/>
+      <dgm:t>
+        <a:bodyPr/>
+        <a:lstStyle/>
+        <a:p>
+          <a:endParaRPr lang="zh-CN" altLang="en-US"/>
+        </a:p>
+      </dgm:t>
     </dgm:pt>
     <dgm:pt modelId="{3922FA4C-9C86-4F72-950F-102D7B23A11D}" type="pres">
       <dgm:prSet presAssocID="{747F5B11-A6F5-4186-942C-DD68C210C3F9}" presName="childComposite" presStyleCnt="0">
@@ -5414,6 +5478,13 @@
         </dgm:presLayoutVars>
       </dgm:prSet>
       <dgm:spPr/>
+      <dgm:t>
+        <a:bodyPr/>
+        <a:lstStyle/>
+        <a:p>
+          <a:endParaRPr lang="zh-CN" altLang="en-US"/>
+        </a:p>
+      </dgm:t>
     </dgm:pt>
     <dgm:pt modelId="{39385BD2-4C60-400B-BBAB-DD5EA074E2DD}" type="pres">
       <dgm:prSet presAssocID="{FCAEC473-1C75-4380-A682-D2FB4DB3178F}" presName="childComposite" presStyleCnt="0">
@@ -5437,6 +5508,13 @@
         </dgm:presLayoutVars>
       </dgm:prSet>
       <dgm:spPr/>
+      <dgm:t>
+        <a:bodyPr/>
+        <a:lstStyle/>
+        <a:p>
+          <a:endParaRPr lang="zh-CN" altLang="en-US"/>
+        </a:p>
+      </dgm:t>
     </dgm:pt>
     <dgm:pt modelId="{CFA64BE8-2B89-4D99-B79B-777721B80DE3}" type="pres">
       <dgm:prSet presAssocID="{67560F3C-0B96-4F2F-8381-2A0D9B979AE2}" presName="root" presStyleCnt="0">
@@ -5470,6 +5548,13 @@
         </dgm:presLayoutVars>
       </dgm:prSet>
       <dgm:spPr/>
+      <dgm:t>
+        <a:bodyPr/>
+        <a:lstStyle/>
+        <a:p>
+          <a:endParaRPr lang="zh-CN" altLang="en-US"/>
+        </a:p>
+      </dgm:t>
     </dgm:pt>
     <dgm:pt modelId="{EC05CC50-8B3C-447D-BD05-B3C87AC06EAF}" type="pres">
       <dgm:prSet presAssocID="{67560F3C-0B96-4F2F-8381-2A0D9B979AE2}" presName="childShape" presStyleCnt="0">
@@ -5502,6 +5587,13 @@
         </dgm:presLayoutVars>
       </dgm:prSet>
       <dgm:spPr/>
+      <dgm:t>
+        <a:bodyPr/>
+        <a:lstStyle/>
+        <a:p>
+          <a:endParaRPr lang="zh-CN" altLang="en-US"/>
+        </a:p>
+      </dgm:t>
     </dgm:pt>
     <dgm:pt modelId="{75BB1261-2506-4F5E-AC4C-6361ABAFC0B3}" type="pres">
       <dgm:prSet presAssocID="{0474F11E-BC72-4676-99B4-A021E8DB6CEE}" presName="root" presStyleCnt="0">
@@ -5535,6 +5627,13 @@
         </dgm:presLayoutVars>
       </dgm:prSet>
       <dgm:spPr/>
+      <dgm:t>
+        <a:bodyPr/>
+        <a:lstStyle/>
+        <a:p>
+          <a:endParaRPr lang="zh-CN" altLang="en-US"/>
+        </a:p>
+      </dgm:t>
     </dgm:pt>
     <dgm:pt modelId="{4681C58D-105F-46B7-9C87-334770C1F73C}" type="pres">
       <dgm:prSet presAssocID="{0474F11E-BC72-4676-99B4-A021E8DB6CEE}" presName="childShape" presStyleCnt="0">
@@ -5567,26 +5666,33 @@
         </dgm:presLayoutVars>
       </dgm:prSet>
       <dgm:spPr/>
+      <dgm:t>
+        <a:bodyPr/>
+        <a:lstStyle/>
+        <a:p>
+          <a:endParaRPr lang="zh-CN" altLang="en-US"/>
+        </a:p>
+      </dgm:t>
     </dgm:pt>
   </dgm:ptLst>
   <dgm:cxnLst>
-    <dgm:cxn modelId="{81C82FF8-B4D0-433B-9723-2C24A44CF16A}" type="presOf" srcId="{747F5B11-A6F5-4186-942C-DD68C210C3F9}" destId="{76338192-CAAC-4D76-B92B-714A79AD1AAC}" srcOrd="0" destOrd="0" presId="urn:microsoft.com/office/officeart/2008/layout/SquareAccentList"/>
-    <dgm:cxn modelId="{ED319F81-E31D-4A7D-ACA5-7B452A7AE195}" type="presOf" srcId="{782D8C58-9013-4334-A660-545568915A5D}" destId="{A0573D14-E200-4DB1-AAD2-BB91BED8F9BB}" srcOrd="0" destOrd="0" presId="urn:microsoft.com/office/officeart/2008/layout/SquareAccentList"/>
+    <dgm:cxn modelId="{A8673327-A473-45AB-BEC4-C8F767F871C8}" srcId="{67560F3C-0B96-4F2F-8381-2A0D9B979AE2}" destId="{A05C8028-278B-4731-8806-E3020B01EDA6}" srcOrd="0" destOrd="0" parTransId="{9A989E93-79C8-4F2E-BB55-AF1501E2E291}" sibTransId="{995F1D3E-2337-4D67-9129-6A66F5FBB956}"/>
+    <dgm:cxn modelId="{CCDB7FAD-0908-40C9-9D1B-F5CCA2FACCC4}" type="presOf" srcId="{8809EEA2-5B09-49D7-B896-ADA4D11C13EE}" destId="{B44783F1-76BE-45DD-B13B-5FF290F4E951}" srcOrd="0" destOrd="0" presId="urn:microsoft.com/office/officeart/2008/layout/SquareAccentList"/>
+    <dgm:cxn modelId="{2A31A000-122B-44EF-B778-133FB7046207}" type="presOf" srcId="{FCAEC473-1C75-4380-A682-D2FB4DB3178F}" destId="{14A16BE7-5F07-43DC-A182-8EACFE6EC8AA}" srcOrd="0" destOrd="0" presId="urn:microsoft.com/office/officeart/2008/layout/SquareAccentList"/>
+    <dgm:cxn modelId="{CED7EC8F-7DFF-40DF-BF33-C06C35B4B29E}" srcId="{BA8929DF-E15A-418C-9495-35DDBFC2151B}" destId="{FCAEC473-1C75-4380-A682-D2FB4DB3178F}" srcOrd="2" destOrd="0" parTransId="{52B0BD2B-3CD9-489F-B00C-60BA5C758661}" sibTransId="{2E297F30-A0F7-4CDE-AE47-B21AE4495DF9}"/>
+    <dgm:cxn modelId="{0451165E-2521-4F91-B401-DEAE338348E0}" type="presOf" srcId="{A05C8028-278B-4731-8806-E3020B01EDA6}" destId="{0DC4F469-211C-4C9B-B94D-439DDC52A026}" srcOrd="0" destOrd="0" presId="urn:microsoft.com/office/officeart/2008/layout/SquareAccentList"/>
+    <dgm:cxn modelId="{3C09E793-150C-4A28-A5E8-E632D34B98F6}" srcId="{C7EE2A88-A1A3-4543-B522-3FE76AB62629}" destId="{BA8929DF-E15A-418C-9495-35DDBFC2151B}" srcOrd="0" destOrd="0" parTransId="{C9A78FDD-6108-4C5F-8044-D0017746A10C}" sibTransId="{B037D1DB-3C31-4757-8807-83C8DD0BE8E3}"/>
     <dgm:cxn modelId="{E9220EE2-AFA7-47ED-ACCB-F55BAEC17987}" srcId="{0474F11E-BC72-4676-99B4-A021E8DB6CEE}" destId="{8809EEA2-5B09-49D7-B896-ADA4D11C13EE}" srcOrd="0" destOrd="0" parTransId="{842D1041-41A8-422B-98C4-4B3DBA699FCF}" sibTransId="{E0DAFE2C-460B-494C-B176-4170F8D452D2}"/>
     <dgm:cxn modelId="{B729A5E9-A169-4065-971A-7B1B7FD6C8C3}" type="presOf" srcId="{0474F11E-BC72-4676-99B4-A021E8DB6CEE}" destId="{EE76ACE8-AFF8-4D21-9EAE-6043E90C7E4C}" srcOrd="0" destOrd="0" presId="urn:microsoft.com/office/officeart/2008/layout/SquareAccentList"/>
-    <dgm:cxn modelId="{CED7EC8F-7DFF-40DF-BF33-C06C35B4B29E}" srcId="{BA8929DF-E15A-418C-9495-35DDBFC2151B}" destId="{FCAEC473-1C75-4380-A682-D2FB4DB3178F}" srcOrd="2" destOrd="0" parTransId="{52B0BD2B-3CD9-489F-B00C-60BA5C758661}" sibTransId="{2E297F30-A0F7-4CDE-AE47-B21AE4495DF9}"/>
-    <dgm:cxn modelId="{A8673327-A473-45AB-BEC4-C8F767F871C8}" srcId="{67560F3C-0B96-4F2F-8381-2A0D9B979AE2}" destId="{A05C8028-278B-4731-8806-E3020B01EDA6}" srcOrd="0" destOrd="0" parTransId="{9A989E93-79C8-4F2E-BB55-AF1501E2E291}" sibTransId="{995F1D3E-2337-4D67-9129-6A66F5FBB956}"/>
+    <dgm:cxn modelId="{50F7ED0A-94AD-47AE-800C-1EA380F252BD}" type="presOf" srcId="{C7EE2A88-A1A3-4543-B522-3FE76AB62629}" destId="{97D1C613-8162-4583-9DA9-017A077F3A87}" srcOrd="0" destOrd="0" presId="urn:microsoft.com/office/officeart/2008/layout/SquareAccentList"/>
     <dgm:cxn modelId="{E65DFC90-D276-4785-94E3-13E81392916B}" srcId="{BA8929DF-E15A-418C-9495-35DDBFC2151B}" destId="{747F5B11-A6F5-4186-942C-DD68C210C3F9}" srcOrd="1" destOrd="0" parTransId="{E9D93147-0B11-43FC-9448-58764CDE0D2E}" sibTransId="{6FEC40BE-4B04-40EF-A085-8502D6D7AB57}"/>
-    <dgm:cxn modelId="{3C09E793-150C-4A28-A5E8-E632D34B98F6}" srcId="{C7EE2A88-A1A3-4543-B522-3FE76AB62629}" destId="{BA8929DF-E15A-418C-9495-35DDBFC2151B}" srcOrd="0" destOrd="0" parTransId="{C9A78FDD-6108-4C5F-8044-D0017746A10C}" sibTransId="{B037D1DB-3C31-4757-8807-83C8DD0BE8E3}"/>
-    <dgm:cxn modelId="{50F7ED0A-94AD-47AE-800C-1EA380F252BD}" type="presOf" srcId="{C7EE2A88-A1A3-4543-B522-3FE76AB62629}" destId="{97D1C613-8162-4583-9DA9-017A077F3A87}" srcOrd="0" destOrd="0" presId="urn:microsoft.com/office/officeart/2008/layout/SquareAccentList"/>
-    <dgm:cxn modelId="{CCDB7FAD-0908-40C9-9D1B-F5CCA2FACCC4}" type="presOf" srcId="{8809EEA2-5B09-49D7-B896-ADA4D11C13EE}" destId="{B44783F1-76BE-45DD-B13B-5FF290F4E951}" srcOrd="0" destOrd="0" presId="urn:microsoft.com/office/officeart/2008/layout/SquareAccentList"/>
+    <dgm:cxn modelId="{A55B7E7E-C0BA-4998-8455-4DABD74FE519}" type="presOf" srcId="{BA8929DF-E15A-418C-9495-35DDBFC2151B}" destId="{5E81F00B-1A32-41CD-87C5-2D51426B5B2F}" srcOrd="0" destOrd="0" presId="urn:microsoft.com/office/officeart/2008/layout/SquareAccentList"/>
+    <dgm:cxn modelId="{ED319F81-E31D-4A7D-ACA5-7B452A7AE195}" type="presOf" srcId="{782D8C58-9013-4334-A660-545568915A5D}" destId="{A0573D14-E200-4DB1-AAD2-BB91BED8F9BB}" srcOrd="0" destOrd="0" presId="urn:microsoft.com/office/officeart/2008/layout/SquareAccentList"/>
+    <dgm:cxn modelId="{81C82FF8-B4D0-433B-9723-2C24A44CF16A}" type="presOf" srcId="{747F5B11-A6F5-4186-942C-DD68C210C3F9}" destId="{76338192-CAAC-4D76-B92B-714A79AD1AAC}" srcOrd="0" destOrd="0" presId="urn:microsoft.com/office/officeart/2008/layout/SquareAccentList"/>
+    <dgm:cxn modelId="{23A5E1D3-B31D-4AE0-A56B-43FD20CCC59E}" srcId="{C7EE2A88-A1A3-4543-B522-3FE76AB62629}" destId="{67560F3C-0B96-4F2F-8381-2A0D9B979AE2}" srcOrd="1" destOrd="0" parTransId="{B02F5F5C-A172-4AA3-9294-2D72565E1FC0}" sibTransId="{2462854F-3DEA-4819-8FD1-1B3927973282}"/>
     <dgm:cxn modelId="{AAFE6F8F-C35F-4C8C-B0E7-ADA6E1D710DE}" type="presOf" srcId="{67560F3C-0B96-4F2F-8381-2A0D9B979AE2}" destId="{8CAD301D-3B12-4755-B4FF-FB796DC93C0E}" srcOrd="0" destOrd="0" presId="urn:microsoft.com/office/officeart/2008/layout/SquareAccentList"/>
     <dgm:cxn modelId="{2DA15DD3-D51A-43D5-8817-72BEAACB239C}" srcId="{BA8929DF-E15A-418C-9495-35DDBFC2151B}" destId="{782D8C58-9013-4334-A660-545568915A5D}" srcOrd="0" destOrd="0" parTransId="{56DAF017-C070-41B3-906A-7A364EE07AEF}" sibTransId="{1C79C1FF-6D71-44A7-A32A-FE7A8E399574}"/>
-    <dgm:cxn modelId="{A55B7E7E-C0BA-4998-8455-4DABD74FE519}" type="presOf" srcId="{BA8929DF-E15A-418C-9495-35DDBFC2151B}" destId="{5E81F00B-1A32-41CD-87C5-2D51426B5B2F}" srcOrd="0" destOrd="0" presId="urn:microsoft.com/office/officeart/2008/layout/SquareAccentList"/>
-    <dgm:cxn modelId="{2A31A000-122B-44EF-B778-133FB7046207}" type="presOf" srcId="{FCAEC473-1C75-4380-A682-D2FB4DB3178F}" destId="{14A16BE7-5F07-43DC-A182-8EACFE6EC8AA}" srcOrd="0" destOrd="0" presId="urn:microsoft.com/office/officeart/2008/layout/SquareAccentList"/>
     <dgm:cxn modelId="{13E6E6AE-4332-4116-94F6-C506C6E4F99A}" srcId="{C7EE2A88-A1A3-4543-B522-3FE76AB62629}" destId="{0474F11E-BC72-4676-99B4-A021E8DB6CEE}" srcOrd="2" destOrd="0" parTransId="{EF55A5DA-70AC-410C-8DBE-EBE7A17DA135}" sibTransId="{BBBC969B-ACFF-4A3A-8530-FDC29D767713}"/>
-    <dgm:cxn modelId="{23A5E1D3-B31D-4AE0-A56B-43FD20CCC59E}" srcId="{C7EE2A88-A1A3-4543-B522-3FE76AB62629}" destId="{67560F3C-0B96-4F2F-8381-2A0D9B979AE2}" srcOrd="1" destOrd="0" parTransId="{B02F5F5C-A172-4AA3-9294-2D72565E1FC0}" sibTransId="{2462854F-3DEA-4819-8FD1-1B3927973282}"/>
-    <dgm:cxn modelId="{0451165E-2521-4F91-B401-DEAE338348E0}" type="presOf" srcId="{A05C8028-278B-4731-8806-E3020B01EDA6}" destId="{0DC4F469-211C-4C9B-B94D-439DDC52A026}" srcOrd="0" destOrd="0" presId="urn:microsoft.com/office/officeart/2008/layout/SquareAccentList"/>
     <dgm:cxn modelId="{62EF36D2-3FC2-47D8-A85F-600EA9583D55}" type="presParOf" srcId="{97D1C613-8162-4583-9DA9-017A077F3A87}" destId="{52F756B4-7D47-4A83-AD29-B007BBF342C6}" srcOrd="0" destOrd="0" presId="urn:microsoft.com/office/officeart/2008/layout/SquareAccentList"/>
     <dgm:cxn modelId="{947190AF-DDAA-42CA-97FC-C70BEA785C77}" type="presParOf" srcId="{52F756B4-7D47-4A83-AD29-B007BBF342C6}" destId="{40DD6C6A-3F75-43CE-B3F4-46DA9A0CFDF0}" srcOrd="0" destOrd="0" presId="urn:microsoft.com/office/officeart/2008/layout/SquareAccentList"/>
     <dgm:cxn modelId="{44F8F0FA-9165-4BCA-8D4D-99730419CC07}" type="presParOf" srcId="{40DD6C6A-3F75-43CE-B3F4-46DA9A0CFDF0}" destId="{CD86B157-DA1B-4EAC-A384-C562A0C5C0EB}" srcOrd="0" destOrd="0" presId="urn:microsoft.com/office/officeart/2008/layout/SquareAccentList"/>
@@ -5639,820 +5745,6 @@
       <dsp:cNvGrpSpPr/>
     </dsp:nvGrpSpPr>
     <dsp:grpSpPr/>
-    <dsp:sp modelId="{8FA73E92-987D-4535-8572-B96A14A913C4}">
-      <dsp:nvSpPr>
-        <dsp:cNvPr id="0" name=""/>
-        <dsp:cNvSpPr/>
-      </dsp:nvSpPr>
-      <dsp:spPr>
-        <a:xfrm>
-          <a:off x="0" y="360534"/>
-          <a:ext cx="1239440" cy="743664"/>
-        </a:xfrm>
-        <a:prstGeom prst="roundRect">
-          <a:avLst>
-            <a:gd name="adj" fmla="val 10000"/>
-          </a:avLst>
-        </a:prstGeom>
-        <a:solidFill>
-          <a:schemeClr val="accent2">
-            <a:hueOff val="0"/>
-            <a:satOff val="0"/>
-            <a:lumOff val="0"/>
-            <a:alphaOff val="0"/>
-          </a:schemeClr>
-        </a:solidFill>
-        <a:ln w="19050" cap="rnd" cmpd="sng" algn="ctr">
-          <a:solidFill>
-            <a:schemeClr val="lt1">
-              <a:hueOff val="0"/>
-              <a:satOff val="0"/>
-              <a:lumOff val="0"/>
-              <a:alphaOff val="0"/>
-            </a:schemeClr>
-          </a:solidFill>
-          <a:prstDash val="solid"/>
-        </a:ln>
-        <a:effectLst/>
-      </dsp:spPr>
-      <dsp:style>
-        <a:lnRef idx="2">
-          <a:scrgbClr r="0" g="0" b="0"/>
-        </a:lnRef>
-        <a:fillRef idx="1">
-          <a:scrgbClr r="0" g="0" b="0"/>
-        </a:fillRef>
-        <a:effectRef idx="0">
-          <a:scrgbClr r="0" g="0" b="0"/>
-        </a:effectRef>
-        <a:fontRef idx="minor">
-          <a:schemeClr val="lt1"/>
-        </a:fontRef>
-      </dsp:style>
-      <dsp:txBody>
-        <a:bodyPr spcFirstLastPara="0" vert="horz" wrap="square" lIns="76200" tIns="76200" rIns="76200" bIns="76200" numCol="1" spcCol="1270" anchor="ctr" anchorCtr="0">
-          <a:noAutofit/>
-        </a:bodyPr>
-        <a:lstStyle/>
-        <a:p>
-          <a:pPr lvl="0" algn="ctr" defTabSz="889000">
-            <a:lnSpc>
-              <a:spcPct val="90000"/>
-            </a:lnSpc>
-            <a:spcBef>
-              <a:spcPct val="0"/>
-            </a:spcBef>
-            <a:spcAft>
-              <a:spcPct val="35000"/>
-            </a:spcAft>
-          </a:pPr>
-          <a:r>
-            <a:rPr lang="zh-CN" altLang="en-US" sz="2000" kern="1200" dirty="0" smtClean="0"/>
-            <a:t>过需求</a:t>
-          </a:r>
-          <a:endParaRPr lang="zh-CN" altLang="en-US" sz="2000" kern="1200" dirty="0"/>
-        </a:p>
-      </dsp:txBody>
-      <dsp:txXfrm>
-        <a:off x="21781" y="382315"/>
-        <a:ext cx="1195878" cy="700102"/>
-      </dsp:txXfrm>
-    </dsp:sp>
-    <dsp:sp modelId="{B5FB8FD1-EBEF-4466-B675-D8F010839164}">
-      <dsp:nvSpPr>
-        <dsp:cNvPr id="0" name=""/>
-        <dsp:cNvSpPr/>
-      </dsp:nvSpPr>
-      <dsp:spPr>
-        <a:xfrm>
-          <a:off x="1363384" y="578675"/>
-          <a:ext cx="262761" cy="307381"/>
-        </a:xfrm>
-        <a:prstGeom prst="rightArrow">
-          <a:avLst>
-            <a:gd name="adj1" fmla="val 60000"/>
-            <a:gd name="adj2" fmla="val 50000"/>
-          </a:avLst>
-        </a:prstGeom>
-        <a:solidFill>
-          <a:schemeClr val="accent2">
-            <a:hueOff val="0"/>
-            <a:satOff val="0"/>
-            <a:lumOff val="0"/>
-            <a:alphaOff val="0"/>
-          </a:schemeClr>
-        </a:solidFill>
-        <a:ln>
-          <a:noFill/>
-        </a:ln>
-        <a:effectLst/>
-      </dsp:spPr>
-      <dsp:style>
-        <a:lnRef idx="0">
-          <a:scrgbClr r="0" g="0" b="0"/>
-        </a:lnRef>
-        <a:fillRef idx="1">
-          <a:scrgbClr r="0" g="0" b="0"/>
-        </a:fillRef>
-        <a:effectRef idx="0">
-          <a:scrgbClr r="0" g="0" b="0"/>
-        </a:effectRef>
-        <a:fontRef idx="minor">
-          <a:schemeClr val="lt1"/>
-        </a:fontRef>
-      </dsp:style>
-      <dsp:txBody>
-        <a:bodyPr spcFirstLastPara="0" vert="horz" wrap="square" lIns="0" tIns="0" rIns="0" bIns="0" numCol="1" spcCol="1270" anchor="ctr" anchorCtr="0">
-          <a:noAutofit/>
-        </a:bodyPr>
-        <a:lstStyle/>
-        <a:p>
-          <a:pPr lvl="0" algn="ctr" defTabSz="577850">
-            <a:lnSpc>
-              <a:spcPct val="90000"/>
-            </a:lnSpc>
-            <a:spcBef>
-              <a:spcPct val="0"/>
-            </a:spcBef>
-            <a:spcAft>
-              <a:spcPct val="35000"/>
-            </a:spcAft>
-          </a:pPr>
-          <a:endParaRPr lang="zh-CN" altLang="en-US" sz="1300" kern="1200"/>
-        </a:p>
-      </dsp:txBody>
-      <dsp:txXfrm>
-        <a:off x="1363384" y="640151"/>
-        <a:ext cx="183933" cy="184429"/>
-      </dsp:txXfrm>
-    </dsp:sp>
-    <dsp:sp modelId="{01F7327D-6B6A-468A-9308-F978EFD937A4}">
-      <dsp:nvSpPr>
-        <dsp:cNvPr id="0" name=""/>
-        <dsp:cNvSpPr/>
-      </dsp:nvSpPr>
-      <dsp:spPr>
-        <a:xfrm>
-          <a:off x="1735217" y="360534"/>
-          <a:ext cx="1239440" cy="743664"/>
-        </a:xfrm>
-        <a:prstGeom prst="roundRect">
-          <a:avLst>
-            <a:gd name="adj" fmla="val 10000"/>
-          </a:avLst>
-        </a:prstGeom>
-        <a:solidFill>
-          <a:schemeClr val="accent2">
-            <a:hueOff val="-622030"/>
-            <a:satOff val="-3291"/>
-            <a:lumOff val="-1255"/>
-            <a:alphaOff val="0"/>
-          </a:schemeClr>
-        </a:solidFill>
-        <a:ln w="19050" cap="rnd" cmpd="sng" algn="ctr">
-          <a:solidFill>
-            <a:schemeClr val="lt1">
-              <a:hueOff val="0"/>
-              <a:satOff val="0"/>
-              <a:lumOff val="0"/>
-              <a:alphaOff val="0"/>
-            </a:schemeClr>
-          </a:solidFill>
-          <a:prstDash val="solid"/>
-        </a:ln>
-        <a:effectLst/>
-      </dsp:spPr>
-      <dsp:style>
-        <a:lnRef idx="2">
-          <a:scrgbClr r="0" g="0" b="0"/>
-        </a:lnRef>
-        <a:fillRef idx="1">
-          <a:scrgbClr r="0" g="0" b="0"/>
-        </a:fillRef>
-        <a:effectRef idx="0">
-          <a:scrgbClr r="0" g="0" b="0"/>
-        </a:effectRef>
-        <a:fontRef idx="minor">
-          <a:schemeClr val="lt1"/>
-        </a:fontRef>
-      </dsp:style>
-      <dsp:txBody>
-        <a:bodyPr spcFirstLastPara="0" vert="horz" wrap="square" lIns="76200" tIns="76200" rIns="76200" bIns="76200" numCol="1" spcCol="1270" anchor="ctr" anchorCtr="0">
-          <a:noAutofit/>
-        </a:bodyPr>
-        <a:lstStyle/>
-        <a:p>
-          <a:pPr lvl="0" algn="ctr" defTabSz="889000">
-            <a:lnSpc>
-              <a:spcPct val="90000"/>
-            </a:lnSpc>
-            <a:spcBef>
-              <a:spcPct val="0"/>
-            </a:spcBef>
-            <a:spcAft>
-              <a:spcPct val="35000"/>
-            </a:spcAft>
-          </a:pPr>
-          <a:r>
-            <a:rPr lang="zh-CN" altLang="en-US" sz="2000" kern="1200" dirty="0" smtClean="0"/>
-            <a:t>分任务</a:t>
-          </a:r>
-          <a:endParaRPr lang="zh-CN" altLang="en-US" sz="2000" kern="1200" dirty="0"/>
-        </a:p>
-      </dsp:txBody>
-      <dsp:txXfrm>
-        <a:off x="1756998" y="382315"/>
-        <a:ext cx="1195878" cy="700102"/>
-      </dsp:txXfrm>
-    </dsp:sp>
-    <dsp:sp modelId="{71AA9F5D-F0F3-4A15-9F17-254807E04E51}">
-      <dsp:nvSpPr>
-        <dsp:cNvPr id="0" name=""/>
-        <dsp:cNvSpPr/>
-      </dsp:nvSpPr>
-      <dsp:spPr>
-        <a:xfrm>
-          <a:off x="3098601" y="578675"/>
-          <a:ext cx="262761" cy="307381"/>
-        </a:xfrm>
-        <a:prstGeom prst="rightArrow">
-          <a:avLst>
-            <a:gd name="adj1" fmla="val 60000"/>
-            <a:gd name="adj2" fmla="val 50000"/>
-          </a:avLst>
-        </a:prstGeom>
-        <a:solidFill>
-          <a:schemeClr val="accent2">
-            <a:hueOff val="-777537"/>
-            <a:satOff val="-4113"/>
-            <a:lumOff val="-1568"/>
-            <a:alphaOff val="0"/>
-          </a:schemeClr>
-        </a:solidFill>
-        <a:ln>
-          <a:noFill/>
-        </a:ln>
-        <a:effectLst/>
-      </dsp:spPr>
-      <dsp:style>
-        <a:lnRef idx="0">
-          <a:scrgbClr r="0" g="0" b="0"/>
-        </a:lnRef>
-        <a:fillRef idx="1">
-          <a:scrgbClr r="0" g="0" b="0"/>
-        </a:fillRef>
-        <a:effectRef idx="0">
-          <a:scrgbClr r="0" g="0" b="0"/>
-        </a:effectRef>
-        <a:fontRef idx="minor">
-          <a:schemeClr val="lt1"/>
-        </a:fontRef>
-      </dsp:style>
-      <dsp:txBody>
-        <a:bodyPr spcFirstLastPara="0" vert="horz" wrap="square" lIns="0" tIns="0" rIns="0" bIns="0" numCol="1" spcCol="1270" anchor="ctr" anchorCtr="0">
-          <a:noAutofit/>
-        </a:bodyPr>
-        <a:lstStyle/>
-        <a:p>
-          <a:pPr lvl="0" algn="ctr" defTabSz="577850">
-            <a:lnSpc>
-              <a:spcPct val="90000"/>
-            </a:lnSpc>
-            <a:spcBef>
-              <a:spcPct val="0"/>
-            </a:spcBef>
-            <a:spcAft>
-              <a:spcPct val="35000"/>
-            </a:spcAft>
-          </a:pPr>
-          <a:endParaRPr lang="zh-CN" altLang="en-US" sz="1300" kern="1200"/>
-        </a:p>
-      </dsp:txBody>
-      <dsp:txXfrm>
-        <a:off x="3098601" y="640151"/>
-        <a:ext cx="183933" cy="184429"/>
-      </dsp:txXfrm>
-    </dsp:sp>
-    <dsp:sp modelId="{768F2E01-3C41-4349-92C3-584AA27538D8}">
-      <dsp:nvSpPr>
-        <dsp:cNvPr id="0" name=""/>
-        <dsp:cNvSpPr/>
-      </dsp:nvSpPr>
-      <dsp:spPr>
-        <a:xfrm>
-          <a:off x="3470434" y="360534"/>
-          <a:ext cx="1239440" cy="743664"/>
-        </a:xfrm>
-        <a:prstGeom prst="roundRect">
-          <a:avLst>
-            <a:gd name="adj" fmla="val 10000"/>
-          </a:avLst>
-        </a:prstGeom>
-        <a:solidFill>
-          <a:schemeClr val="accent2">
-            <a:hueOff val="-1244059"/>
-            <a:satOff val="-6581"/>
-            <a:lumOff val="-2510"/>
-            <a:alphaOff val="0"/>
-          </a:schemeClr>
-        </a:solidFill>
-        <a:ln w="19050" cap="rnd" cmpd="sng" algn="ctr">
-          <a:solidFill>
-            <a:schemeClr val="lt1">
-              <a:hueOff val="0"/>
-              <a:satOff val="0"/>
-              <a:lumOff val="0"/>
-              <a:alphaOff val="0"/>
-            </a:schemeClr>
-          </a:solidFill>
-          <a:prstDash val="solid"/>
-        </a:ln>
-        <a:effectLst/>
-      </dsp:spPr>
-      <dsp:style>
-        <a:lnRef idx="2">
-          <a:scrgbClr r="0" g="0" b="0"/>
-        </a:lnRef>
-        <a:fillRef idx="1">
-          <a:scrgbClr r="0" g="0" b="0"/>
-        </a:fillRef>
-        <a:effectRef idx="0">
-          <a:scrgbClr r="0" g="0" b="0"/>
-        </a:effectRef>
-        <a:fontRef idx="minor">
-          <a:schemeClr val="lt1"/>
-        </a:fontRef>
-      </dsp:style>
-      <dsp:txBody>
-        <a:bodyPr spcFirstLastPara="0" vert="horz" wrap="square" lIns="76200" tIns="76200" rIns="76200" bIns="76200" numCol="1" spcCol="1270" anchor="ctr" anchorCtr="0">
-          <a:noAutofit/>
-        </a:bodyPr>
-        <a:lstStyle/>
-        <a:p>
-          <a:pPr lvl="0" algn="ctr" defTabSz="889000">
-            <a:lnSpc>
-              <a:spcPct val="90000"/>
-            </a:lnSpc>
-            <a:spcBef>
-              <a:spcPct val="0"/>
-            </a:spcBef>
-            <a:spcAft>
-              <a:spcPct val="35000"/>
-            </a:spcAft>
-          </a:pPr>
-          <a:r>
-            <a:rPr lang="zh-CN" altLang="en-US" sz="2000" kern="1200" dirty="0" smtClean="0"/>
-            <a:t>分头开发</a:t>
-          </a:r>
-          <a:endParaRPr lang="zh-CN" altLang="en-US" sz="2000" kern="1200" dirty="0"/>
-        </a:p>
-      </dsp:txBody>
-      <dsp:txXfrm>
-        <a:off x="3492215" y="382315"/>
-        <a:ext cx="1195878" cy="700102"/>
-      </dsp:txXfrm>
-    </dsp:sp>
-    <dsp:sp modelId="{2E727F84-6FB2-4211-9B3A-2F1442D815F2}">
-      <dsp:nvSpPr>
-        <dsp:cNvPr id="0" name=""/>
-        <dsp:cNvSpPr/>
-      </dsp:nvSpPr>
-      <dsp:spPr>
-        <a:xfrm>
-          <a:off x="4833818" y="578675"/>
-          <a:ext cx="262761" cy="307381"/>
-        </a:xfrm>
-        <a:prstGeom prst="rightArrow">
-          <a:avLst>
-            <a:gd name="adj1" fmla="val 60000"/>
-            <a:gd name="adj2" fmla="val 50000"/>
-          </a:avLst>
-        </a:prstGeom>
-        <a:solidFill>
-          <a:schemeClr val="accent2">
-            <a:hueOff val="-1555074"/>
-            <a:satOff val="-8227"/>
-            <a:lumOff val="-3137"/>
-            <a:alphaOff val="0"/>
-          </a:schemeClr>
-        </a:solidFill>
-        <a:ln>
-          <a:noFill/>
-        </a:ln>
-        <a:effectLst/>
-      </dsp:spPr>
-      <dsp:style>
-        <a:lnRef idx="0">
-          <a:scrgbClr r="0" g="0" b="0"/>
-        </a:lnRef>
-        <a:fillRef idx="1">
-          <a:scrgbClr r="0" g="0" b="0"/>
-        </a:fillRef>
-        <a:effectRef idx="0">
-          <a:scrgbClr r="0" g="0" b="0"/>
-        </a:effectRef>
-        <a:fontRef idx="minor">
-          <a:schemeClr val="lt1"/>
-        </a:fontRef>
-      </dsp:style>
-      <dsp:txBody>
-        <a:bodyPr spcFirstLastPara="0" vert="horz" wrap="square" lIns="0" tIns="0" rIns="0" bIns="0" numCol="1" spcCol="1270" anchor="ctr" anchorCtr="0">
-          <a:noAutofit/>
-        </a:bodyPr>
-        <a:lstStyle/>
-        <a:p>
-          <a:pPr lvl="0" algn="ctr" defTabSz="577850">
-            <a:lnSpc>
-              <a:spcPct val="90000"/>
-            </a:lnSpc>
-            <a:spcBef>
-              <a:spcPct val="0"/>
-            </a:spcBef>
-            <a:spcAft>
-              <a:spcPct val="35000"/>
-            </a:spcAft>
-          </a:pPr>
-          <a:endParaRPr lang="zh-CN" altLang="en-US" sz="1300" kern="1200"/>
-        </a:p>
-      </dsp:txBody>
-      <dsp:txXfrm>
-        <a:off x="4833818" y="640151"/>
-        <a:ext cx="183933" cy="184429"/>
-      </dsp:txXfrm>
-    </dsp:sp>
-    <dsp:sp modelId="{C23C9AAE-233C-47B5-B9A1-D7E62F8DDB13}">
-      <dsp:nvSpPr>
-        <dsp:cNvPr id="0" name=""/>
-        <dsp:cNvSpPr/>
-      </dsp:nvSpPr>
-      <dsp:spPr>
-        <a:xfrm>
-          <a:off x="5205651" y="360534"/>
-          <a:ext cx="1239440" cy="743664"/>
-        </a:xfrm>
-        <a:prstGeom prst="roundRect">
-          <a:avLst>
-            <a:gd name="adj" fmla="val 10000"/>
-          </a:avLst>
-        </a:prstGeom>
-        <a:solidFill>
-          <a:schemeClr val="accent2">
-            <a:hueOff val="-1866089"/>
-            <a:satOff val="-9872"/>
-            <a:lumOff val="-3764"/>
-            <a:alphaOff val="0"/>
-          </a:schemeClr>
-        </a:solidFill>
-        <a:ln w="19050" cap="rnd" cmpd="sng" algn="ctr">
-          <a:solidFill>
-            <a:schemeClr val="lt1">
-              <a:hueOff val="0"/>
-              <a:satOff val="0"/>
-              <a:lumOff val="0"/>
-              <a:alphaOff val="0"/>
-            </a:schemeClr>
-          </a:solidFill>
-          <a:prstDash val="solid"/>
-        </a:ln>
-        <a:effectLst/>
-      </dsp:spPr>
-      <dsp:style>
-        <a:lnRef idx="2">
-          <a:scrgbClr r="0" g="0" b="0"/>
-        </a:lnRef>
-        <a:fillRef idx="1">
-          <a:scrgbClr r="0" g="0" b="0"/>
-        </a:fillRef>
-        <a:effectRef idx="0">
-          <a:scrgbClr r="0" g="0" b="0"/>
-        </a:effectRef>
-        <a:fontRef idx="minor">
-          <a:schemeClr val="lt1"/>
-        </a:fontRef>
-      </dsp:style>
-      <dsp:txBody>
-        <a:bodyPr spcFirstLastPara="0" vert="horz" wrap="square" lIns="76200" tIns="76200" rIns="76200" bIns="76200" numCol="1" spcCol="1270" anchor="ctr" anchorCtr="0">
-          <a:noAutofit/>
-        </a:bodyPr>
-        <a:lstStyle/>
-        <a:p>
-          <a:pPr lvl="0" algn="ctr" defTabSz="889000">
-            <a:lnSpc>
-              <a:spcPct val="90000"/>
-            </a:lnSpc>
-            <a:spcBef>
-              <a:spcPct val="0"/>
-            </a:spcBef>
-            <a:spcAft>
-              <a:spcPct val="35000"/>
-            </a:spcAft>
-          </a:pPr>
-          <a:r>
-            <a:rPr lang="zh-CN" altLang="en-US" sz="2000" kern="1200" dirty="0" smtClean="0"/>
-            <a:t>联调</a:t>
-          </a:r>
-          <a:endParaRPr lang="zh-CN" altLang="en-US" sz="2000" kern="1200" dirty="0"/>
-        </a:p>
-      </dsp:txBody>
-      <dsp:txXfrm>
-        <a:off x="5227432" y="382315"/>
-        <a:ext cx="1195878" cy="700102"/>
-      </dsp:txXfrm>
-    </dsp:sp>
-    <dsp:sp modelId="{87696846-BAE9-4111-B9E9-267F6717AAD3}">
-      <dsp:nvSpPr>
-        <dsp:cNvPr id="0" name=""/>
-        <dsp:cNvSpPr/>
-      </dsp:nvSpPr>
-      <dsp:spPr>
-        <a:xfrm>
-          <a:off x="6569035" y="578675"/>
-          <a:ext cx="262761" cy="307381"/>
-        </a:xfrm>
-        <a:prstGeom prst="rightArrow">
-          <a:avLst>
-            <a:gd name="adj1" fmla="val 60000"/>
-            <a:gd name="adj2" fmla="val 50000"/>
-          </a:avLst>
-        </a:prstGeom>
-        <a:solidFill>
-          <a:schemeClr val="accent2">
-            <a:hueOff val="-2332611"/>
-            <a:satOff val="-12340"/>
-            <a:lumOff val="-4705"/>
-            <a:alphaOff val="0"/>
-          </a:schemeClr>
-        </a:solidFill>
-        <a:ln>
-          <a:noFill/>
-        </a:ln>
-        <a:effectLst/>
-      </dsp:spPr>
-      <dsp:style>
-        <a:lnRef idx="0">
-          <a:scrgbClr r="0" g="0" b="0"/>
-        </a:lnRef>
-        <a:fillRef idx="1">
-          <a:scrgbClr r="0" g="0" b="0"/>
-        </a:fillRef>
-        <a:effectRef idx="0">
-          <a:scrgbClr r="0" g="0" b="0"/>
-        </a:effectRef>
-        <a:fontRef idx="minor">
-          <a:schemeClr val="lt1"/>
-        </a:fontRef>
-      </dsp:style>
-      <dsp:txBody>
-        <a:bodyPr spcFirstLastPara="0" vert="horz" wrap="square" lIns="0" tIns="0" rIns="0" bIns="0" numCol="1" spcCol="1270" anchor="ctr" anchorCtr="0">
-          <a:noAutofit/>
-        </a:bodyPr>
-        <a:lstStyle/>
-        <a:p>
-          <a:pPr lvl="0" algn="ctr" defTabSz="577850">
-            <a:lnSpc>
-              <a:spcPct val="90000"/>
-            </a:lnSpc>
-            <a:spcBef>
-              <a:spcPct val="0"/>
-            </a:spcBef>
-            <a:spcAft>
-              <a:spcPct val="35000"/>
-            </a:spcAft>
-          </a:pPr>
-          <a:endParaRPr lang="zh-CN" altLang="en-US" sz="1300" kern="1200"/>
-        </a:p>
-      </dsp:txBody>
-      <dsp:txXfrm>
-        <a:off x="6569035" y="640151"/>
-        <a:ext cx="183933" cy="184429"/>
-      </dsp:txXfrm>
-    </dsp:sp>
-    <dsp:sp modelId="{C44405B0-09B6-44AD-A1B4-5C57097C947A}">
-      <dsp:nvSpPr>
-        <dsp:cNvPr id="0" name=""/>
-        <dsp:cNvSpPr/>
-      </dsp:nvSpPr>
-      <dsp:spPr>
-        <a:xfrm>
-          <a:off x="6940868" y="360534"/>
-          <a:ext cx="1239440" cy="743664"/>
-        </a:xfrm>
-        <a:prstGeom prst="roundRect">
-          <a:avLst>
-            <a:gd name="adj" fmla="val 10000"/>
-          </a:avLst>
-        </a:prstGeom>
-        <a:solidFill>
-          <a:schemeClr val="accent2">
-            <a:hueOff val="-2488118"/>
-            <a:satOff val="-13162"/>
-            <a:lumOff val="-5019"/>
-            <a:alphaOff val="0"/>
-          </a:schemeClr>
-        </a:solidFill>
-        <a:ln w="19050" cap="rnd" cmpd="sng" algn="ctr">
-          <a:solidFill>
-            <a:schemeClr val="lt1">
-              <a:hueOff val="0"/>
-              <a:satOff val="0"/>
-              <a:lumOff val="0"/>
-              <a:alphaOff val="0"/>
-            </a:schemeClr>
-          </a:solidFill>
-          <a:prstDash val="solid"/>
-        </a:ln>
-        <a:effectLst/>
-      </dsp:spPr>
-      <dsp:style>
-        <a:lnRef idx="2">
-          <a:scrgbClr r="0" g="0" b="0"/>
-        </a:lnRef>
-        <a:fillRef idx="1">
-          <a:scrgbClr r="0" g="0" b="0"/>
-        </a:fillRef>
-        <a:effectRef idx="0">
-          <a:scrgbClr r="0" g="0" b="0"/>
-        </a:effectRef>
-        <a:fontRef idx="minor">
-          <a:schemeClr val="lt1"/>
-        </a:fontRef>
-      </dsp:style>
-      <dsp:txBody>
-        <a:bodyPr spcFirstLastPara="0" vert="horz" wrap="square" lIns="76200" tIns="76200" rIns="76200" bIns="76200" numCol="1" spcCol="1270" anchor="ctr" anchorCtr="0">
-          <a:noAutofit/>
-        </a:bodyPr>
-        <a:lstStyle/>
-        <a:p>
-          <a:pPr lvl="0" algn="ctr" defTabSz="889000">
-            <a:lnSpc>
-              <a:spcPct val="90000"/>
-            </a:lnSpc>
-            <a:spcBef>
-              <a:spcPct val="0"/>
-            </a:spcBef>
-            <a:spcAft>
-              <a:spcPct val="35000"/>
-            </a:spcAft>
-          </a:pPr>
-          <a:r>
-            <a:rPr lang="zh-CN" altLang="en-US" sz="2000" kern="1200" dirty="0" smtClean="0"/>
-            <a:t>测试</a:t>
-          </a:r>
-          <a:endParaRPr lang="zh-CN" altLang="en-US" sz="2000" kern="1200" dirty="0"/>
-        </a:p>
-      </dsp:txBody>
-      <dsp:txXfrm>
-        <a:off x="6962649" y="382315"/>
-        <a:ext cx="1195878" cy="700102"/>
-      </dsp:txXfrm>
-    </dsp:sp>
-    <dsp:sp modelId="{8CD71D69-9AC3-4C40-AC38-FF6D1564A2B3}">
-      <dsp:nvSpPr>
-        <dsp:cNvPr id="0" name=""/>
-        <dsp:cNvSpPr/>
-      </dsp:nvSpPr>
-      <dsp:spPr>
-        <a:xfrm>
-          <a:off x="8304253" y="578675"/>
-          <a:ext cx="262761" cy="307381"/>
-        </a:xfrm>
-        <a:prstGeom prst="rightArrow">
-          <a:avLst>
-            <a:gd name="adj1" fmla="val 60000"/>
-            <a:gd name="adj2" fmla="val 50000"/>
-          </a:avLst>
-        </a:prstGeom>
-        <a:solidFill>
-          <a:schemeClr val="accent2">
-            <a:hueOff val="-3110148"/>
-            <a:satOff val="-16453"/>
-            <a:lumOff val="-6274"/>
-            <a:alphaOff val="0"/>
-          </a:schemeClr>
-        </a:solidFill>
-        <a:ln>
-          <a:noFill/>
-        </a:ln>
-        <a:effectLst/>
-      </dsp:spPr>
-      <dsp:style>
-        <a:lnRef idx="0">
-          <a:scrgbClr r="0" g="0" b="0"/>
-        </a:lnRef>
-        <a:fillRef idx="1">
-          <a:scrgbClr r="0" g="0" b="0"/>
-        </a:fillRef>
-        <a:effectRef idx="0">
-          <a:scrgbClr r="0" g="0" b="0"/>
-        </a:effectRef>
-        <a:fontRef idx="minor">
-          <a:schemeClr val="lt1"/>
-        </a:fontRef>
-      </dsp:style>
-      <dsp:txBody>
-        <a:bodyPr spcFirstLastPara="0" vert="horz" wrap="square" lIns="0" tIns="0" rIns="0" bIns="0" numCol="1" spcCol="1270" anchor="ctr" anchorCtr="0">
-          <a:noAutofit/>
-        </a:bodyPr>
-        <a:lstStyle/>
-        <a:p>
-          <a:pPr lvl="0" algn="ctr" defTabSz="577850">
-            <a:lnSpc>
-              <a:spcPct val="90000"/>
-            </a:lnSpc>
-            <a:spcBef>
-              <a:spcPct val="0"/>
-            </a:spcBef>
-            <a:spcAft>
-              <a:spcPct val="35000"/>
-            </a:spcAft>
-          </a:pPr>
-          <a:endParaRPr lang="zh-CN" altLang="en-US" sz="1300" kern="1200"/>
-        </a:p>
-      </dsp:txBody>
-      <dsp:txXfrm>
-        <a:off x="8304253" y="640151"/>
-        <a:ext cx="183933" cy="184429"/>
-      </dsp:txXfrm>
-    </dsp:sp>
-    <dsp:sp modelId="{A11B047B-A3AC-4329-8AE6-5D25AB6FEA66}">
-      <dsp:nvSpPr>
-        <dsp:cNvPr id="0" name=""/>
-        <dsp:cNvSpPr/>
-      </dsp:nvSpPr>
-      <dsp:spPr>
-        <a:xfrm>
-          <a:off x="8676085" y="360534"/>
-          <a:ext cx="1239440" cy="743664"/>
-        </a:xfrm>
-        <a:prstGeom prst="roundRect">
-          <a:avLst>
-            <a:gd name="adj" fmla="val 10000"/>
-          </a:avLst>
-        </a:prstGeom>
-        <a:solidFill>
-          <a:schemeClr val="accent2">
-            <a:hueOff val="-3110148"/>
-            <a:satOff val="-16453"/>
-            <a:lumOff val="-6274"/>
-            <a:alphaOff val="0"/>
-          </a:schemeClr>
-        </a:solidFill>
-        <a:ln w="19050" cap="rnd" cmpd="sng" algn="ctr">
-          <a:solidFill>
-            <a:schemeClr val="lt1">
-              <a:hueOff val="0"/>
-              <a:satOff val="0"/>
-              <a:lumOff val="0"/>
-              <a:alphaOff val="0"/>
-            </a:schemeClr>
-          </a:solidFill>
-          <a:prstDash val="solid"/>
-        </a:ln>
-        <a:effectLst/>
-      </dsp:spPr>
-      <dsp:style>
-        <a:lnRef idx="2">
-          <a:scrgbClr r="0" g="0" b="0"/>
-        </a:lnRef>
-        <a:fillRef idx="1">
-          <a:scrgbClr r="0" g="0" b="0"/>
-        </a:fillRef>
-        <a:effectRef idx="0">
-          <a:scrgbClr r="0" g="0" b="0"/>
-        </a:effectRef>
-        <a:fontRef idx="minor">
-          <a:schemeClr val="lt1"/>
-        </a:fontRef>
-      </dsp:style>
-      <dsp:txBody>
-        <a:bodyPr spcFirstLastPara="0" vert="horz" wrap="square" lIns="76200" tIns="76200" rIns="76200" bIns="76200" numCol="1" spcCol="1270" anchor="ctr" anchorCtr="0">
-          <a:noAutofit/>
-        </a:bodyPr>
-        <a:lstStyle/>
-        <a:p>
-          <a:pPr lvl="0" algn="ctr" defTabSz="889000">
-            <a:lnSpc>
-              <a:spcPct val="90000"/>
-            </a:lnSpc>
-            <a:spcBef>
-              <a:spcPct val="0"/>
-            </a:spcBef>
-            <a:spcAft>
-              <a:spcPct val="35000"/>
-            </a:spcAft>
-          </a:pPr>
-          <a:r>
-            <a:rPr lang="zh-CN" altLang="en-US" sz="2000" kern="1200" dirty="0" smtClean="0"/>
-            <a:t>上线</a:t>
-          </a:r>
-          <a:endParaRPr lang="zh-CN" altLang="en-US" sz="2000" kern="1200" dirty="0"/>
-        </a:p>
-      </dsp:txBody>
-      <dsp:txXfrm>
-        <a:off x="8697866" y="382315"/>
-        <a:ext cx="1195878" cy="700102"/>
-      </dsp:txXfrm>
-    </dsp:sp>
   </dsp:spTree>
 </dsp:drawing>
 </file>
@@ -6465,731 +5757,6 @@
       <dsp:cNvGrpSpPr/>
     </dsp:nvGrpSpPr>
     <dsp:grpSpPr/>
-    <dsp:sp modelId="{E68F05C4-06C3-437C-9E72-168CA09D3156}">
-      <dsp:nvSpPr>
-        <dsp:cNvPr id="0" name=""/>
-        <dsp:cNvSpPr/>
-      </dsp:nvSpPr>
-      <dsp:spPr>
-        <a:xfrm>
-          <a:off x="1385915" y="912"/>
-          <a:ext cx="1050869" cy="1050869"/>
-        </a:xfrm>
-        <a:prstGeom prst="ellipse">
-          <a:avLst/>
-        </a:prstGeom>
-        <a:solidFill>
-          <a:schemeClr val="accent2">
-            <a:hueOff val="0"/>
-            <a:satOff val="0"/>
-            <a:lumOff val="0"/>
-            <a:alphaOff val="0"/>
-          </a:schemeClr>
-        </a:solidFill>
-        <a:ln w="19050" cap="rnd" cmpd="sng" algn="ctr">
-          <a:solidFill>
-            <a:schemeClr val="lt1">
-              <a:hueOff val="0"/>
-              <a:satOff val="0"/>
-              <a:lumOff val="0"/>
-              <a:alphaOff val="0"/>
-            </a:schemeClr>
-          </a:solidFill>
-          <a:prstDash val="solid"/>
-        </a:ln>
-        <a:effectLst/>
-      </dsp:spPr>
-      <dsp:style>
-        <a:lnRef idx="2">
-          <a:scrgbClr r="0" g="0" b="0"/>
-        </a:lnRef>
-        <a:fillRef idx="1">
-          <a:scrgbClr r="0" g="0" b="0"/>
-        </a:fillRef>
-        <a:effectRef idx="0">
-          <a:scrgbClr r="0" g="0" b="0"/>
-        </a:effectRef>
-        <a:fontRef idx="minor">
-          <a:schemeClr val="lt1"/>
-        </a:fontRef>
-      </dsp:style>
-      <dsp:txBody>
-        <a:bodyPr spcFirstLastPara="0" vert="horz" wrap="square" lIns="33020" tIns="33020" rIns="33020" bIns="33020" numCol="1" spcCol="1270" anchor="ctr" anchorCtr="0">
-          <a:noAutofit/>
-        </a:bodyPr>
-        <a:lstStyle/>
-        <a:p>
-          <a:pPr lvl="0" algn="ctr" defTabSz="1155700">
-            <a:lnSpc>
-              <a:spcPct val="90000"/>
-            </a:lnSpc>
-            <a:spcBef>
-              <a:spcPct val="0"/>
-            </a:spcBef>
-            <a:spcAft>
-              <a:spcPct val="35000"/>
-            </a:spcAft>
-          </a:pPr>
-          <a:r>
-            <a:rPr lang="zh-CN" altLang="en-US" sz="2600" kern="1200" dirty="0" smtClean="0"/>
-            <a:t>需求</a:t>
-          </a:r>
-          <a:endParaRPr lang="zh-CN" altLang="en-US" sz="2600" kern="1200" dirty="0"/>
-        </a:p>
-      </dsp:txBody>
-      <dsp:txXfrm>
-        <a:off x="1539811" y="154808"/>
-        <a:ext cx="743077" cy="743077"/>
-      </dsp:txXfrm>
-    </dsp:sp>
-    <dsp:sp modelId="{FEC9F89A-45D9-4DB6-83C7-EB79B8134336}">
-      <dsp:nvSpPr>
-        <dsp:cNvPr id="0" name=""/>
-        <dsp:cNvSpPr/>
-      </dsp:nvSpPr>
-      <dsp:spPr>
-        <a:xfrm rot="2160000">
-          <a:off x="2403829" y="808692"/>
-          <a:ext cx="280428" cy="354668"/>
-        </a:xfrm>
-        <a:prstGeom prst="rightArrow">
-          <a:avLst>
-            <a:gd name="adj1" fmla="val 60000"/>
-            <a:gd name="adj2" fmla="val 50000"/>
-          </a:avLst>
-        </a:prstGeom>
-        <a:solidFill>
-          <a:schemeClr val="accent2">
-            <a:hueOff val="0"/>
-            <a:satOff val="0"/>
-            <a:lumOff val="0"/>
-            <a:alphaOff val="0"/>
-          </a:schemeClr>
-        </a:solidFill>
-        <a:ln>
-          <a:noFill/>
-        </a:ln>
-        <a:effectLst/>
-      </dsp:spPr>
-      <dsp:style>
-        <a:lnRef idx="0">
-          <a:scrgbClr r="0" g="0" b="0"/>
-        </a:lnRef>
-        <a:fillRef idx="1">
-          <a:scrgbClr r="0" g="0" b="0"/>
-        </a:fillRef>
-        <a:effectRef idx="0">
-          <a:scrgbClr r="0" g="0" b="0"/>
-        </a:effectRef>
-        <a:fontRef idx="minor">
-          <a:schemeClr val="lt1"/>
-        </a:fontRef>
-      </dsp:style>
-      <dsp:txBody>
-        <a:bodyPr spcFirstLastPara="0" vert="horz" wrap="square" lIns="0" tIns="0" rIns="0" bIns="0" numCol="1" spcCol="1270" anchor="ctr" anchorCtr="0">
-          <a:noAutofit/>
-        </a:bodyPr>
-        <a:lstStyle/>
-        <a:p>
-          <a:pPr lvl="0" algn="ctr" defTabSz="666750">
-            <a:lnSpc>
-              <a:spcPct val="90000"/>
-            </a:lnSpc>
-            <a:spcBef>
-              <a:spcPct val="0"/>
-            </a:spcBef>
-            <a:spcAft>
-              <a:spcPct val="35000"/>
-            </a:spcAft>
-          </a:pPr>
-          <a:endParaRPr lang="zh-CN" altLang="en-US" sz="1500" kern="1200"/>
-        </a:p>
-      </dsp:txBody>
-      <dsp:txXfrm>
-        <a:off x="2411863" y="854901"/>
-        <a:ext cx="196300" cy="212800"/>
-      </dsp:txXfrm>
-    </dsp:sp>
-    <dsp:sp modelId="{1226A86A-7E05-46AD-AC81-6154B0694413}">
-      <dsp:nvSpPr>
-        <dsp:cNvPr id="0" name=""/>
-        <dsp:cNvSpPr/>
-      </dsp:nvSpPr>
-      <dsp:spPr>
-        <a:xfrm>
-          <a:off x="2664145" y="929601"/>
-          <a:ext cx="1050869" cy="1050869"/>
-        </a:xfrm>
-        <a:prstGeom prst="ellipse">
-          <a:avLst/>
-        </a:prstGeom>
-        <a:solidFill>
-          <a:schemeClr val="accent2">
-            <a:hueOff val="-777537"/>
-            <a:satOff val="-4113"/>
-            <a:lumOff val="-1568"/>
-            <a:alphaOff val="0"/>
-          </a:schemeClr>
-        </a:solidFill>
-        <a:ln w="19050" cap="rnd" cmpd="sng" algn="ctr">
-          <a:solidFill>
-            <a:schemeClr val="lt1">
-              <a:hueOff val="0"/>
-              <a:satOff val="0"/>
-              <a:lumOff val="0"/>
-              <a:alphaOff val="0"/>
-            </a:schemeClr>
-          </a:solidFill>
-          <a:prstDash val="solid"/>
-        </a:ln>
-        <a:effectLst/>
-      </dsp:spPr>
-      <dsp:style>
-        <a:lnRef idx="2">
-          <a:scrgbClr r="0" g="0" b="0"/>
-        </a:lnRef>
-        <a:fillRef idx="1">
-          <a:scrgbClr r="0" g="0" b="0"/>
-        </a:fillRef>
-        <a:effectRef idx="0">
-          <a:scrgbClr r="0" g="0" b="0"/>
-        </a:effectRef>
-        <a:fontRef idx="minor">
-          <a:schemeClr val="lt1"/>
-        </a:fontRef>
-      </dsp:style>
-      <dsp:txBody>
-        <a:bodyPr spcFirstLastPara="0" vert="horz" wrap="square" lIns="33020" tIns="33020" rIns="33020" bIns="33020" numCol="1" spcCol="1270" anchor="ctr" anchorCtr="0">
-          <a:noAutofit/>
-        </a:bodyPr>
-        <a:lstStyle/>
-        <a:p>
-          <a:pPr lvl="0" algn="ctr" defTabSz="1155700">
-            <a:lnSpc>
-              <a:spcPct val="90000"/>
-            </a:lnSpc>
-            <a:spcBef>
-              <a:spcPct val="0"/>
-            </a:spcBef>
-            <a:spcAft>
-              <a:spcPct val="35000"/>
-            </a:spcAft>
-          </a:pPr>
-          <a:r>
-            <a:rPr lang="zh-CN" altLang="en-US" sz="2600" kern="1200" dirty="0" smtClean="0"/>
-            <a:t>分派</a:t>
-          </a:r>
-          <a:endParaRPr lang="zh-CN" altLang="en-US" sz="2600" kern="1200" dirty="0"/>
-        </a:p>
-      </dsp:txBody>
-      <dsp:txXfrm>
-        <a:off x="2818041" y="1083497"/>
-        <a:ext cx="743077" cy="743077"/>
-      </dsp:txXfrm>
-    </dsp:sp>
-    <dsp:sp modelId="{2D07CCA9-96A7-4BA2-9214-A5DD02BE7BE7}">
-      <dsp:nvSpPr>
-        <dsp:cNvPr id="0" name=""/>
-        <dsp:cNvSpPr/>
-      </dsp:nvSpPr>
-      <dsp:spPr>
-        <a:xfrm rot="6480000">
-          <a:off x="2807698" y="2021478"/>
-          <a:ext cx="280428" cy="354668"/>
-        </a:xfrm>
-        <a:prstGeom prst="rightArrow">
-          <a:avLst>
-            <a:gd name="adj1" fmla="val 60000"/>
-            <a:gd name="adj2" fmla="val 50000"/>
-          </a:avLst>
-        </a:prstGeom>
-        <a:solidFill>
-          <a:schemeClr val="accent2">
-            <a:hueOff val="-777537"/>
-            <a:satOff val="-4113"/>
-            <a:lumOff val="-1568"/>
-            <a:alphaOff val="0"/>
-          </a:schemeClr>
-        </a:solidFill>
-        <a:ln>
-          <a:noFill/>
-        </a:ln>
-        <a:effectLst/>
-      </dsp:spPr>
-      <dsp:style>
-        <a:lnRef idx="0">
-          <a:scrgbClr r="0" g="0" b="0"/>
-        </a:lnRef>
-        <a:fillRef idx="1">
-          <a:scrgbClr r="0" g="0" b="0"/>
-        </a:fillRef>
-        <a:effectRef idx="0">
-          <a:scrgbClr r="0" g="0" b="0"/>
-        </a:effectRef>
-        <a:fontRef idx="minor">
-          <a:schemeClr val="lt1"/>
-        </a:fontRef>
-      </dsp:style>
-      <dsp:txBody>
-        <a:bodyPr spcFirstLastPara="0" vert="horz" wrap="square" lIns="0" tIns="0" rIns="0" bIns="0" numCol="1" spcCol="1270" anchor="ctr" anchorCtr="0">
-          <a:noAutofit/>
-        </a:bodyPr>
-        <a:lstStyle/>
-        <a:p>
-          <a:pPr lvl="0" algn="ctr" defTabSz="666750">
-            <a:lnSpc>
-              <a:spcPct val="90000"/>
-            </a:lnSpc>
-            <a:spcBef>
-              <a:spcPct val="0"/>
-            </a:spcBef>
-            <a:spcAft>
-              <a:spcPct val="35000"/>
-            </a:spcAft>
-          </a:pPr>
-          <a:endParaRPr lang="zh-CN" altLang="en-US" sz="1500" kern="1200"/>
-        </a:p>
-      </dsp:txBody>
-      <dsp:txXfrm rot="10800000">
-        <a:off x="2862760" y="2052407"/>
-        <a:ext cx="196300" cy="212800"/>
-      </dsp:txXfrm>
-    </dsp:sp>
-    <dsp:sp modelId="{3121F70C-2429-45B3-AF24-CA6FB9F0D09B}">
-      <dsp:nvSpPr>
-        <dsp:cNvPr id="0" name=""/>
-        <dsp:cNvSpPr/>
-      </dsp:nvSpPr>
-      <dsp:spPr>
-        <a:xfrm>
-          <a:off x="2175904" y="2432250"/>
-          <a:ext cx="1050869" cy="1050869"/>
-        </a:xfrm>
-        <a:prstGeom prst="ellipse">
-          <a:avLst/>
-        </a:prstGeom>
-        <a:solidFill>
-          <a:schemeClr val="accent2">
-            <a:hueOff val="-1555074"/>
-            <a:satOff val="-8227"/>
-            <a:lumOff val="-3137"/>
-            <a:alphaOff val="0"/>
-          </a:schemeClr>
-        </a:solidFill>
-        <a:ln w="19050" cap="rnd" cmpd="sng" algn="ctr">
-          <a:solidFill>
-            <a:schemeClr val="lt1">
-              <a:hueOff val="0"/>
-              <a:satOff val="0"/>
-              <a:lumOff val="0"/>
-              <a:alphaOff val="0"/>
-            </a:schemeClr>
-          </a:solidFill>
-          <a:prstDash val="solid"/>
-        </a:ln>
-        <a:effectLst/>
-      </dsp:spPr>
-      <dsp:style>
-        <a:lnRef idx="2">
-          <a:scrgbClr r="0" g="0" b="0"/>
-        </a:lnRef>
-        <a:fillRef idx="1">
-          <a:scrgbClr r="0" g="0" b="0"/>
-        </a:fillRef>
-        <a:effectRef idx="0">
-          <a:scrgbClr r="0" g="0" b="0"/>
-        </a:effectRef>
-        <a:fontRef idx="minor">
-          <a:schemeClr val="lt1"/>
-        </a:fontRef>
-      </dsp:style>
-      <dsp:txBody>
-        <a:bodyPr spcFirstLastPara="0" vert="horz" wrap="square" lIns="33020" tIns="33020" rIns="33020" bIns="33020" numCol="1" spcCol="1270" anchor="ctr" anchorCtr="0">
-          <a:noAutofit/>
-        </a:bodyPr>
-        <a:lstStyle/>
-        <a:p>
-          <a:pPr lvl="0" algn="ctr" defTabSz="1155700">
-            <a:lnSpc>
-              <a:spcPct val="90000"/>
-            </a:lnSpc>
-            <a:spcBef>
-              <a:spcPct val="0"/>
-            </a:spcBef>
-            <a:spcAft>
-              <a:spcPct val="35000"/>
-            </a:spcAft>
-          </a:pPr>
-          <a:r>
-            <a:rPr lang="zh-CN" altLang="en-US" sz="2600" kern="1200" dirty="0" smtClean="0"/>
-            <a:t>开发</a:t>
-          </a:r>
-          <a:endParaRPr lang="zh-CN" altLang="en-US" sz="2600" kern="1200" dirty="0"/>
-        </a:p>
-      </dsp:txBody>
-      <dsp:txXfrm>
-        <a:off x="2329800" y="2586146"/>
-        <a:ext cx="743077" cy="743077"/>
-      </dsp:txXfrm>
-    </dsp:sp>
-    <dsp:sp modelId="{43C215DA-D39E-4046-96F3-A75ACCBF1A0A}">
-      <dsp:nvSpPr>
-        <dsp:cNvPr id="0" name=""/>
-        <dsp:cNvSpPr/>
-      </dsp:nvSpPr>
-      <dsp:spPr>
-        <a:xfrm rot="10800000">
-          <a:off x="1779072" y="2780351"/>
-          <a:ext cx="280428" cy="354668"/>
-        </a:xfrm>
-        <a:prstGeom prst="rightArrow">
-          <a:avLst>
-            <a:gd name="adj1" fmla="val 60000"/>
-            <a:gd name="adj2" fmla="val 50000"/>
-          </a:avLst>
-        </a:prstGeom>
-        <a:solidFill>
-          <a:schemeClr val="accent2">
-            <a:hueOff val="-1555074"/>
-            <a:satOff val="-8227"/>
-            <a:lumOff val="-3137"/>
-            <a:alphaOff val="0"/>
-          </a:schemeClr>
-        </a:solidFill>
-        <a:ln>
-          <a:noFill/>
-        </a:ln>
-        <a:effectLst/>
-      </dsp:spPr>
-      <dsp:style>
-        <a:lnRef idx="0">
-          <a:scrgbClr r="0" g="0" b="0"/>
-        </a:lnRef>
-        <a:fillRef idx="1">
-          <a:scrgbClr r="0" g="0" b="0"/>
-        </a:fillRef>
-        <a:effectRef idx="0">
-          <a:scrgbClr r="0" g="0" b="0"/>
-        </a:effectRef>
-        <a:fontRef idx="minor">
-          <a:schemeClr val="lt1"/>
-        </a:fontRef>
-      </dsp:style>
-      <dsp:txBody>
-        <a:bodyPr spcFirstLastPara="0" vert="horz" wrap="square" lIns="0" tIns="0" rIns="0" bIns="0" numCol="1" spcCol="1270" anchor="ctr" anchorCtr="0">
-          <a:noAutofit/>
-        </a:bodyPr>
-        <a:lstStyle/>
-        <a:p>
-          <a:pPr lvl="0" algn="ctr" defTabSz="666750">
-            <a:lnSpc>
-              <a:spcPct val="90000"/>
-            </a:lnSpc>
-            <a:spcBef>
-              <a:spcPct val="0"/>
-            </a:spcBef>
-            <a:spcAft>
-              <a:spcPct val="35000"/>
-            </a:spcAft>
-          </a:pPr>
-          <a:endParaRPr lang="zh-CN" altLang="en-US" sz="1500" kern="1200"/>
-        </a:p>
-      </dsp:txBody>
-      <dsp:txXfrm rot="10800000">
-        <a:off x="1863200" y="2851285"/>
-        <a:ext cx="196300" cy="212800"/>
-      </dsp:txXfrm>
-    </dsp:sp>
-    <dsp:sp modelId="{7E67CEDE-B62E-4B37-A704-B81B5BE10E53}">
-      <dsp:nvSpPr>
-        <dsp:cNvPr id="0" name=""/>
-        <dsp:cNvSpPr/>
-      </dsp:nvSpPr>
-      <dsp:spPr>
-        <a:xfrm>
-          <a:off x="595925" y="2432250"/>
-          <a:ext cx="1050869" cy="1050869"/>
-        </a:xfrm>
-        <a:prstGeom prst="ellipse">
-          <a:avLst/>
-        </a:prstGeom>
-        <a:solidFill>
-          <a:schemeClr val="accent2">
-            <a:hueOff val="-2332611"/>
-            <a:satOff val="-12340"/>
-            <a:lumOff val="-4705"/>
-            <a:alphaOff val="0"/>
-          </a:schemeClr>
-        </a:solidFill>
-        <a:ln w="19050" cap="rnd" cmpd="sng" algn="ctr">
-          <a:solidFill>
-            <a:schemeClr val="lt1">
-              <a:hueOff val="0"/>
-              <a:satOff val="0"/>
-              <a:lumOff val="0"/>
-              <a:alphaOff val="0"/>
-            </a:schemeClr>
-          </a:solidFill>
-          <a:prstDash val="solid"/>
-        </a:ln>
-        <a:effectLst/>
-      </dsp:spPr>
-      <dsp:style>
-        <a:lnRef idx="2">
-          <a:scrgbClr r="0" g="0" b="0"/>
-        </a:lnRef>
-        <a:fillRef idx="1">
-          <a:scrgbClr r="0" g="0" b="0"/>
-        </a:fillRef>
-        <a:effectRef idx="0">
-          <a:scrgbClr r="0" g="0" b="0"/>
-        </a:effectRef>
-        <a:fontRef idx="minor">
-          <a:schemeClr val="lt1"/>
-        </a:fontRef>
-      </dsp:style>
-      <dsp:txBody>
-        <a:bodyPr spcFirstLastPara="0" vert="horz" wrap="square" lIns="33020" tIns="33020" rIns="33020" bIns="33020" numCol="1" spcCol="1270" anchor="ctr" anchorCtr="0">
-          <a:noAutofit/>
-        </a:bodyPr>
-        <a:lstStyle/>
-        <a:p>
-          <a:pPr lvl="0" algn="ctr" defTabSz="1155700">
-            <a:lnSpc>
-              <a:spcPct val="90000"/>
-            </a:lnSpc>
-            <a:spcBef>
-              <a:spcPct val="0"/>
-            </a:spcBef>
-            <a:spcAft>
-              <a:spcPct val="35000"/>
-            </a:spcAft>
-          </a:pPr>
-          <a:r>
-            <a:rPr lang="zh-CN" altLang="en-US" sz="2600" kern="1200" dirty="0" smtClean="0"/>
-            <a:t>构建</a:t>
-          </a:r>
-          <a:endParaRPr lang="zh-CN" altLang="en-US" sz="2600" kern="1200" dirty="0"/>
-        </a:p>
-      </dsp:txBody>
-      <dsp:txXfrm>
-        <a:off x="749821" y="2586146"/>
-        <a:ext cx="743077" cy="743077"/>
-      </dsp:txXfrm>
-    </dsp:sp>
-    <dsp:sp modelId="{4FDC6501-096A-4474-8B8E-5E22438640D4}">
-      <dsp:nvSpPr>
-        <dsp:cNvPr id="0" name=""/>
-        <dsp:cNvSpPr/>
-      </dsp:nvSpPr>
-      <dsp:spPr>
-        <a:xfrm rot="15120000">
-          <a:off x="667969" y="2007499"/>
-          <a:ext cx="280428" cy="354668"/>
-        </a:xfrm>
-        <a:prstGeom prst="rightArrow">
-          <a:avLst>
-            <a:gd name="adj1" fmla="val 60000"/>
-            <a:gd name="adj2" fmla="val 50000"/>
-          </a:avLst>
-        </a:prstGeom>
-        <a:solidFill>
-          <a:schemeClr val="accent2">
-            <a:hueOff val="-2332611"/>
-            <a:satOff val="-12340"/>
-            <a:lumOff val="-4705"/>
-            <a:alphaOff val="0"/>
-          </a:schemeClr>
-        </a:solidFill>
-        <a:ln>
-          <a:noFill/>
-        </a:ln>
-        <a:effectLst/>
-      </dsp:spPr>
-      <dsp:style>
-        <a:lnRef idx="0">
-          <a:scrgbClr r="0" g="0" b="0"/>
-        </a:lnRef>
-        <a:fillRef idx="1">
-          <a:scrgbClr r="0" g="0" b="0"/>
-        </a:fillRef>
-        <a:effectRef idx="0">
-          <a:scrgbClr r="0" g="0" b="0"/>
-        </a:effectRef>
-        <a:fontRef idx="minor">
-          <a:schemeClr val="lt1"/>
-        </a:fontRef>
-      </dsp:style>
-      <dsp:txBody>
-        <a:bodyPr spcFirstLastPara="0" vert="horz" wrap="square" lIns="0" tIns="0" rIns="0" bIns="0" numCol="1" spcCol="1270" anchor="ctr" anchorCtr="0">
-          <a:noAutofit/>
-        </a:bodyPr>
-        <a:lstStyle/>
-        <a:p>
-          <a:pPr lvl="0" algn="ctr" defTabSz="666750">
-            <a:lnSpc>
-              <a:spcPct val="90000"/>
-            </a:lnSpc>
-            <a:spcBef>
-              <a:spcPct val="0"/>
-            </a:spcBef>
-            <a:spcAft>
-              <a:spcPct val="35000"/>
-            </a:spcAft>
-          </a:pPr>
-          <a:endParaRPr lang="zh-CN" altLang="en-US" sz="1500" kern="1200"/>
-        </a:p>
-      </dsp:txBody>
-      <dsp:txXfrm rot="10800000">
-        <a:off x="723031" y="2118438"/>
-        <a:ext cx="196300" cy="212800"/>
-      </dsp:txXfrm>
-    </dsp:sp>
-    <dsp:sp modelId="{55E5C4E6-6802-49FB-9DDB-50D6F123F0F7}">
-      <dsp:nvSpPr>
-        <dsp:cNvPr id="0" name=""/>
-        <dsp:cNvSpPr/>
-      </dsp:nvSpPr>
-      <dsp:spPr>
-        <a:xfrm>
-          <a:off x="107685" y="929601"/>
-          <a:ext cx="1050869" cy="1050869"/>
-        </a:xfrm>
-        <a:prstGeom prst="ellipse">
-          <a:avLst/>
-        </a:prstGeom>
-        <a:solidFill>
-          <a:schemeClr val="accent2">
-            <a:hueOff val="-3110148"/>
-            <a:satOff val="-16453"/>
-            <a:lumOff val="-6274"/>
-            <a:alphaOff val="0"/>
-          </a:schemeClr>
-        </a:solidFill>
-        <a:ln w="19050" cap="rnd" cmpd="sng" algn="ctr">
-          <a:solidFill>
-            <a:schemeClr val="lt1">
-              <a:hueOff val="0"/>
-              <a:satOff val="0"/>
-              <a:lumOff val="0"/>
-              <a:alphaOff val="0"/>
-            </a:schemeClr>
-          </a:solidFill>
-          <a:prstDash val="solid"/>
-        </a:ln>
-        <a:effectLst/>
-      </dsp:spPr>
-      <dsp:style>
-        <a:lnRef idx="2">
-          <a:scrgbClr r="0" g="0" b="0"/>
-        </a:lnRef>
-        <a:fillRef idx="1">
-          <a:scrgbClr r="0" g="0" b="0"/>
-        </a:fillRef>
-        <a:effectRef idx="0">
-          <a:scrgbClr r="0" g="0" b="0"/>
-        </a:effectRef>
-        <a:fontRef idx="minor">
-          <a:schemeClr val="lt1"/>
-        </a:fontRef>
-      </dsp:style>
-      <dsp:txBody>
-        <a:bodyPr spcFirstLastPara="0" vert="horz" wrap="square" lIns="33020" tIns="33020" rIns="33020" bIns="33020" numCol="1" spcCol="1270" anchor="ctr" anchorCtr="0">
-          <a:noAutofit/>
-        </a:bodyPr>
-        <a:lstStyle/>
-        <a:p>
-          <a:pPr lvl="0" algn="ctr" defTabSz="1155700">
-            <a:lnSpc>
-              <a:spcPct val="90000"/>
-            </a:lnSpc>
-            <a:spcBef>
-              <a:spcPct val="0"/>
-            </a:spcBef>
-            <a:spcAft>
-              <a:spcPct val="35000"/>
-            </a:spcAft>
-          </a:pPr>
-          <a:r>
-            <a:rPr lang="zh-CN" altLang="en-US" sz="2600" kern="1200" dirty="0" smtClean="0"/>
-            <a:t>演示</a:t>
-          </a:r>
-          <a:endParaRPr lang="zh-CN" altLang="en-US" sz="2600" kern="1200" dirty="0"/>
-        </a:p>
-      </dsp:txBody>
-      <dsp:txXfrm>
-        <a:off x="261581" y="1083497"/>
-        <a:ext cx="743077" cy="743077"/>
-      </dsp:txXfrm>
-    </dsp:sp>
-    <dsp:sp modelId="{A5BCB375-8248-43A9-8FC3-EBAE3AAD3E4B}">
-      <dsp:nvSpPr>
-        <dsp:cNvPr id="0" name=""/>
-        <dsp:cNvSpPr/>
-      </dsp:nvSpPr>
-      <dsp:spPr>
-        <a:xfrm rot="19440000">
-          <a:off x="1125599" y="818022"/>
-          <a:ext cx="280428" cy="354668"/>
-        </a:xfrm>
-        <a:prstGeom prst="rightArrow">
-          <a:avLst>
-            <a:gd name="adj1" fmla="val 60000"/>
-            <a:gd name="adj2" fmla="val 50000"/>
-          </a:avLst>
-        </a:prstGeom>
-        <a:solidFill>
-          <a:schemeClr val="accent2">
-            <a:hueOff val="-3110148"/>
-            <a:satOff val="-16453"/>
-            <a:lumOff val="-6274"/>
-            <a:alphaOff val="0"/>
-          </a:schemeClr>
-        </a:solidFill>
-        <a:ln>
-          <a:noFill/>
-        </a:ln>
-        <a:effectLst/>
-      </dsp:spPr>
-      <dsp:style>
-        <a:lnRef idx="0">
-          <a:scrgbClr r="0" g="0" b="0"/>
-        </a:lnRef>
-        <a:fillRef idx="1">
-          <a:scrgbClr r="0" g="0" b="0"/>
-        </a:fillRef>
-        <a:effectRef idx="0">
-          <a:scrgbClr r="0" g="0" b="0"/>
-        </a:effectRef>
-        <a:fontRef idx="minor">
-          <a:schemeClr val="lt1"/>
-        </a:fontRef>
-      </dsp:style>
-      <dsp:txBody>
-        <a:bodyPr spcFirstLastPara="0" vert="horz" wrap="square" lIns="0" tIns="0" rIns="0" bIns="0" numCol="1" spcCol="1270" anchor="ctr" anchorCtr="0">
-          <a:noAutofit/>
-        </a:bodyPr>
-        <a:lstStyle/>
-        <a:p>
-          <a:pPr lvl="0" algn="ctr" defTabSz="666750">
-            <a:lnSpc>
-              <a:spcPct val="90000"/>
-            </a:lnSpc>
-            <a:spcBef>
-              <a:spcPct val="0"/>
-            </a:spcBef>
-            <a:spcAft>
-              <a:spcPct val="35000"/>
-            </a:spcAft>
-          </a:pPr>
-          <a:endParaRPr lang="zh-CN" altLang="en-US" sz="1500" kern="1200"/>
-        </a:p>
-      </dsp:txBody>
-      <dsp:txXfrm>
-        <a:off x="1133633" y="913681"/>
-        <a:ext cx="196300" cy="212800"/>
-      </dsp:txXfrm>
-    </dsp:sp>
   </dsp:spTree>
 </dsp:drawing>
 </file>
@@ -7202,890 +5769,6 @@
       <dsp:cNvGrpSpPr/>
     </dsp:nvGrpSpPr>
     <dsp:grpSpPr/>
-    <dsp:sp modelId="{E921D766-407C-4739-B6BD-3BA9DA31B585}">
-      <dsp:nvSpPr>
-        <dsp:cNvPr id="0" name=""/>
-        <dsp:cNvSpPr/>
-      </dsp:nvSpPr>
-      <dsp:spPr>
-        <a:xfrm>
-          <a:off x="540131" y="0"/>
-          <a:ext cx="700735" cy="700735"/>
-        </a:xfrm>
-        <a:prstGeom prst="ellipse">
-          <a:avLst/>
-        </a:prstGeom>
-        <a:solidFill>
-          <a:schemeClr val="accent2">
-            <a:tint val="40000"/>
-            <a:hueOff val="0"/>
-            <a:satOff val="0"/>
-            <a:lumOff val="0"/>
-            <a:alphaOff val="0"/>
-          </a:schemeClr>
-        </a:solidFill>
-        <a:ln>
-          <a:noFill/>
-        </a:ln>
-        <a:effectLst/>
-      </dsp:spPr>
-      <dsp:style>
-        <a:lnRef idx="0">
-          <a:scrgbClr r="0" g="0" b="0"/>
-        </a:lnRef>
-        <a:fillRef idx="1">
-          <a:scrgbClr r="0" g="0" b="0"/>
-        </a:fillRef>
-        <a:effectRef idx="1">
-          <a:scrgbClr r="0" g="0" b="0"/>
-        </a:effectRef>
-        <a:fontRef idx="minor"/>
-      </dsp:style>
-    </dsp:sp>
-    <dsp:sp modelId="{181D4155-1DDF-4A49-B2C3-A06495DC5DE1}">
-      <dsp:nvSpPr>
-        <dsp:cNvPr id="0" name=""/>
-        <dsp:cNvSpPr/>
-      </dsp:nvSpPr>
-      <dsp:spPr>
-        <a:xfrm>
-          <a:off x="610205" y="70073"/>
-          <a:ext cx="560588" cy="560588"/>
-        </a:xfrm>
-        <a:prstGeom prst="chord">
-          <a:avLst>
-            <a:gd name="adj1" fmla="val 1168272"/>
-            <a:gd name="adj2" fmla="val 9631728"/>
-          </a:avLst>
-        </a:prstGeom>
-        <a:gradFill rotWithShape="0">
-          <a:gsLst>
-            <a:gs pos="0">
-              <a:schemeClr val="accent2">
-                <a:hueOff val="0"/>
-                <a:satOff val="0"/>
-                <a:lumOff val="0"/>
-                <a:alphaOff val="0"/>
-                <a:tint val="70000"/>
-                <a:lumMod val="110000"/>
-              </a:schemeClr>
-            </a:gs>
-            <a:gs pos="100000">
-              <a:schemeClr val="accent2">
-                <a:hueOff val="0"/>
-                <a:satOff val="0"/>
-                <a:lumOff val="0"/>
-                <a:alphaOff val="0"/>
-                <a:tint val="82000"/>
-                <a:alpha val="74000"/>
-              </a:schemeClr>
-            </a:gs>
-          </a:gsLst>
-          <a:lin ang="5400000" scaled="0"/>
-        </a:gradFill>
-        <a:ln w="9525" cap="rnd" cmpd="sng" algn="ctr">
-          <a:solidFill>
-            <a:schemeClr val="accent2">
-              <a:hueOff val="0"/>
-              <a:satOff val="0"/>
-              <a:lumOff val="0"/>
-              <a:alphaOff val="0"/>
-            </a:schemeClr>
-          </a:solidFill>
-          <a:prstDash val="solid"/>
-        </a:ln>
-        <a:effectLst/>
-      </dsp:spPr>
-      <dsp:style>
-        <a:lnRef idx="1">
-          <a:scrgbClr r="0" g="0" b="0"/>
-        </a:lnRef>
-        <a:fillRef idx="2">
-          <a:scrgbClr r="0" g="0" b="0"/>
-        </a:fillRef>
-        <a:effectRef idx="1">
-          <a:scrgbClr r="0" g="0" b="0"/>
-        </a:effectRef>
-        <a:fontRef idx="minor">
-          <a:schemeClr val="dk1"/>
-        </a:fontRef>
-      </dsp:style>
-    </dsp:sp>
-    <dsp:sp modelId="{3EF4BB4C-CF40-4FAE-8043-F9A113C2CD0A}">
-      <dsp:nvSpPr>
-        <dsp:cNvPr id="0" name=""/>
-        <dsp:cNvSpPr/>
-      </dsp:nvSpPr>
-      <dsp:spPr>
-        <a:xfrm>
-          <a:off x="1386853" y="700735"/>
-          <a:ext cx="2073008" cy="2948926"/>
-        </a:xfrm>
-        <a:prstGeom prst="rect">
-          <a:avLst/>
-        </a:prstGeom>
-        <a:noFill/>
-        <a:ln>
-          <a:noFill/>
-        </a:ln>
-        <a:effectLst/>
-      </dsp:spPr>
-      <dsp:style>
-        <a:lnRef idx="0">
-          <a:scrgbClr r="0" g="0" b="0"/>
-        </a:lnRef>
-        <a:fillRef idx="0">
-          <a:scrgbClr r="0" g="0" b="0"/>
-        </a:fillRef>
-        <a:effectRef idx="0">
-          <a:scrgbClr r="0" g="0" b="0"/>
-        </a:effectRef>
-        <a:fontRef idx="minor"/>
-      </dsp:style>
-      <dsp:txBody>
-        <a:bodyPr spcFirstLastPara="0" vert="horz" wrap="square" lIns="68580" tIns="68580" rIns="68580" bIns="68580" numCol="1" spcCol="1270" anchor="t" anchorCtr="0">
-          <a:noAutofit/>
-        </a:bodyPr>
-        <a:lstStyle/>
-        <a:p>
-          <a:pPr lvl="0" algn="l" defTabSz="1200150">
-            <a:lnSpc>
-              <a:spcPct val="90000"/>
-            </a:lnSpc>
-            <a:spcBef>
-              <a:spcPct val="0"/>
-            </a:spcBef>
-            <a:spcAft>
-              <a:spcPct val="35000"/>
-            </a:spcAft>
-          </a:pPr>
-          <a:r>
-            <a:rPr lang="zh-CN" altLang="en-US" sz="2700" kern="1200" dirty="0" smtClean="0"/>
-            <a:t>版本库插件</a:t>
-          </a:r>
-          <a:endParaRPr lang="zh-CN" altLang="en-US" sz="2700" kern="1200" dirty="0"/>
-        </a:p>
-        <a:p>
-          <a:pPr marL="228600" lvl="1" indent="-228600" algn="l" defTabSz="933450">
-            <a:lnSpc>
-              <a:spcPct val="90000"/>
-            </a:lnSpc>
-            <a:spcBef>
-              <a:spcPct val="0"/>
-            </a:spcBef>
-            <a:spcAft>
-              <a:spcPct val="15000"/>
-            </a:spcAft>
-            <a:buChar char="••"/>
-          </a:pPr>
-          <a:r>
-            <a:rPr lang="en-US" altLang="zh-CN" sz="2100" kern="1200" dirty="0" err="1" smtClean="0"/>
-            <a:t>Git</a:t>
-          </a:r>
-          <a:endParaRPr lang="zh-CN" altLang="en-US" sz="2100" kern="1200" dirty="0"/>
-        </a:p>
-        <a:p>
-          <a:pPr marL="228600" lvl="1" indent="-228600" algn="l" defTabSz="933450">
-            <a:lnSpc>
-              <a:spcPct val="90000"/>
-            </a:lnSpc>
-            <a:spcBef>
-              <a:spcPct val="0"/>
-            </a:spcBef>
-            <a:spcAft>
-              <a:spcPct val="15000"/>
-            </a:spcAft>
-            <a:buChar char="••"/>
-          </a:pPr>
-          <a:r>
-            <a:rPr lang="en-US" altLang="zh-CN" sz="2100" kern="1200" dirty="0" smtClean="0"/>
-            <a:t>SVN</a:t>
-          </a:r>
-          <a:endParaRPr lang="zh-CN" altLang="en-US" sz="2100" kern="1200" dirty="0"/>
-        </a:p>
-      </dsp:txBody>
-      <dsp:txXfrm>
-        <a:off x="1386853" y="700735"/>
-        <a:ext cx="2073008" cy="2948926"/>
-      </dsp:txXfrm>
-    </dsp:sp>
-    <dsp:sp modelId="{290720F7-5C8D-4795-83FE-CACA63FEF398}">
-      <dsp:nvSpPr>
-        <dsp:cNvPr id="0" name=""/>
-        <dsp:cNvSpPr/>
-      </dsp:nvSpPr>
-      <dsp:spPr>
-        <a:xfrm>
-          <a:off x="1386853" y="0"/>
-          <a:ext cx="2073008" cy="700735"/>
-        </a:xfrm>
-        <a:prstGeom prst="rect">
-          <a:avLst/>
-        </a:prstGeom>
-        <a:noFill/>
-        <a:ln>
-          <a:noFill/>
-        </a:ln>
-        <a:effectLst/>
-      </dsp:spPr>
-      <dsp:style>
-        <a:lnRef idx="0">
-          <a:scrgbClr r="0" g="0" b="0"/>
-        </a:lnRef>
-        <a:fillRef idx="0">
-          <a:scrgbClr r="0" g="0" b="0"/>
-        </a:fillRef>
-        <a:effectRef idx="0">
-          <a:scrgbClr r="0" g="0" b="0"/>
-        </a:effectRef>
-        <a:fontRef idx="minor"/>
-      </dsp:style>
-      <dsp:txBody>
-        <a:bodyPr spcFirstLastPara="0" vert="horz" wrap="square" lIns="88900" tIns="88900" rIns="88900" bIns="88900" numCol="1" spcCol="1270" anchor="b" anchorCtr="0">
-          <a:noAutofit/>
-        </a:bodyPr>
-        <a:lstStyle/>
-        <a:p>
-          <a:pPr lvl="0" algn="l" defTabSz="1555750">
-            <a:lnSpc>
-              <a:spcPct val="90000"/>
-            </a:lnSpc>
-            <a:spcBef>
-              <a:spcPct val="0"/>
-            </a:spcBef>
-            <a:spcAft>
-              <a:spcPct val="35000"/>
-            </a:spcAft>
-          </a:pPr>
-          <a:r>
-            <a:rPr lang="zh-CN" altLang="en-US" sz="3500" kern="1200" dirty="0" smtClean="0"/>
-            <a:t>检出代码</a:t>
-          </a:r>
-          <a:endParaRPr lang="zh-CN" altLang="en-US" sz="3500" kern="1200" dirty="0"/>
-        </a:p>
-      </dsp:txBody>
-      <dsp:txXfrm>
-        <a:off x="1386853" y="0"/>
-        <a:ext cx="2073008" cy="700735"/>
-      </dsp:txXfrm>
-    </dsp:sp>
-    <dsp:sp modelId="{4A50AA1D-2DA7-43E3-B527-992849A0B3B0}">
-      <dsp:nvSpPr>
-        <dsp:cNvPr id="0" name=""/>
-        <dsp:cNvSpPr/>
-      </dsp:nvSpPr>
-      <dsp:spPr>
-        <a:xfrm>
-          <a:off x="3605847" y="0"/>
-          <a:ext cx="700735" cy="700735"/>
-        </a:xfrm>
-        <a:prstGeom prst="ellipse">
-          <a:avLst/>
-        </a:prstGeom>
-        <a:solidFill>
-          <a:schemeClr val="accent2">
-            <a:tint val="40000"/>
-            <a:hueOff val="0"/>
-            <a:satOff val="0"/>
-            <a:lumOff val="0"/>
-            <a:alphaOff val="0"/>
-          </a:schemeClr>
-        </a:solidFill>
-        <a:ln>
-          <a:noFill/>
-        </a:ln>
-        <a:effectLst/>
-      </dsp:spPr>
-      <dsp:style>
-        <a:lnRef idx="0">
-          <a:scrgbClr r="0" g="0" b="0"/>
-        </a:lnRef>
-        <a:fillRef idx="1">
-          <a:scrgbClr r="0" g="0" b="0"/>
-        </a:fillRef>
-        <a:effectRef idx="1">
-          <a:scrgbClr r="0" g="0" b="0"/>
-        </a:effectRef>
-        <a:fontRef idx="minor"/>
-      </dsp:style>
-    </dsp:sp>
-    <dsp:sp modelId="{EB18BEF2-450D-4715-A619-1DE031E80D4B}">
-      <dsp:nvSpPr>
-        <dsp:cNvPr id="0" name=""/>
-        <dsp:cNvSpPr/>
-      </dsp:nvSpPr>
-      <dsp:spPr>
-        <a:xfrm>
-          <a:off x="3675921" y="70073"/>
-          <a:ext cx="560588" cy="560588"/>
-        </a:xfrm>
-        <a:prstGeom prst="chord">
-          <a:avLst>
-            <a:gd name="adj1" fmla="val 20431728"/>
-            <a:gd name="adj2" fmla="val 11968272"/>
-          </a:avLst>
-        </a:prstGeom>
-        <a:gradFill rotWithShape="0">
-          <a:gsLst>
-            <a:gs pos="0">
-              <a:schemeClr val="accent2">
-                <a:hueOff val="-1555074"/>
-                <a:satOff val="-8227"/>
-                <a:lumOff val="-3137"/>
-                <a:alphaOff val="0"/>
-                <a:tint val="70000"/>
-                <a:lumMod val="110000"/>
-              </a:schemeClr>
-            </a:gs>
-            <a:gs pos="100000">
-              <a:schemeClr val="accent2">
-                <a:hueOff val="-1555074"/>
-                <a:satOff val="-8227"/>
-                <a:lumOff val="-3137"/>
-                <a:alphaOff val="0"/>
-                <a:tint val="82000"/>
-                <a:alpha val="74000"/>
-              </a:schemeClr>
-            </a:gs>
-          </a:gsLst>
-          <a:lin ang="5400000" scaled="0"/>
-        </a:gradFill>
-        <a:ln w="9525" cap="rnd" cmpd="sng" algn="ctr">
-          <a:solidFill>
-            <a:schemeClr val="accent2">
-              <a:hueOff val="-1555074"/>
-              <a:satOff val="-8227"/>
-              <a:lumOff val="-3137"/>
-              <a:alphaOff val="0"/>
-            </a:schemeClr>
-          </a:solidFill>
-          <a:prstDash val="solid"/>
-        </a:ln>
-        <a:effectLst/>
-      </dsp:spPr>
-      <dsp:style>
-        <a:lnRef idx="1">
-          <a:scrgbClr r="0" g="0" b="0"/>
-        </a:lnRef>
-        <a:fillRef idx="2">
-          <a:scrgbClr r="0" g="0" b="0"/>
-        </a:fillRef>
-        <a:effectRef idx="1">
-          <a:scrgbClr r="0" g="0" b="0"/>
-        </a:effectRef>
-        <a:fontRef idx="minor">
-          <a:schemeClr val="dk1"/>
-        </a:fontRef>
-      </dsp:style>
-    </dsp:sp>
-    <dsp:sp modelId="{65E9E6D8-F0C9-481F-964B-E157591E177F}">
-      <dsp:nvSpPr>
-        <dsp:cNvPr id="0" name=""/>
-        <dsp:cNvSpPr/>
-      </dsp:nvSpPr>
-      <dsp:spPr>
-        <a:xfrm>
-          <a:off x="4452569" y="700735"/>
-          <a:ext cx="2073008" cy="2948926"/>
-        </a:xfrm>
-        <a:prstGeom prst="rect">
-          <a:avLst/>
-        </a:prstGeom>
-        <a:noFill/>
-        <a:ln>
-          <a:noFill/>
-        </a:ln>
-        <a:effectLst/>
-      </dsp:spPr>
-      <dsp:style>
-        <a:lnRef idx="0">
-          <a:scrgbClr r="0" g="0" b="0"/>
-        </a:lnRef>
-        <a:fillRef idx="0">
-          <a:scrgbClr r="0" g="0" b="0"/>
-        </a:fillRef>
-        <a:effectRef idx="0">
-          <a:scrgbClr r="0" g="0" b="0"/>
-        </a:effectRef>
-        <a:fontRef idx="minor"/>
-      </dsp:style>
-      <dsp:txBody>
-        <a:bodyPr spcFirstLastPara="0" vert="horz" wrap="square" lIns="68580" tIns="68580" rIns="68580" bIns="68580" numCol="1" spcCol="1270" anchor="t" anchorCtr="0">
-          <a:noAutofit/>
-        </a:bodyPr>
-        <a:lstStyle/>
-        <a:p>
-          <a:pPr lvl="0" algn="l" defTabSz="1200150">
-            <a:lnSpc>
-              <a:spcPct val="90000"/>
-            </a:lnSpc>
-            <a:spcBef>
-              <a:spcPct val="0"/>
-            </a:spcBef>
-            <a:spcAft>
-              <a:spcPct val="35000"/>
-            </a:spcAft>
-          </a:pPr>
-          <a:r>
-            <a:rPr lang="zh-CN" altLang="en-US" sz="2700" kern="1200" dirty="0" smtClean="0"/>
-            <a:t>构建插件</a:t>
-          </a:r>
-          <a:endParaRPr lang="zh-CN" altLang="en-US" sz="2700" kern="1200" dirty="0"/>
-        </a:p>
-        <a:p>
-          <a:pPr marL="228600" lvl="1" indent="-228600" algn="l" defTabSz="933450">
-            <a:lnSpc>
-              <a:spcPct val="90000"/>
-            </a:lnSpc>
-            <a:spcBef>
-              <a:spcPct val="0"/>
-            </a:spcBef>
-            <a:spcAft>
-              <a:spcPct val="15000"/>
-            </a:spcAft>
-            <a:buChar char="••"/>
-          </a:pPr>
-          <a:r>
-            <a:rPr lang="en-US" altLang="zh-CN" sz="2100" kern="1200" dirty="0" err="1" smtClean="0"/>
-            <a:t>Phing</a:t>
-          </a:r>
-          <a:endParaRPr lang="zh-CN" altLang="en-US" sz="2100" kern="1200" dirty="0"/>
-        </a:p>
-        <a:p>
-          <a:pPr marL="228600" lvl="1" indent="-228600" algn="l" defTabSz="933450">
-            <a:lnSpc>
-              <a:spcPct val="90000"/>
-            </a:lnSpc>
-            <a:spcBef>
-              <a:spcPct val="0"/>
-            </a:spcBef>
-            <a:spcAft>
-              <a:spcPct val="15000"/>
-            </a:spcAft>
-            <a:buChar char="••"/>
-          </a:pPr>
-          <a:r>
-            <a:rPr lang="en-US" altLang="zh-CN" sz="2100" kern="1200" dirty="0" smtClean="0"/>
-            <a:t>PHPCS</a:t>
-          </a:r>
-          <a:endParaRPr lang="zh-CN" altLang="en-US" sz="2100" kern="1200" dirty="0"/>
-        </a:p>
-      </dsp:txBody>
-      <dsp:txXfrm>
-        <a:off x="4452569" y="700735"/>
-        <a:ext cx="2073008" cy="2948926"/>
-      </dsp:txXfrm>
-    </dsp:sp>
-    <dsp:sp modelId="{958EC24F-3D2F-416C-9868-843774FA3604}">
-      <dsp:nvSpPr>
-        <dsp:cNvPr id="0" name=""/>
-        <dsp:cNvSpPr/>
-      </dsp:nvSpPr>
-      <dsp:spPr>
-        <a:xfrm>
-          <a:off x="4452569" y="0"/>
-          <a:ext cx="2073008" cy="700735"/>
-        </a:xfrm>
-        <a:prstGeom prst="rect">
-          <a:avLst/>
-        </a:prstGeom>
-        <a:noFill/>
-        <a:ln>
-          <a:noFill/>
-        </a:ln>
-        <a:effectLst/>
-      </dsp:spPr>
-      <dsp:style>
-        <a:lnRef idx="0">
-          <a:scrgbClr r="0" g="0" b="0"/>
-        </a:lnRef>
-        <a:fillRef idx="0">
-          <a:scrgbClr r="0" g="0" b="0"/>
-        </a:fillRef>
-        <a:effectRef idx="0">
-          <a:scrgbClr r="0" g="0" b="0"/>
-        </a:effectRef>
-        <a:fontRef idx="minor"/>
-      </dsp:style>
-      <dsp:txBody>
-        <a:bodyPr spcFirstLastPara="0" vert="horz" wrap="square" lIns="88900" tIns="88900" rIns="88900" bIns="88900" numCol="1" spcCol="1270" anchor="b" anchorCtr="0">
-          <a:noAutofit/>
-        </a:bodyPr>
-        <a:lstStyle/>
-        <a:p>
-          <a:pPr lvl="0" algn="l" defTabSz="1555750">
-            <a:lnSpc>
-              <a:spcPct val="90000"/>
-            </a:lnSpc>
-            <a:spcBef>
-              <a:spcPct val="0"/>
-            </a:spcBef>
-            <a:spcAft>
-              <a:spcPct val="35000"/>
-            </a:spcAft>
-          </a:pPr>
-          <a:r>
-            <a:rPr lang="zh-CN" altLang="en-US" sz="3500" kern="1200" dirty="0" smtClean="0"/>
-            <a:t>构建</a:t>
-          </a:r>
-          <a:endParaRPr lang="zh-CN" altLang="en-US" sz="3500" kern="1200" dirty="0"/>
-        </a:p>
-      </dsp:txBody>
-      <dsp:txXfrm>
-        <a:off x="4452569" y="0"/>
-        <a:ext cx="2073008" cy="700735"/>
-      </dsp:txXfrm>
-    </dsp:sp>
-    <dsp:sp modelId="{624305A5-91C6-4EE4-95AD-42BB0BADA751}">
-      <dsp:nvSpPr>
-        <dsp:cNvPr id="0" name=""/>
-        <dsp:cNvSpPr/>
-      </dsp:nvSpPr>
-      <dsp:spPr>
-        <a:xfrm>
-          <a:off x="6671563" y="0"/>
-          <a:ext cx="700735" cy="700735"/>
-        </a:xfrm>
-        <a:prstGeom prst="ellipse">
-          <a:avLst/>
-        </a:prstGeom>
-        <a:solidFill>
-          <a:schemeClr val="accent2">
-            <a:tint val="40000"/>
-            <a:hueOff val="0"/>
-            <a:satOff val="0"/>
-            <a:lumOff val="0"/>
-            <a:alphaOff val="0"/>
-          </a:schemeClr>
-        </a:solidFill>
-        <a:ln>
-          <a:noFill/>
-        </a:ln>
-        <a:effectLst/>
-      </dsp:spPr>
-      <dsp:style>
-        <a:lnRef idx="0">
-          <a:scrgbClr r="0" g="0" b="0"/>
-        </a:lnRef>
-        <a:fillRef idx="1">
-          <a:scrgbClr r="0" g="0" b="0"/>
-        </a:fillRef>
-        <a:effectRef idx="1">
-          <a:scrgbClr r="0" g="0" b="0"/>
-        </a:effectRef>
-        <a:fontRef idx="minor"/>
-      </dsp:style>
-    </dsp:sp>
-    <dsp:sp modelId="{02C40580-DA68-4488-8610-3F0FC983DF05}">
-      <dsp:nvSpPr>
-        <dsp:cNvPr id="0" name=""/>
-        <dsp:cNvSpPr/>
-      </dsp:nvSpPr>
-      <dsp:spPr>
-        <a:xfrm>
-          <a:off x="6741637" y="70073"/>
-          <a:ext cx="560588" cy="560588"/>
-        </a:xfrm>
-        <a:prstGeom prst="chord">
-          <a:avLst>
-            <a:gd name="adj1" fmla="val 16200000"/>
-            <a:gd name="adj2" fmla="val 16200000"/>
-          </a:avLst>
-        </a:prstGeom>
-        <a:gradFill rotWithShape="0">
-          <a:gsLst>
-            <a:gs pos="0">
-              <a:schemeClr val="accent2">
-                <a:hueOff val="-3110148"/>
-                <a:satOff val="-16453"/>
-                <a:lumOff val="-6274"/>
-                <a:alphaOff val="0"/>
-                <a:tint val="70000"/>
-                <a:lumMod val="110000"/>
-              </a:schemeClr>
-            </a:gs>
-            <a:gs pos="100000">
-              <a:schemeClr val="accent2">
-                <a:hueOff val="-3110148"/>
-                <a:satOff val="-16453"/>
-                <a:lumOff val="-6274"/>
-                <a:alphaOff val="0"/>
-                <a:tint val="82000"/>
-                <a:alpha val="74000"/>
-              </a:schemeClr>
-            </a:gs>
-          </a:gsLst>
-          <a:lin ang="5400000" scaled="0"/>
-        </a:gradFill>
-        <a:ln w="9525" cap="rnd" cmpd="sng" algn="ctr">
-          <a:solidFill>
-            <a:schemeClr val="accent2">
-              <a:hueOff val="-3110148"/>
-              <a:satOff val="-16453"/>
-              <a:lumOff val="-6274"/>
-              <a:alphaOff val="0"/>
-            </a:schemeClr>
-          </a:solidFill>
-          <a:prstDash val="solid"/>
-        </a:ln>
-        <a:effectLst/>
-      </dsp:spPr>
-      <dsp:style>
-        <a:lnRef idx="1">
-          <a:scrgbClr r="0" g="0" b="0"/>
-        </a:lnRef>
-        <a:fillRef idx="2">
-          <a:scrgbClr r="0" g="0" b="0"/>
-        </a:fillRef>
-        <a:effectRef idx="1">
-          <a:scrgbClr r="0" g="0" b="0"/>
-        </a:effectRef>
-        <a:fontRef idx="minor">
-          <a:schemeClr val="dk1"/>
-        </a:fontRef>
-      </dsp:style>
-    </dsp:sp>
-    <dsp:sp modelId="{0BAD94B1-DA31-4BE1-A3AD-855B5C345992}">
-      <dsp:nvSpPr>
-        <dsp:cNvPr id="0" name=""/>
-        <dsp:cNvSpPr/>
-      </dsp:nvSpPr>
-      <dsp:spPr>
-        <a:xfrm>
-          <a:off x="7518285" y="700735"/>
-          <a:ext cx="2073008" cy="2948926"/>
-        </a:xfrm>
-        <a:prstGeom prst="rect">
-          <a:avLst/>
-        </a:prstGeom>
-        <a:noFill/>
-        <a:ln>
-          <a:noFill/>
-        </a:ln>
-        <a:effectLst/>
-      </dsp:spPr>
-      <dsp:style>
-        <a:lnRef idx="0">
-          <a:scrgbClr r="0" g="0" b="0"/>
-        </a:lnRef>
-        <a:fillRef idx="0">
-          <a:scrgbClr r="0" g="0" b="0"/>
-        </a:fillRef>
-        <a:effectRef idx="0">
-          <a:scrgbClr r="0" g="0" b="0"/>
-        </a:effectRef>
-        <a:fontRef idx="minor"/>
-      </dsp:style>
-      <dsp:txBody>
-        <a:bodyPr spcFirstLastPara="0" vert="horz" wrap="square" lIns="68580" tIns="68580" rIns="68580" bIns="68580" numCol="1" spcCol="1270" anchor="t" anchorCtr="0">
-          <a:noAutofit/>
-        </a:bodyPr>
-        <a:lstStyle/>
-        <a:p>
-          <a:pPr lvl="0" algn="l" defTabSz="1200150">
-            <a:lnSpc>
-              <a:spcPct val="90000"/>
-            </a:lnSpc>
-            <a:spcBef>
-              <a:spcPct val="0"/>
-            </a:spcBef>
-            <a:spcAft>
-              <a:spcPct val="35000"/>
-            </a:spcAft>
-          </a:pPr>
-          <a:r>
-            <a:rPr lang="zh-CN" altLang="en-US" sz="2700" kern="1200" dirty="0" smtClean="0"/>
-            <a:t>统计插件</a:t>
-          </a:r>
-          <a:endParaRPr lang="zh-CN" altLang="en-US" sz="2700" kern="1200" dirty="0"/>
-        </a:p>
-        <a:p>
-          <a:pPr marL="228600" lvl="1" indent="-228600" algn="l" defTabSz="933450">
-            <a:lnSpc>
-              <a:spcPct val="90000"/>
-            </a:lnSpc>
-            <a:spcBef>
-              <a:spcPct val="0"/>
-            </a:spcBef>
-            <a:spcAft>
-              <a:spcPct val="15000"/>
-            </a:spcAft>
-            <a:buChar char="••"/>
-          </a:pPr>
-          <a:r>
-            <a:rPr lang="en-US" altLang="en-US" sz="2100" kern="1200" dirty="0" err="1" smtClean="0"/>
-            <a:t>Checkstyle</a:t>
-          </a:r>
-          <a:endParaRPr lang="zh-CN" altLang="en-US" sz="2100" kern="1200" dirty="0"/>
-        </a:p>
-        <a:p>
-          <a:pPr marL="228600" lvl="1" indent="-228600" algn="l" defTabSz="933450">
-            <a:lnSpc>
-              <a:spcPct val="90000"/>
-            </a:lnSpc>
-            <a:spcBef>
-              <a:spcPct val="0"/>
-            </a:spcBef>
-            <a:spcAft>
-              <a:spcPct val="15000"/>
-            </a:spcAft>
-            <a:buChar char="••"/>
-          </a:pPr>
-          <a:r>
-            <a:rPr lang="en-US" altLang="zh-CN" sz="2100" kern="1200" dirty="0" smtClean="0"/>
-            <a:t>PMD</a:t>
-          </a:r>
-          <a:endParaRPr lang="zh-CN" altLang="en-US" sz="2100" kern="1200" dirty="0"/>
-        </a:p>
-        <a:p>
-          <a:pPr marL="228600" lvl="1" indent="-228600" algn="l" defTabSz="933450">
-            <a:lnSpc>
-              <a:spcPct val="90000"/>
-            </a:lnSpc>
-            <a:spcBef>
-              <a:spcPct val="0"/>
-            </a:spcBef>
-            <a:spcAft>
-              <a:spcPct val="15000"/>
-            </a:spcAft>
-            <a:buChar char="••"/>
-          </a:pPr>
-          <a:endParaRPr lang="zh-CN" altLang="en-US" sz="2100" kern="1200" dirty="0"/>
-        </a:p>
-        <a:p>
-          <a:pPr lvl="0" algn="l" defTabSz="1200150">
-            <a:lnSpc>
-              <a:spcPct val="90000"/>
-            </a:lnSpc>
-            <a:spcBef>
-              <a:spcPct val="0"/>
-            </a:spcBef>
-            <a:spcAft>
-              <a:spcPct val="35000"/>
-            </a:spcAft>
-          </a:pPr>
-          <a:r>
-            <a:rPr lang="zh-CN" altLang="en-US" sz="2700" kern="1200" dirty="0" smtClean="0"/>
-            <a:t>部署插件</a:t>
-          </a:r>
-          <a:endParaRPr lang="zh-CN" altLang="en-US" sz="2700" kern="1200" dirty="0"/>
-        </a:p>
-        <a:p>
-          <a:pPr marL="228600" lvl="1" indent="-228600" algn="l" defTabSz="933450">
-            <a:lnSpc>
-              <a:spcPct val="90000"/>
-            </a:lnSpc>
-            <a:spcBef>
-              <a:spcPct val="0"/>
-            </a:spcBef>
-            <a:spcAft>
-              <a:spcPct val="15000"/>
-            </a:spcAft>
-            <a:buChar char="••"/>
-          </a:pPr>
-          <a:r>
-            <a:rPr lang="en-US" altLang="zh-CN" sz="2100" kern="1200" dirty="0" err="1" smtClean="0"/>
-            <a:t>Anisble</a:t>
-          </a:r>
-          <a:r>
-            <a:rPr lang="en-US" altLang="zh-CN" sz="2100" kern="1200" dirty="0" smtClean="0"/>
-            <a:t>[</a:t>
-          </a:r>
-          <a:r>
-            <a:rPr lang="en-US" altLang="zh-CN" sz="2100" kern="1200" dirty="0" err="1" smtClean="0"/>
-            <a:t>sh</a:t>
-          </a:r>
-          <a:r>
-            <a:rPr lang="en-US" altLang="zh-CN" sz="2100" kern="1200" dirty="0" smtClean="0"/>
-            <a:t>]</a:t>
-          </a:r>
-          <a:endParaRPr lang="zh-CN" altLang="en-US" sz="2100" kern="1200" dirty="0"/>
-        </a:p>
-        <a:p>
-          <a:pPr marL="228600" lvl="1" indent="-228600" algn="l" defTabSz="933450">
-            <a:lnSpc>
-              <a:spcPct val="90000"/>
-            </a:lnSpc>
-            <a:spcBef>
-              <a:spcPct val="0"/>
-            </a:spcBef>
-            <a:spcAft>
-              <a:spcPct val="15000"/>
-            </a:spcAft>
-            <a:buChar char="••"/>
-          </a:pPr>
-          <a:r>
-            <a:rPr lang="en-US" altLang="zh-CN" sz="2100" kern="1200" dirty="0" err="1" smtClean="0"/>
-            <a:t>Docker</a:t>
-          </a:r>
-          <a:endParaRPr lang="zh-CN" altLang="en-US" sz="2100" kern="1200" dirty="0"/>
-        </a:p>
-      </dsp:txBody>
-      <dsp:txXfrm>
-        <a:off x="7518285" y="700735"/>
-        <a:ext cx="2073008" cy="2948926"/>
-      </dsp:txXfrm>
-    </dsp:sp>
-    <dsp:sp modelId="{7A1646CE-349E-45CA-9DF3-7E32376FAF21}">
-      <dsp:nvSpPr>
-        <dsp:cNvPr id="0" name=""/>
-        <dsp:cNvSpPr/>
-      </dsp:nvSpPr>
-      <dsp:spPr>
-        <a:xfrm>
-          <a:off x="7518285" y="0"/>
-          <a:ext cx="2073008" cy="700735"/>
-        </a:xfrm>
-        <a:prstGeom prst="rect">
-          <a:avLst/>
-        </a:prstGeom>
-        <a:noFill/>
-        <a:ln>
-          <a:noFill/>
-        </a:ln>
-        <a:effectLst/>
-      </dsp:spPr>
-      <dsp:style>
-        <a:lnRef idx="0">
-          <a:scrgbClr r="0" g="0" b="0"/>
-        </a:lnRef>
-        <a:fillRef idx="0">
-          <a:scrgbClr r="0" g="0" b="0"/>
-        </a:fillRef>
-        <a:effectRef idx="0">
-          <a:scrgbClr r="0" g="0" b="0"/>
-        </a:effectRef>
-        <a:fontRef idx="minor"/>
-      </dsp:style>
-      <dsp:txBody>
-        <a:bodyPr spcFirstLastPara="0" vert="horz" wrap="square" lIns="88900" tIns="88900" rIns="88900" bIns="88900" numCol="1" spcCol="1270" anchor="b" anchorCtr="0">
-          <a:noAutofit/>
-        </a:bodyPr>
-        <a:lstStyle/>
-        <a:p>
-          <a:pPr lvl="0" algn="l" defTabSz="1555750">
-            <a:lnSpc>
-              <a:spcPct val="90000"/>
-            </a:lnSpc>
-            <a:spcBef>
-              <a:spcPct val="0"/>
-            </a:spcBef>
-            <a:spcAft>
-              <a:spcPct val="35000"/>
-            </a:spcAft>
-          </a:pPr>
-          <a:r>
-            <a:rPr lang="zh-CN" altLang="en-US" sz="3500" kern="1200" dirty="0" smtClean="0"/>
-            <a:t>清理</a:t>
-          </a:r>
-          <a:endParaRPr lang="zh-CN" altLang="en-US" sz="3500" kern="1200" dirty="0"/>
-        </a:p>
-      </dsp:txBody>
-      <dsp:txXfrm>
-        <a:off x="7518285" y="0"/>
-        <a:ext cx="2073008" cy="700735"/>
-      </dsp:txXfrm>
-    </dsp:sp>
   </dsp:spTree>
 </dsp:drawing>
 </file>
@@ -8098,1152 +5781,6 @@
       <dsp:cNvGrpSpPr/>
     </dsp:nvGrpSpPr>
     <dsp:grpSpPr/>
-    <dsp:sp modelId="{CD86B157-DA1B-4EAC-A384-C562A0C5C0EB}">
-      <dsp:nvSpPr>
-        <dsp:cNvPr id="0" name=""/>
-        <dsp:cNvSpPr/>
-      </dsp:nvSpPr>
-      <dsp:spPr>
-        <a:xfrm>
-          <a:off x="2943" y="690312"/>
-          <a:ext cx="3266302" cy="384270"/>
-        </a:xfrm>
-        <a:prstGeom prst="rect">
-          <a:avLst/>
-        </a:prstGeom>
-        <a:gradFill rotWithShape="0">
-          <a:gsLst>
-            <a:gs pos="0">
-              <a:schemeClr val="accent2">
-                <a:hueOff val="0"/>
-                <a:satOff val="0"/>
-                <a:lumOff val="0"/>
-                <a:alphaOff val="0"/>
-                <a:tint val="70000"/>
-                <a:lumMod val="110000"/>
-              </a:schemeClr>
-            </a:gs>
-            <a:gs pos="100000">
-              <a:schemeClr val="accent2">
-                <a:hueOff val="0"/>
-                <a:satOff val="0"/>
-                <a:lumOff val="0"/>
-                <a:alphaOff val="0"/>
-                <a:tint val="82000"/>
-                <a:alpha val="74000"/>
-              </a:schemeClr>
-            </a:gs>
-          </a:gsLst>
-          <a:lin ang="5400000" scaled="0"/>
-        </a:gradFill>
-        <a:ln w="9525" cap="rnd" cmpd="sng" algn="ctr">
-          <a:solidFill>
-            <a:schemeClr val="accent2">
-              <a:hueOff val="0"/>
-              <a:satOff val="0"/>
-              <a:lumOff val="0"/>
-              <a:alphaOff val="0"/>
-            </a:schemeClr>
-          </a:solidFill>
-          <a:prstDash val="solid"/>
-        </a:ln>
-        <a:effectLst/>
-      </dsp:spPr>
-      <dsp:style>
-        <a:lnRef idx="1">
-          <a:scrgbClr r="0" g="0" b="0"/>
-        </a:lnRef>
-        <a:fillRef idx="2">
-          <a:scrgbClr r="0" g="0" b="0"/>
-        </a:fillRef>
-        <a:effectRef idx="1">
-          <a:scrgbClr r="0" g="0" b="0"/>
-        </a:effectRef>
-        <a:fontRef idx="minor">
-          <a:schemeClr val="dk1"/>
-        </a:fontRef>
-      </dsp:style>
-    </dsp:sp>
-    <dsp:sp modelId="{4EA62F0C-4EEA-47BA-BE1D-58FBA2E0E384}">
-      <dsp:nvSpPr>
-        <dsp:cNvPr id="0" name=""/>
-        <dsp:cNvSpPr/>
-      </dsp:nvSpPr>
-      <dsp:spPr>
-        <a:xfrm>
-          <a:off x="2943" y="834628"/>
-          <a:ext cx="239954" cy="239954"/>
-        </a:xfrm>
-        <a:prstGeom prst="rect">
-          <a:avLst/>
-        </a:prstGeom>
-        <a:solidFill>
-          <a:schemeClr val="lt1">
-            <a:alpha val="90000"/>
-            <a:hueOff val="0"/>
-            <a:satOff val="0"/>
-            <a:lumOff val="0"/>
-            <a:alphaOff val="0"/>
-          </a:schemeClr>
-        </a:solidFill>
-        <a:ln w="9525" cap="rnd" cmpd="sng" algn="ctr">
-          <a:solidFill>
-            <a:schemeClr val="accent2">
-              <a:hueOff val="0"/>
-              <a:satOff val="0"/>
-              <a:lumOff val="0"/>
-              <a:alphaOff val="0"/>
-            </a:schemeClr>
-          </a:solidFill>
-          <a:prstDash val="solid"/>
-        </a:ln>
-        <a:effectLst/>
-      </dsp:spPr>
-      <dsp:style>
-        <a:lnRef idx="1">
-          <a:scrgbClr r="0" g="0" b="0"/>
-        </a:lnRef>
-        <a:fillRef idx="1">
-          <a:scrgbClr r="0" g="0" b="0"/>
-        </a:fillRef>
-        <a:effectRef idx="0">
-          <a:scrgbClr r="0" g="0" b="0"/>
-        </a:effectRef>
-        <a:fontRef idx="minor"/>
-      </dsp:style>
-    </dsp:sp>
-    <dsp:sp modelId="{5E81F00B-1A32-41CD-87C5-2D51426B5B2F}">
-      <dsp:nvSpPr>
-        <dsp:cNvPr id="0" name=""/>
-        <dsp:cNvSpPr/>
-      </dsp:nvSpPr>
-      <dsp:spPr>
-        <a:xfrm>
-          <a:off x="2943" y="0"/>
-          <a:ext cx="3266302" cy="690312"/>
-        </a:xfrm>
-        <a:prstGeom prst="rect">
-          <a:avLst/>
-        </a:prstGeom>
-        <a:noFill/>
-        <a:ln>
-          <a:noFill/>
-        </a:ln>
-        <a:effectLst/>
-      </dsp:spPr>
-      <dsp:style>
-        <a:lnRef idx="0">
-          <a:scrgbClr r="0" g="0" b="0"/>
-        </a:lnRef>
-        <a:fillRef idx="0">
-          <a:scrgbClr r="0" g="0" b="0"/>
-        </a:fillRef>
-        <a:effectRef idx="0">
-          <a:scrgbClr r="0" g="0" b="0"/>
-        </a:effectRef>
-        <a:fontRef idx="minor"/>
-      </dsp:style>
-      <dsp:txBody>
-        <a:bodyPr spcFirstLastPara="0" vert="horz" wrap="square" lIns="74295" tIns="49530" rIns="74295" bIns="49530" numCol="1" spcCol="1270" anchor="ctr" anchorCtr="0">
-          <a:noAutofit/>
-        </a:bodyPr>
-        <a:lstStyle/>
-        <a:p>
-          <a:pPr lvl="0" algn="l" defTabSz="1733550">
-            <a:lnSpc>
-              <a:spcPct val="90000"/>
-            </a:lnSpc>
-            <a:spcBef>
-              <a:spcPct val="0"/>
-            </a:spcBef>
-            <a:spcAft>
-              <a:spcPct val="35000"/>
-            </a:spcAft>
-          </a:pPr>
-          <a:r>
-            <a:rPr lang="zh-CN" altLang="en-US" sz="3900" kern="1200" dirty="0" smtClean="0"/>
-            <a:t>开发</a:t>
-          </a:r>
-          <a:endParaRPr lang="zh-CN" altLang="en-US" sz="3900" kern="1200" dirty="0"/>
-        </a:p>
-      </dsp:txBody>
-      <dsp:txXfrm>
-        <a:off x="2943" y="0"/>
-        <a:ext cx="3266302" cy="690312"/>
-      </dsp:txXfrm>
-    </dsp:sp>
-    <dsp:sp modelId="{8538B115-AB2C-456A-AFF5-D159E017A595}">
-      <dsp:nvSpPr>
-        <dsp:cNvPr id="0" name=""/>
-        <dsp:cNvSpPr/>
-      </dsp:nvSpPr>
-      <dsp:spPr>
-        <a:xfrm>
-          <a:off x="2943" y="1393955"/>
-          <a:ext cx="239948" cy="239948"/>
-        </a:xfrm>
-        <a:prstGeom prst="rect">
-          <a:avLst/>
-        </a:prstGeom>
-        <a:gradFill rotWithShape="0">
-          <a:gsLst>
-            <a:gs pos="0">
-              <a:schemeClr val="lt1">
-                <a:hueOff val="0"/>
-                <a:satOff val="0"/>
-                <a:lumOff val="0"/>
-                <a:alphaOff val="0"/>
-                <a:tint val="70000"/>
-                <a:lumMod val="110000"/>
-              </a:schemeClr>
-            </a:gs>
-            <a:gs pos="100000">
-              <a:schemeClr val="lt1">
-                <a:hueOff val="0"/>
-                <a:satOff val="0"/>
-                <a:lumOff val="0"/>
-                <a:alphaOff val="0"/>
-                <a:tint val="82000"/>
-                <a:alpha val="74000"/>
-              </a:schemeClr>
-            </a:gs>
-          </a:gsLst>
-          <a:lin ang="5400000" scaled="0"/>
-        </a:gradFill>
-        <a:ln w="9525" cap="rnd" cmpd="sng" algn="ctr">
-          <a:solidFill>
-            <a:schemeClr val="accent2">
-              <a:hueOff val="0"/>
-              <a:satOff val="0"/>
-              <a:lumOff val="0"/>
-              <a:alphaOff val="0"/>
-            </a:schemeClr>
-          </a:solidFill>
-          <a:prstDash val="solid"/>
-        </a:ln>
-        <a:effectLst/>
-      </dsp:spPr>
-      <dsp:style>
-        <a:lnRef idx="1">
-          <a:scrgbClr r="0" g="0" b="0"/>
-        </a:lnRef>
-        <a:fillRef idx="2">
-          <a:scrgbClr r="0" g="0" b="0"/>
-        </a:fillRef>
-        <a:effectRef idx="0">
-          <a:scrgbClr r="0" g="0" b="0"/>
-        </a:effectRef>
-        <a:fontRef idx="minor"/>
-      </dsp:style>
-    </dsp:sp>
-    <dsp:sp modelId="{A0573D14-E200-4DB1-AAD2-BB91BED8F9BB}">
-      <dsp:nvSpPr>
-        <dsp:cNvPr id="0" name=""/>
-        <dsp:cNvSpPr/>
-      </dsp:nvSpPr>
-      <dsp:spPr>
-        <a:xfrm>
-          <a:off x="231584" y="1234269"/>
-          <a:ext cx="3037661" cy="559320"/>
-        </a:xfrm>
-        <a:prstGeom prst="rect">
-          <a:avLst/>
-        </a:prstGeom>
-        <a:noFill/>
-        <a:ln>
-          <a:noFill/>
-        </a:ln>
-        <a:effectLst/>
-      </dsp:spPr>
-      <dsp:style>
-        <a:lnRef idx="0">
-          <a:scrgbClr r="0" g="0" b="0"/>
-        </a:lnRef>
-        <a:fillRef idx="0">
-          <a:scrgbClr r="0" g="0" b="0"/>
-        </a:fillRef>
-        <a:effectRef idx="0">
-          <a:scrgbClr r="0" g="0" b="0"/>
-        </a:effectRef>
-        <a:fontRef idx="minor"/>
-      </dsp:style>
-      <dsp:txBody>
-        <a:bodyPr spcFirstLastPara="0" vert="horz" wrap="square" lIns="135128" tIns="135128" rIns="135128" bIns="135128" numCol="1" spcCol="1270" anchor="ctr" anchorCtr="0">
-          <a:noAutofit/>
-        </a:bodyPr>
-        <a:lstStyle/>
-        <a:p>
-          <a:pPr lvl="0" algn="l" defTabSz="844550">
-            <a:lnSpc>
-              <a:spcPct val="90000"/>
-            </a:lnSpc>
-            <a:spcBef>
-              <a:spcPct val="0"/>
-            </a:spcBef>
-            <a:spcAft>
-              <a:spcPct val="35000"/>
-            </a:spcAft>
-          </a:pPr>
-          <a:r>
-            <a:rPr lang="zh-CN" altLang="en-US" sz="1900" kern="1200" dirty="0" smtClean="0"/>
-            <a:t>测试机</a:t>
-          </a:r>
-          <a:endParaRPr lang="zh-CN" altLang="en-US" sz="1900" kern="1200" dirty="0"/>
-        </a:p>
-      </dsp:txBody>
-      <dsp:txXfrm>
-        <a:off x="231584" y="1234269"/>
-        <a:ext cx="3037661" cy="559320"/>
-      </dsp:txXfrm>
-    </dsp:sp>
-    <dsp:sp modelId="{B7F496D5-2BCB-4E6E-B07D-A814A2DA3213}">
-      <dsp:nvSpPr>
-        <dsp:cNvPr id="0" name=""/>
-        <dsp:cNvSpPr/>
-      </dsp:nvSpPr>
-      <dsp:spPr>
-        <a:xfrm>
-          <a:off x="2943" y="1953275"/>
-          <a:ext cx="239948" cy="239948"/>
-        </a:xfrm>
-        <a:prstGeom prst="rect">
-          <a:avLst/>
-        </a:prstGeom>
-        <a:gradFill rotWithShape="0">
-          <a:gsLst>
-            <a:gs pos="0">
-              <a:schemeClr val="lt1">
-                <a:hueOff val="0"/>
-                <a:satOff val="0"/>
-                <a:lumOff val="0"/>
-                <a:alphaOff val="0"/>
-                <a:tint val="70000"/>
-                <a:lumMod val="110000"/>
-              </a:schemeClr>
-            </a:gs>
-            <a:gs pos="100000">
-              <a:schemeClr val="lt1">
-                <a:hueOff val="0"/>
-                <a:satOff val="0"/>
-                <a:lumOff val="0"/>
-                <a:alphaOff val="0"/>
-                <a:tint val="82000"/>
-                <a:alpha val="74000"/>
-              </a:schemeClr>
-            </a:gs>
-          </a:gsLst>
-          <a:lin ang="5400000" scaled="0"/>
-        </a:gradFill>
-        <a:ln w="9525" cap="rnd" cmpd="sng" algn="ctr">
-          <a:solidFill>
-            <a:schemeClr val="accent2">
-              <a:hueOff val="-777537"/>
-              <a:satOff val="-4113"/>
-              <a:lumOff val="-1568"/>
-              <a:alphaOff val="0"/>
-            </a:schemeClr>
-          </a:solidFill>
-          <a:prstDash val="solid"/>
-        </a:ln>
-        <a:effectLst/>
-      </dsp:spPr>
-      <dsp:style>
-        <a:lnRef idx="1">
-          <a:scrgbClr r="0" g="0" b="0"/>
-        </a:lnRef>
-        <a:fillRef idx="2">
-          <a:scrgbClr r="0" g="0" b="0"/>
-        </a:fillRef>
-        <a:effectRef idx="0">
-          <a:scrgbClr r="0" g="0" b="0"/>
-        </a:effectRef>
-        <a:fontRef idx="minor"/>
-      </dsp:style>
-    </dsp:sp>
-    <dsp:sp modelId="{76338192-CAAC-4D76-B92B-714A79AD1AAC}">
-      <dsp:nvSpPr>
-        <dsp:cNvPr id="0" name=""/>
-        <dsp:cNvSpPr/>
-      </dsp:nvSpPr>
-      <dsp:spPr>
-        <a:xfrm>
-          <a:off x="231584" y="1793589"/>
-          <a:ext cx="3037661" cy="559320"/>
-        </a:xfrm>
-        <a:prstGeom prst="rect">
-          <a:avLst/>
-        </a:prstGeom>
-        <a:noFill/>
-        <a:ln>
-          <a:noFill/>
-        </a:ln>
-        <a:effectLst/>
-      </dsp:spPr>
-      <dsp:style>
-        <a:lnRef idx="0">
-          <a:scrgbClr r="0" g="0" b="0"/>
-        </a:lnRef>
-        <a:fillRef idx="0">
-          <a:scrgbClr r="0" g="0" b="0"/>
-        </a:fillRef>
-        <a:effectRef idx="0">
-          <a:scrgbClr r="0" g="0" b="0"/>
-        </a:effectRef>
-        <a:fontRef idx="minor"/>
-      </dsp:style>
-      <dsp:txBody>
-        <a:bodyPr spcFirstLastPara="0" vert="horz" wrap="square" lIns="135128" tIns="135128" rIns="135128" bIns="135128" numCol="1" spcCol="1270" anchor="ctr" anchorCtr="0">
-          <a:noAutofit/>
-        </a:bodyPr>
-        <a:lstStyle/>
-        <a:p>
-          <a:pPr lvl="0" algn="l" defTabSz="844550">
-            <a:lnSpc>
-              <a:spcPct val="90000"/>
-            </a:lnSpc>
-            <a:spcBef>
-              <a:spcPct val="0"/>
-            </a:spcBef>
-            <a:spcAft>
-              <a:spcPct val="35000"/>
-            </a:spcAft>
-          </a:pPr>
-          <a:r>
-            <a:rPr lang="en-US" altLang="zh-CN" sz="1900" kern="1200" dirty="0" err="1" smtClean="0"/>
-            <a:t>Gitlab</a:t>
-          </a:r>
-          <a:r>
-            <a:rPr lang="zh-CN" altLang="en-US" sz="1900" kern="1200" dirty="0" smtClean="0"/>
-            <a:t>触发</a:t>
-          </a:r>
-          <a:endParaRPr lang="zh-CN" altLang="en-US" sz="1900" kern="1200" dirty="0"/>
-        </a:p>
-      </dsp:txBody>
-      <dsp:txXfrm>
-        <a:off x="231584" y="1793589"/>
-        <a:ext cx="3037661" cy="559320"/>
-      </dsp:txXfrm>
-    </dsp:sp>
-    <dsp:sp modelId="{E751F8AC-7BCD-48B6-811A-531B7CC97AAB}">
-      <dsp:nvSpPr>
-        <dsp:cNvPr id="0" name=""/>
-        <dsp:cNvSpPr/>
-      </dsp:nvSpPr>
-      <dsp:spPr>
-        <a:xfrm>
-          <a:off x="2943" y="2512596"/>
-          <a:ext cx="239948" cy="239948"/>
-        </a:xfrm>
-        <a:prstGeom prst="rect">
-          <a:avLst/>
-        </a:prstGeom>
-        <a:gradFill rotWithShape="0">
-          <a:gsLst>
-            <a:gs pos="0">
-              <a:schemeClr val="lt1">
-                <a:hueOff val="0"/>
-                <a:satOff val="0"/>
-                <a:lumOff val="0"/>
-                <a:alphaOff val="0"/>
-                <a:tint val="70000"/>
-                <a:lumMod val="110000"/>
-              </a:schemeClr>
-            </a:gs>
-            <a:gs pos="100000">
-              <a:schemeClr val="lt1">
-                <a:hueOff val="0"/>
-                <a:satOff val="0"/>
-                <a:lumOff val="0"/>
-                <a:alphaOff val="0"/>
-                <a:tint val="82000"/>
-                <a:alpha val="74000"/>
-              </a:schemeClr>
-            </a:gs>
-          </a:gsLst>
-          <a:lin ang="5400000" scaled="0"/>
-        </a:gradFill>
-        <a:ln w="9525" cap="rnd" cmpd="sng" algn="ctr">
-          <a:solidFill>
-            <a:schemeClr val="accent2">
-              <a:hueOff val="-1555074"/>
-              <a:satOff val="-8227"/>
-              <a:lumOff val="-3137"/>
-              <a:alphaOff val="0"/>
-            </a:schemeClr>
-          </a:solidFill>
-          <a:prstDash val="solid"/>
-        </a:ln>
-        <a:effectLst/>
-      </dsp:spPr>
-      <dsp:style>
-        <a:lnRef idx="1">
-          <a:scrgbClr r="0" g="0" b="0"/>
-        </a:lnRef>
-        <a:fillRef idx="2">
-          <a:scrgbClr r="0" g="0" b="0"/>
-        </a:fillRef>
-        <a:effectRef idx="0">
-          <a:scrgbClr r="0" g="0" b="0"/>
-        </a:effectRef>
-        <a:fontRef idx="minor"/>
-      </dsp:style>
-    </dsp:sp>
-    <dsp:sp modelId="{14A16BE7-5F07-43DC-A182-8EACFE6EC8AA}">
-      <dsp:nvSpPr>
-        <dsp:cNvPr id="0" name=""/>
-        <dsp:cNvSpPr/>
-      </dsp:nvSpPr>
-      <dsp:spPr>
-        <a:xfrm>
-          <a:off x="231584" y="2352910"/>
-          <a:ext cx="3037661" cy="559320"/>
-        </a:xfrm>
-        <a:prstGeom prst="rect">
-          <a:avLst/>
-        </a:prstGeom>
-        <a:noFill/>
-        <a:ln>
-          <a:noFill/>
-        </a:ln>
-        <a:effectLst/>
-      </dsp:spPr>
-      <dsp:style>
-        <a:lnRef idx="0">
-          <a:scrgbClr r="0" g="0" b="0"/>
-        </a:lnRef>
-        <a:fillRef idx="0">
-          <a:scrgbClr r="0" g="0" b="0"/>
-        </a:fillRef>
-        <a:effectRef idx="0">
-          <a:scrgbClr r="0" g="0" b="0"/>
-        </a:effectRef>
-        <a:fontRef idx="minor"/>
-      </dsp:style>
-      <dsp:txBody>
-        <a:bodyPr spcFirstLastPara="0" vert="horz" wrap="square" lIns="135128" tIns="135128" rIns="135128" bIns="135128" numCol="1" spcCol="1270" anchor="ctr" anchorCtr="0">
-          <a:noAutofit/>
-        </a:bodyPr>
-        <a:lstStyle/>
-        <a:p>
-          <a:pPr lvl="0" algn="l" defTabSz="844550">
-            <a:lnSpc>
-              <a:spcPct val="90000"/>
-            </a:lnSpc>
-            <a:spcBef>
-              <a:spcPct val="0"/>
-            </a:spcBef>
-            <a:spcAft>
-              <a:spcPct val="35000"/>
-            </a:spcAft>
-          </a:pPr>
-          <a:r>
-            <a:rPr lang="en-US" altLang="zh-CN" sz="1900" kern="1200" dirty="0" err="1" smtClean="0"/>
-            <a:t>Docker</a:t>
-          </a:r>
-          <a:endParaRPr lang="zh-CN" altLang="en-US" sz="1900" kern="1200" dirty="0"/>
-        </a:p>
-      </dsp:txBody>
-      <dsp:txXfrm>
-        <a:off x="231584" y="2352910"/>
-        <a:ext cx="3037661" cy="559320"/>
-      </dsp:txXfrm>
-    </dsp:sp>
-    <dsp:sp modelId="{8682C3A0-3AC8-423B-BC2C-610FCDA0398C}">
-      <dsp:nvSpPr>
-        <dsp:cNvPr id="0" name=""/>
-        <dsp:cNvSpPr/>
-      </dsp:nvSpPr>
-      <dsp:spPr>
-        <a:xfrm>
-          <a:off x="3432561" y="690312"/>
-          <a:ext cx="3266302" cy="384270"/>
-        </a:xfrm>
-        <a:prstGeom prst="rect">
-          <a:avLst/>
-        </a:prstGeom>
-        <a:gradFill rotWithShape="0">
-          <a:gsLst>
-            <a:gs pos="0">
-              <a:schemeClr val="accent2">
-                <a:hueOff val="-1555074"/>
-                <a:satOff val="-8227"/>
-                <a:lumOff val="-3137"/>
-                <a:alphaOff val="0"/>
-                <a:tint val="70000"/>
-                <a:lumMod val="110000"/>
-              </a:schemeClr>
-            </a:gs>
-            <a:gs pos="100000">
-              <a:schemeClr val="accent2">
-                <a:hueOff val="-1555074"/>
-                <a:satOff val="-8227"/>
-                <a:lumOff val="-3137"/>
-                <a:alphaOff val="0"/>
-                <a:tint val="82000"/>
-                <a:alpha val="74000"/>
-              </a:schemeClr>
-            </a:gs>
-          </a:gsLst>
-          <a:lin ang="5400000" scaled="0"/>
-        </a:gradFill>
-        <a:ln w="9525" cap="rnd" cmpd="sng" algn="ctr">
-          <a:solidFill>
-            <a:schemeClr val="accent2">
-              <a:hueOff val="-1555074"/>
-              <a:satOff val="-8227"/>
-              <a:lumOff val="-3137"/>
-              <a:alphaOff val="0"/>
-            </a:schemeClr>
-          </a:solidFill>
-          <a:prstDash val="solid"/>
-        </a:ln>
-        <a:effectLst/>
-      </dsp:spPr>
-      <dsp:style>
-        <a:lnRef idx="1">
-          <a:scrgbClr r="0" g="0" b="0"/>
-        </a:lnRef>
-        <a:fillRef idx="2">
-          <a:scrgbClr r="0" g="0" b="0"/>
-        </a:fillRef>
-        <a:effectRef idx="1">
-          <a:scrgbClr r="0" g="0" b="0"/>
-        </a:effectRef>
-        <a:fontRef idx="minor">
-          <a:schemeClr val="dk1"/>
-        </a:fontRef>
-      </dsp:style>
-    </dsp:sp>
-    <dsp:sp modelId="{D40CB20B-1CD4-4E84-9F0C-FB366F8F9D56}">
-      <dsp:nvSpPr>
-        <dsp:cNvPr id="0" name=""/>
-        <dsp:cNvSpPr/>
-      </dsp:nvSpPr>
-      <dsp:spPr>
-        <a:xfrm>
-          <a:off x="3432561" y="834628"/>
-          <a:ext cx="239954" cy="239954"/>
-        </a:xfrm>
-        <a:prstGeom prst="rect">
-          <a:avLst/>
-        </a:prstGeom>
-        <a:solidFill>
-          <a:schemeClr val="lt1">
-            <a:alpha val="90000"/>
-            <a:hueOff val="0"/>
-            <a:satOff val="0"/>
-            <a:lumOff val="0"/>
-            <a:alphaOff val="0"/>
-          </a:schemeClr>
-        </a:solidFill>
-        <a:ln w="9525" cap="rnd" cmpd="sng" algn="ctr">
-          <a:solidFill>
-            <a:schemeClr val="accent2">
-              <a:hueOff val="-1555074"/>
-              <a:satOff val="-8227"/>
-              <a:lumOff val="-3137"/>
-              <a:alphaOff val="0"/>
-            </a:schemeClr>
-          </a:solidFill>
-          <a:prstDash val="solid"/>
-        </a:ln>
-        <a:effectLst/>
-      </dsp:spPr>
-      <dsp:style>
-        <a:lnRef idx="1">
-          <a:scrgbClr r="0" g="0" b="0"/>
-        </a:lnRef>
-        <a:fillRef idx="1">
-          <a:scrgbClr r="0" g="0" b="0"/>
-        </a:fillRef>
-        <a:effectRef idx="0">
-          <a:scrgbClr r="0" g="0" b="0"/>
-        </a:effectRef>
-        <a:fontRef idx="minor"/>
-      </dsp:style>
-    </dsp:sp>
-    <dsp:sp modelId="{8CAD301D-3B12-4755-B4FF-FB796DC93C0E}">
-      <dsp:nvSpPr>
-        <dsp:cNvPr id="0" name=""/>
-        <dsp:cNvSpPr/>
-      </dsp:nvSpPr>
-      <dsp:spPr>
-        <a:xfrm>
-          <a:off x="3432561" y="0"/>
-          <a:ext cx="3266302" cy="690312"/>
-        </a:xfrm>
-        <a:prstGeom prst="rect">
-          <a:avLst/>
-        </a:prstGeom>
-        <a:noFill/>
-        <a:ln>
-          <a:noFill/>
-        </a:ln>
-        <a:effectLst/>
-      </dsp:spPr>
-      <dsp:style>
-        <a:lnRef idx="0">
-          <a:scrgbClr r="0" g="0" b="0"/>
-        </a:lnRef>
-        <a:fillRef idx="0">
-          <a:scrgbClr r="0" g="0" b="0"/>
-        </a:fillRef>
-        <a:effectRef idx="0">
-          <a:scrgbClr r="0" g="0" b="0"/>
-        </a:effectRef>
-        <a:fontRef idx="minor"/>
-      </dsp:style>
-      <dsp:txBody>
-        <a:bodyPr spcFirstLastPara="0" vert="horz" wrap="square" lIns="74295" tIns="49530" rIns="74295" bIns="49530" numCol="1" spcCol="1270" anchor="ctr" anchorCtr="0">
-          <a:noAutofit/>
-        </a:bodyPr>
-        <a:lstStyle/>
-        <a:p>
-          <a:pPr lvl="0" algn="l" defTabSz="1733550">
-            <a:lnSpc>
-              <a:spcPct val="90000"/>
-            </a:lnSpc>
-            <a:spcBef>
-              <a:spcPct val="0"/>
-            </a:spcBef>
-            <a:spcAft>
-              <a:spcPct val="35000"/>
-            </a:spcAft>
-          </a:pPr>
-          <a:r>
-            <a:rPr lang="zh-CN" altLang="en-US" sz="3900" kern="1200" dirty="0" smtClean="0"/>
-            <a:t>分支测试</a:t>
-          </a:r>
-          <a:endParaRPr lang="zh-CN" altLang="en-US" sz="3900" kern="1200" dirty="0"/>
-        </a:p>
-      </dsp:txBody>
-      <dsp:txXfrm>
-        <a:off x="3432561" y="0"/>
-        <a:ext cx="3266302" cy="690312"/>
-      </dsp:txXfrm>
-    </dsp:sp>
-    <dsp:sp modelId="{E187844E-366A-4C75-ADB5-E82F5300F971}">
-      <dsp:nvSpPr>
-        <dsp:cNvPr id="0" name=""/>
-        <dsp:cNvSpPr/>
-      </dsp:nvSpPr>
-      <dsp:spPr>
-        <a:xfrm>
-          <a:off x="3432561" y="1393955"/>
-          <a:ext cx="239948" cy="239948"/>
-        </a:xfrm>
-        <a:prstGeom prst="rect">
-          <a:avLst/>
-        </a:prstGeom>
-        <a:gradFill rotWithShape="0">
-          <a:gsLst>
-            <a:gs pos="0">
-              <a:schemeClr val="lt1">
-                <a:hueOff val="0"/>
-                <a:satOff val="0"/>
-                <a:lumOff val="0"/>
-                <a:alphaOff val="0"/>
-                <a:tint val="70000"/>
-                <a:lumMod val="110000"/>
-              </a:schemeClr>
-            </a:gs>
-            <a:gs pos="100000">
-              <a:schemeClr val="lt1">
-                <a:hueOff val="0"/>
-                <a:satOff val="0"/>
-                <a:lumOff val="0"/>
-                <a:alphaOff val="0"/>
-                <a:tint val="82000"/>
-                <a:alpha val="74000"/>
-              </a:schemeClr>
-            </a:gs>
-          </a:gsLst>
-          <a:lin ang="5400000" scaled="0"/>
-        </a:gradFill>
-        <a:ln w="9525" cap="rnd" cmpd="sng" algn="ctr">
-          <a:solidFill>
-            <a:schemeClr val="accent2">
-              <a:hueOff val="-2332611"/>
-              <a:satOff val="-12340"/>
-              <a:lumOff val="-4705"/>
-              <a:alphaOff val="0"/>
-            </a:schemeClr>
-          </a:solidFill>
-          <a:prstDash val="solid"/>
-        </a:ln>
-        <a:effectLst/>
-      </dsp:spPr>
-      <dsp:style>
-        <a:lnRef idx="1">
-          <a:scrgbClr r="0" g="0" b="0"/>
-        </a:lnRef>
-        <a:fillRef idx="2">
-          <a:scrgbClr r="0" g="0" b="0"/>
-        </a:fillRef>
-        <a:effectRef idx="0">
-          <a:scrgbClr r="0" g="0" b="0"/>
-        </a:effectRef>
-        <a:fontRef idx="minor"/>
-      </dsp:style>
-    </dsp:sp>
-    <dsp:sp modelId="{0DC4F469-211C-4C9B-B94D-439DDC52A026}">
-      <dsp:nvSpPr>
-        <dsp:cNvPr id="0" name=""/>
-        <dsp:cNvSpPr/>
-      </dsp:nvSpPr>
-      <dsp:spPr>
-        <a:xfrm>
-          <a:off x="3661202" y="1234269"/>
-          <a:ext cx="3037661" cy="559320"/>
-        </a:xfrm>
-        <a:prstGeom prst="rect">
-          <a:avLst/>
-        </a:prstGeom>
-        <a:noFill/>
-        <a:ln>
-          <a:noFill/>
-        </a:ln>
-        <a:effectLst/>
-      </dsp:spPr>
-      <dsp:style>
-        <a:lnRef idx="0">
-          <a:scrgbClr r="0" g="0" b="0"/>
-        </a:lnRef>
-        <a:fillRef idx="0">
-          <a:scrgbClr r="0" g="0" b="0"/>
-        </a:fillRef>
-        <a:effectRef idx="0">
-          <a:scrgbClr r="0" g="0" b="0"/>
-        </a:effectRef>
-        <a:fontRef idx="minor"/>
-      </dsp:style>
-      <dsp:txBody>
-        <a:bodyPr spcFirstLastPara="0" vert="horz" wrap="square" lIns="135128" tIns="135128" rIns="135128" bIns="135128" numCol="1" spcCol="1270" anchor="ctr" anchorCtr="0">
-          <a:noAutofit/>
-        </a:bodyPr>
-        <a:lstStyle/>
-        <a:p>
-          <a:pPr lvl="0" algn="l" defTabSz="844550">
-            <a:lnSpc>
-              <a:spcPct val="90000"/>
-            </a:lnSpc>
-            <a:spcBef>
-              <a:spcPct val="0"/>
-            </a:spcBef>
-            <a:spcAft>
-              <a:spcPct val="35000"/>
-            </a:spcAft>
-          </a:pPr>
-          <a:r>
-            <a:rPr lang="en-US" altLang="zh-CN" sz="1900" kern="1200" dirty="0" smtClean="0"/>
-            <a:t>Jenkins REST API</a:t>
-          </a:r>
-          <a:endParaRPr lang="zh-CN" altLang="en-US" sz="1900" kern="1200" dirty="0"/>
-        </a:p>
-      </dsp:txBody>
-      <dsp:txXfrm>
-        <a:off x="3661202" y="1234269"/>
-        <a:ext cx="3037661" cy="559320"/>
-      </dsp:txXfrm>
-    </dsp:sp>
-    <dsp:sp modelId="{F780E6DB-AB6F-4E6D-915D-906DA15DF7F1}">
-      <dsp:nvSpPr>
-        <dsp:cNvPr id="0" name=""/>
-        <dsp:cNvSpPr/>
-      </dsp:nvSpPr>
-      <dsp:spPr>
-        <a:xfrm>
-          <a:off x="6862179" y="690312"/>
-          <a:ext cx="3266302" cy="384270"/>
-        </a:xfrm>
-        <a:prstGeom prst="rect">
-          <a:avLst/>
-        </a:prstGeom>
-        <a:gradFill rotWithShape="0">
-          <a:gsLst>
-            <a:gs pos="0">
-              <a:schemeClr val="accent2">
-                <a:hueOff val="-3110148"/>
-                <a:satOff val="-16453"/>
-                <a:lumOff val="-6274"/>
-                <a:alphaOff val="0"/>
-                <a:tint val="70000"/>
-                <a:lumMod val="110000"/>
-              </a:schemeClr>
-            </a:gs>
-            <a:gs pos="100000">
-              <a:schemeClr val="accent2">
-                <a:hueOff val="-3110148"/>
-                <a:satOff val="-16453"/>
-                <a:lumOff val="-6274"/>
-                <a:alphaOff val="0"/>
-                <a:tint val="82000"/>
-                <a:alpha val="74000"/>
-              </a:schemeClr>
-            </a:gs>
-          </a:gsLst>
-          <a:lin ang="5400000" scaled="0"/>
-        </a:gradFill>
-        <a:ln w="9525" cap="rnd" cmpd="sng" algn="ctr">
-          <a:solidFill>
-            <a:schemeClr val="accent2">
-              <a:hueOff val="-3110148"/>
-              <a:satOff val="-16453"/>
-              <a:lumOff val="-6274"/>
-              <a:alphaOff val="0"/>
-            </a:schemeClr>
-          </a:solidFill>
-          <a:prstDash val="solid"/>
-        </a:ln>
-        <a:effectLst/>
-      </dsp:spPr>
-      <dsp:style>
-        <a:lnRef idx="1">
-          <a:scrgbClr r="0" g="0" b="0"/>
-        </a:lnRef>
-        <a:fillRef idx="2">
-          <a:scrgbClr r="0" g="0" b="0"/>
-        </a:fillRef>
-        <a:effectRef idx="1">
-          <a:scrgbClr r="0" g="0" b="0"/>
-        </a:effectRef>
-        <a:fontRef idx="minor">
-          <a:schemeClr val="dk1"/>
-        </a:fontRef>
-      </dsp:style>
-    </dsp:sp>
-    <dsp:sp modelId="{D52ED4DA-68CC-4E60-A45D-E6787A6601C9}">
-      <dsp:nvSpPr>
-        <dsp:cNvPr id="0" name=""/>
-        <dsp:cNvSpPr/>
-      </dsp:nvSpPr>
-      <dsp:spPr>
-        <a:xfrm>
-          <a:off x="6862179" y="834628"/>
-          <a:ext cx="239954" cy="239954"/>
-        </a:xfrm>
-        <a:prstGeom prst="rect">
-          <a:avLst/>
-        </a:prstGeom>
-        <a:solidFill>
-          <a:schemeClr val="lt1">
-            <a:alpha val="90000"/>
-            <a:hueOff val="0"/>
-            <a:satOff val="0"/>
-            <a:lumOff val="0"/>
-            <a:alphaOff val="0"/>
-          </a:schemeClr>
-        </a:solidFill>
-        <a:ln w="9525" cap="rnd" cmpd="sng" algn="ctr">
-          <a:solidFill>
-            <a:schemeClr val="accent2">
-              <a:hueOff val="-3110148"/>
-              <a:satOff val="-16453"/>
-              <a:lumOff val="-6274"/>
-              <a:alphaOff val="0"/>
-            </a:schemeClr>
-          </a:solidFill>
-          <a:prstDash val="solid"/>
-        </a:ln>
-        <a:effectLst/>
-      </dsp:spPr>
-      <dsp:style>
-        <a:lnRef idx="1">
-          <a:scrgbClr r="0" g="0" b="0"/>
-        </a:lnRef>
-        <a:fillRef idx="1">
-          <a:scrgbClr r="0" g="0" b="0"/>
-        </a:fillRef>
-        <a:effectRef idx="0">
-          <a:scrgbClr r="0" g="0" b="0"/>
-        </a:effectRef>
-        <a:fontRef idx="minor"/>
-      </dsp:style>
-    </dsp:sp>
-    <dsp:sp modelId="{EE76ACE8-AFF8-4D21-9EAE-6043E90C7E4C}">
-      <dsp:nvSpPr>
-        <dsp:cNvPr id="0" name=""/>
-        <dsp:cNvSpPr/>
-      </dsp:nvSpPr>
-      <dsp:spPr>
-        <a:xfrm>
-          <a:off x="6862179" y="0"/>
-          <a:ext cx="3266302" cy="690312"/>
-        </a:xfrm>
-        <a:prstGeom prst="rect">
-          <a:avLst/>
-        </a:prstGeom>
-        <a:noFill/>
-        <a:ln>
-          <a:noFill/>
-        </a:ln>
-        <a:effectLst/>
-      </dsp:spPr>
-      <dsp:style>
-        <a:lnRef idx="0">
-          <a:scrgbClr r="0" g="0" b="0"/>
-        </a:lnRef>
-        <a:fillRef idx="0">
-          <a:scrgbClr r="0" g="0" b="0"/>
-        </a:fillRef>
-        <a:effectRef idx="0">
-          <a:scrgbClr r="0" g="0" b="0"/>
-        </a:effectRef>
-        <a:fontRef idx="minor"/>
-      </dsp:style>
-      <dsp:txBody>
-        <a:bodyPr spcFirstLastPara="0" vert="horz" wrap="square" lIns="74295" tIns="49530" rIns="74295" bIns="49530" numCol="1" spcCol="1270" anchor="ctr" anchorCtr="0">
-          <a:noAutofit/>
-        </a:bodyPr>
-        <a:lstStyle/>
-        <a:p>
-          <a:pPr lvl="0" algn="l" defTabSz="1733550">
-            <a:lnSpc>
-              <a:spcPct val="90000"/>
-            </a:lnSpc>
-            <a:spcBef>
-              <a:spcPct val="0"/>
-            </a:spcBef>
-            <a:spcAft>
-              <a:spcPct val="35000"/>
-            </a:spcAft>
-          </a:pPr>
-          <a:r>
-            <a:rPr lang="zh-CN" altLang="en-US" sz="3900" kern="1200" dirty="0" smtClean="0"/>
-            <a:t>主干测试</a:t>
-          </a:r>
-          <a:endParaRPr lang="zh-CN" altLang="en-US" sz="3900" kern="1200" dirty="0"/>
-        </a:p>
-      </dsp:txBody>
-      <dsp:txXfrm>
-        <a:off x="6862179" y="0"/>
-        <a:ext cx="3266302" cy="690312"/>
-      </dsp:txXfrm>
-    </dsp:sp>
-    <dsp:sp modelId="{99FE389A-B448-4272-82DA-92F07447D17E}">
-      <dsp:nvSpPr>
-        <dsp:cNvPr id="0" name=""/>
-        <dsp:cNvSpPr/>
-      </dsp:nvSpPr>
-      <dsp:spPr>
-        <a:xfrm>
-          <a:off x="6862179" y="1393955"/>
-          <a:ext cx="239948" cy="239948"/>
-        </a:xfrm>
-        <a:prstGeom prst="rect">
-          <a:avLst/>
-        </a:prstGeom>
-        <a:gradFill rotWithShape="0">
-          <a:gsLst>
-            <a:gs pos="0">
-              <a:schemeClr val="lt1">
-                <a:hueOff val="0"/>
-                <a:satOff val="0"/>
-                <a:lumOff val="0"/>
-                <a:alphaOff val="0"/>
-                <a:tint val="70000"/>
-                <a:lumMod val="110000"/>
-              </a:schemeClr>
-            </a:gs>
-            <a:gs pos="100000">
-              <a:schemeClr val="lt1">
-                <a:hueOff val="0"/>
-                <a:satOff val="0"/>
-                <a:lumOff val="0"/>
-                <a:alphaOff val="0"/>
-                <a:tint val="82000"/>
-                <a:alpha val="74000"/>
-              </a:schemeClr>
-            </a:gs>
-          </a:gsLst>
-          <a:lin ang="5400000" scaled="0"/>
-        </a:gradFill>
-        <a:ln w="9525" cap="rnd" cmpd="sng" algn="ctr">
-          <a:solidFill>
-            <a:schemeClr val="accent2">
-              <a:hueOff val="-3110148"/>
-              <a:satOff val="-16453"/>
-              <a:lumOff val="-6274"/>
-              <a:alphaOff val="0"/>
-            </a:schemeClr>
-          </a:solidFill>
-          <a:prstDash val="solid"/>
-        </a:ln>
-        <a:effectLst/>
-      </dsp:spPr>
-      <dsp:style>
-        <a:lnRef idx="1">
-          <a:scrgbClr r="0" g="0" b="0"/>
-        </a:lnRef>
-        <a:fillRef idx="2">
-          <a:scrgbClr r="0" g="0" b="0"/>
-        </a:fillRef>
-        <a:effectRef idx="0">
-          <a:scrgbClr r="0" g="0" b="0"/>
-        </a:effectRef>
-        <a:fontRef idx="minor"/>
-      </dsp:style>
-    </dsp:sp>
-    <dsp:sp modelId="{B44783F1-76BE-45DD-B13B-5FF290F4E951}">
-      <dsp:nvSpPr>
-        <dsp:cNvPr id="0" name=""/>
-        <dsp:cNvSpPr/>
-      </dsp:nvSpPr>
-      <dsp:spPr>
-        <a:xfrm>
-          <a:off x="7090820" y="1234269"/>
-          <a:ext cx="3037661" cy="559320"/>
-        </a:xfrm>
-        <a:prstGeom prst="rect">
-          <a:avLst/>
-        </a:prstGeom>
-        <a:noFill/>
-        <a:ln>
-          <a:noFill/>
-        </a:ln>
-        <a:effectLst/>
-      </dsp:spPr>
-      <dsp:style>
-        <a:lnRef idx="0">
-          <a:scrgbClr r="0" g="0" b="0"/>
-        </a:lnRef>
-        <a:fillRef idx="0">
-          <a:scrgbClr r="0" g="0" b="0"/>
-        </a:fillRef>
-        <a:effectRef idx="0">
-          <a:scrgbClr r="0" g="0" b="0"/>
-        </a:effectRef>
-        <a:fontRef idx="minor"/>
-      </dsp:style>
-      <dsp:txBody>
-        <a:bodyPr spcFirstLastPara="0" vert="horz" wrap="square" lIns="135128" tIns="135128" rIns="135128" bIns="135128" numCol="1" spcCol="1270" anchor="ctr" anchorCtr="0">
-          <a:noAutofit/>
-        </a:bodyPr>
-        <a:lstStyle/>
-        <a:p>
-          <a:pPr lvl="0" algn="l" defTabSz="844550">
-            <a:lnSpc>
-              <a:spcPct val="90000"/>
-            </a:lnSpc>
-            <a:spcBef>
-              <a:spcPct val="0"/>
-            </a:spcBef>
-            <a:spcAft>
-              <a:spcPct val="35000"/>
-            </a:spcAft>
-          </a:pPr>
-          <a:r>
-            <a:rPr lang="en-US" altLang="zh-CN" sz="1900" kern="1200" dirty="0" smtClean="0"/>
-            <a:t>Jenkins REST API</a:t>
-          </a:r>
-          <a:endParaRPr lang="zh-CN" altLang="en-US" sz="1900" kern="1200" dirty="0"/>
-        </a:p>
-      </dsp:txBody>
-      <dsp:txXfrm>
-        <a:off x="7090820" y="1234269"/>
-        <a:ext cx="3037661" cy="559320"/>
-      </dsp:txXfrm>
-    </dsp:sp>
   </dsp:spTree>
 </dsp:drawing>
 </file>
@@ -14796,7 +11333,7 @@
           <a:p>
             <a:fld id="{2A2A3262-417E-4FD9-A211-CB83CA50ECE9}" type="datetimeFigureOut">
               <a:rPr lang="zh-CN" altLang="en-US" smtClean="0"/>
-              <a:t>2018/5/3</a:t>
+              <a:t>2018/5/7</a:t>
             </a:fld>
             <a:endParaRPr lang="zh-CN" altLang="en-US"/>
           </a:p>
@@ -15127,11 +11664,7 @@
             </a:pPr>
             <a:r>
               <a:rPr lang="zh-CN" altLang="en-US" dirty="0" smtClean="0"/>
-              <a:t>今天</a:t>
-            </a:r>
-            <a:r>
-              <a:rPr lang="zh-CN" altLang="en-US" dirty="0" smtClean="0"/>
-              <a:t>给大家分享的内容是持续集成，持续化集成英文简称 </a:t>
+              <a:t>今天给大家分享的内容是持续集成，持续化集成英文简称 </a:t>
             </a:r>
             <a:r>
               <a:rPr lang="en-US" altLang="zh-CN" dirty="0" smtClean="0"/>
@@ -15187,11 +11720,7 @@
             </a:pPr>
             <a:r>
               <a:rPr lang="zh-CN" altLang="en-US" dirty="0" smtClean="0"/>
-              <a:t>将分 概览 开发规范 自动化构建 三个步骤依次讲解</a:t>
-            </a:r>
-            <a:r>
-              <a:rPr lang="zh-CN" altLang="en-US" dirty="0" smtClean="0"/>
-              <a:t>。</a:t>
+              <a:t>将分 概览 操作规范 自动化构建 三个步骤依次讲解。</a:t>
             </a:r>
             <a:endParaRPr lang="en-US" altLang="zh-CN" dirty="0" smtClean="0"/>
           </a:p>
@@ -15215,7 +11744,11 @@
             </a:pPr>
             <a:r>
               <a:rPr lang="zh-CN" altLang="en-US" dirty="0" smtClean="0"/>
-              <a:t>我首先要是说一下，对于持续集成我之前也是只有简单的了解，深入的学习这也是第一次，跟大家一样，所以这次分享也是重理论轻实践，</a:t>
+              <a:t>我</a:t>
+            </a:r>
+            <a:r>
+              <a:rPr lang="zh-CN" altLang="en-US" dirty="0" smtClean="0"/>
+              <a:t>首先要是说一下，对于持续集成我之前也是只有简单的了解，深入的学习这也是第一次，跟大家一样，所以这次分享也是重理论轻实践，</a:t>
             </a:r>
             <a:endParaRPr lang="en-US" altLang="zh-CN" dirty="0" smtClean="0"/>
           </a:p>
@@ -17819,136 +14352,18 @@
           <a:lstStyle/>
           <a:p>
             <a:r>
+              <a:rPr lang="zh-CN" altLang="en-US" dirty="0" smtClean="0"/>
+              <a:t>如果</a:t>
+            </a:r>
+            <a:r>
               <a:rPr lang="en-US" altLang="zh-CN" dirty="0" smtClean="0"/>
-              <a:t>PHP</a:t>
+              <a:t>CRAP</a:t>
             </a:r>
             <a:r>
               <a:rPr lang="zh-CN" altLang="en-US" dirty="0" smtClean="0"/>
-              <a:t>有一套自动化构建工具，如果不用</a:t>
-            </a:r>
-            <a:r>
-              <a:rPr lang="en-US" altLang="zh-CN" dirty="0" smtClean="0"/>
-              <a:t>Jenkins</a:t>
-            </a:r>
-            <a:r>
-              <a:rPr lang="zh-CN" altLang="en-US" dirty="0" smtClean="0"/>
-              <a:t>的话，我们需要手工编写一个</a:t>
-            </a:r>
-            <a:r>
-              <a:rPr lang="en-US" altLang="zh-CN" dirty="0" smtClean="0"/>
-              <a:t>SHELL</a:t>
-            </a:r>
-            <a:r>
-              <a:rPr lang="zh-CN" altLang="en-US" dirty="0" smtClean="0"/>
-              <a:t>脚本自动运行这些工具，还要编写一个后台来展示构建的结果。</a:t>
-            </a:r>
-            <a:endParaRPr lang="en-US" altLang="zh-CN" dirty="0" smtClean="0"/>
-          </a:p>
-          <a:p>
-            <a:r>
-              <a:rPr lang="zh-CN" altLang="en-US" dirty="0" smtClean="0"/>
-              <a:t>所以呢，还是用</a:t>
-            </a:r>
-            <a:r>
-              <a:rPr lang="en-US" altLang="zh-CN" dirty="0" smtClean="0"/>
-              <a:t>Jenkins</a:t>
-            </a:r>
-            <a:r>
-              <a:rPr lang="zh-CN" altLang="en-US" dirty="0" smtClean="0"/>
-              <a:t>方便一些。</a:t>
-            </a:r>
-            <a:endParaRPr lang="en-US" altLang="zh-CN" dirty="0" smtClean="0"/>
-          </a:p>
-          <a:p>
-            <a:r>
-              <a:rPr lang="en-US" altLang="zh-CN" dirty="0" smtClean="0"/>
-              <a:t>Jenkins</a:t>
-            </a:r>
-            <a:r>
-              <a:rPr lang="zh-CN" altLang="en-US" dirty="0" smtClean="0"/>
-              <a:t>是用</a:t>
-            </a:r>
-            <a:r>
-              <a:rPr lang="en-US" altLang="zh-CN" dirty="0" smtClean="0"/>
-              <a:t>JAVA</a:t>
-            </a:r>
-            <a:r>
-              <a:rPr lang="zh-CN" altLang="en-US" dirty="0" smtClean="0"/>
-              <a:t>编写的，开源，轻量，可扩展，用于构建</a:t>
-            </a:r>
-            <a:r>
-              <a:rPr lang="en-US" altLang="zh-CN" dirty="0" smtClean="0"/>
-              <a:t>JAVA</a:t>
-            </a:r>
-            <a:r>
-              <a:rPr lang="zh-CN" altLang="en-US" dirty="0" smtClean="0"/>
-              <a:t>项目，但是由于插件特别丰富，所以并不局限于</a:t>
-            </a:r>
-            <a:r>
-              <a:rPr lang="en-US" altLang="zh-CN" dirty="0" smtClean="0"/>
-              <a:t>JAVA</a:t>
-            </a:r>
-            <a:r>
-              <a:rPr lang="zh-CN" altLang="en-US" dirty="0" smtClean="0"/>
-              <a:t>项目</a:t>
-            </a:r>
-            <a:r>
-              <a:rPr lang="zh-CN" altLang="en-US" dirty="0" smtClean="0"/>
-              <a:t>。</a:t>
-            </a:r>
-            <a:endParaRPr lang="en-US" altLang="zh-CN" dirty="0" smtClean="0"/>
-          </a:p>
-          <a:p>
-            <a:pPr marL="0" marR="0" lvl="0" indent="0" algn="l" defTabSz="914400" rtl="0" eaLnBrk="1" fontAlgn="auto" latinLnBrk="0" hangingPunct="1">
-              <a:lnSpc>
-                <a:spcPct val="100000"/>
-              </a:lnSpc>
-              <a:spcBef>
-                <a:spcPts val="0"/>
-              </a:spcBef>
-              <a:spcAft>
-                <a:spcPts val="0"/>
-              </a:spcAft>
-              <a:buClrTx/>
-              <a:buSzTx/>
-              <a:buFontTx/>
-              <a:buNone/>
-              <a:tabLst/>
-              <a:defRPr/>
-            </a:pPr>
-            <a:r>
-              <a:rPr lang="en-US" altLang="zh-CN" dirty="0" smtClean="0"/>
-              <a:t>Jenkins</a:t>
-            </a:r>
-            <a:r>
-              <a:rPr lang="zh-CN" altLang="en-US" dirty="0" smtClean="0"/>
-              <a:t>可以通过</a:t>
-            </a:r>
-            <a:r>
-              <a:rPr lang="en-US" altLang="zh-CN" dirty="0" err="1" smtClean="0"/>
-              <a:t>ansible</a:t>
-            </a:r>
-            <a:r>
-              <a:rPr lang="zh-CN" altLang="en-US" dirty="0" smtClean="0"/>
-              <a:t>把代码部署到远程服务器上，也可以通过</a:t>
-            </a:r>
-            <a:r>
-              <a:rPr lang="en-US" altLang="zh-CN" dirty="0" err="1" smtClean="0"/>
-              <a:t>docker</a:t>
-            </a:r>
-            <a:r>
-              <a:rPr lang="zh-CN" altLang="en-US" dirty="0" smtClean="0"/>
-              <a:t>把代码部署到容器中。</a:t>
-            </a:r>
-          </a:p>
-          <a:p>
-            <a:endParaRPr lang="en-US" altLang="zh-CN" dirty="0" smtClean="0"/>
-          </a:p>
-          <a:p>
-            <a:endParaRPr lang="en-US" altLang="zh-CN" dirty="0" smtClean="0"/>
-          </a:p>
-          <a:p>
-            <a:endParaRPr lang="en-US" altLang="zh-CN" dirty="0" smtClean="0"/>
+              <a:t>较低，说明代码不太复杂，或者代码覆盖率很高，理论上上来说这样的代码修改和维护的风险都比较小。反之说明修改和维护的风险越大</a:t>
+            </a:r>
+            <a:endParaRPr lang="zh-CN" altLang="en-US" dirty="0"/>
           </a:p>
         </p:txBody>
       </p:sp>
@@ -17978,7 +14393,7 @@
     </p:spTree>
     <p:extLst>
       <p:ext uri="{BB962C8B-B14F-4D97-AF65-F5344CB8AC3E}">
-        <p14:creationId xmlns:p14="http://schemas.microsoft.com/office/powerpoint/2010/main" val="588486941"/>
+        <p14:creationId xmlns:p14="http://schemas.microsoft.com/office/powerpoint/2010/main" val="1803797775"/>
       </p:ext>
     </p:extLst>
   </p:cSld>
@@ -18033,320 +14448,132 @@
           <a:lstStyle/>
           <a:p>
             <a:r>
-              <a:rPr lang="en-US" altLang="zh-CN" dirty="0" err="1" smtClean="0"/>
-              <a:t>Phing</a:t>
-            </a:r>
-            <a:r>
-              <a:rPr lang="zh-CN" altLang="en-US" dirty="0" smtClean="0"/>
-              <a:t>是一个</a:t>
-            </a:r>
-            <a:r>
-              <a:rPr lang="zh-CN" altLang="en-US" baseline="0" dirty="0" smtClean="0"/>
-              <a:t>项目构建系统，它是其他构建工具的骨架，有点类似于</a:t>
-            </a:r>
-            <a:r>
-              <a:rPr lang="en-US" altLang="zh-CN" baseline="0" dirty="0" smtClean="0"/>
-              <a:t>GNU Make</a:t>
-            </a:r>
-            <a:r>
-              <a:rPr lang="zh-CN" altLang="en-US" baseline="0" dirty="0" smtClean="0"/>
-              <a:t>，区别在于</a:t>
-            </a:r>
-            <a:r>
-              <a:rPr lang="en-US" altLang="zh-CN" baseline="0" dirty="0" smtClean="0"/>
-              <a:t>make</a:t>
-            </a:r>
-            <a:r>
-              <a:rPr lang="zh-CN" altLang="en-US" baseline="0" dirty="0" smtClean="0"/>
-              <a:t>用的是</a:t>
-            </a:r>
-            <a:r>
-              <a:rPr lang="en-US" altLang="zh-CN" baseline="0" dirty="0" err="1" smtClean="0"/>
-              <a:t>makefile</a:t>
-            </a:r>
-            <a:r>
-              <a:rPr lang="zh-CN" altLang="en-US" baseline="0" dirty="0" smtClean="0"/>
-              <a:t>的配置脚本，而</a:t>
-            </a:r>
-            <a:r>
-              <a:rPr lang="en-US" altLang="zh-CN" baseline="0" dirty="0" err="1" smtClean="0"/>
-              <a:t>phing</a:t>
-            </a:r>
-            <a:r>
-              <a:rPr lang="zh-CN" altLang="en-US" baseline="0" dirty="0" smtClean="0"/>
-              <a:t>用的是一个</a:t>
-            </a:r>
-            <a:r>
-              <a:rPr lang="en-US" altLang="zh-CN" baseline="0" dirty="0" smtClean="0"/>
-              <a:t>XML</a:t>
-            </a:r>
-            <a:r>
-              <a:rPr lang="zh-CN" altLang="en-US" baseline="0" dirty="0" smtClean="0"/>
-              <a:t>文件，实际上呢 </a:t>
-            </a:r>
-            <a:r>
-              <a:rPr lang="en-US" altLang="zh-CN" baseline="0" dirty="0" smtClean="0"/>
-              <a:t>make</a:t>
-            </a:r>
-            <a:r>
-              <a:rPr lang="zh-CN" altLang="en-US" baseline="0" dirty="0" smtClean="0"/>
-              <a:t>能做的事，</a:t>
-            </a:r>
-            <a:r>
-              <a:rPr lang="en-US" altLang="zh-CN" baseline="0" dirty="0" err="1" smtClean="0"/>
-              <a:t>phing</a:t>
-            </a:r>
-            <a:r>
-              <a:rPr lang="zh-CN" altLang="en-US" baseline="0" dirty="0" smtClean="0"/>
-              <a:t>也能做，那么</a:t>
-            </a:r>
-            <a:r>
-              <a:rPr lang="en-US" altLang="zh-CN" baseline="0" dirty="0" smtClean="0"/>
-              <a:t>Jenkins</a:t>
-            </a:r>
-            <a:r>
-              <a:rPr lang="zh-CN" altLang="en-US" baseline="0" dirty="0" smtClean="0"/>
-              <a:t>为什么不用</a:t>
-            </a:r>
-            <a:r>
-              <a:rPr lang="en-US" altLang="zh-CN" baseline="0" dirty="0" smtClean="0"/>
-              <a:t>make</a:t>
-            </a:r>
-            <a:r>
-              <a:rPr lang="zh-CN" altLang="en-US" baseline="0" dirty="0" smtClean="0"/>
-              <a:t>呢，其实是因为</a:t>
-            </a:r>
-            <a:r>
-              <a:rPr lang="en-US" altLang="zh-CN" baseline="0" dirty="0" err="1" smtClean="0"/>
-              <a:t>jenkins</a:t>
-            </a:r>
-            <a:r>
-              <a:rPr lang="zh-CN" altLang="en-US" baseline="0" dirty="0" smtClean="0"/>
-              <a:t>没有</a:t>
-            </a:r>
-            <a:r>
-              <a:rPr lang="en-US" altLang="zh-CN" baseline="0" dirty="0" smtClean="0"/>
-              <a:t>make</a:t>
-            </a:r>
-            <a:r>
-              <a:rPr lang="zh-CN" altLang="en-US" baseline="0" dirty="0" smtClean="0"/>
-              <a:t>插件，仅此而已。给大家展示一下 </a:t>
-            </a:r>
-            <a:r>
-              <a:rPr lang="en-US" altLang="zh-CN" baseline="0" dirty="0" smtClean="0"/>
-              <a:t>build.xml </a:t>
-            </a:r>
-            <a:r>
-              <a:rPr lang="zh-CN" altLang="en-US" baseline="0" dirty="0" smtClean="0"/>
-              <a:t>实例。</a:t>
-            </a:r>
-            <a:endParaRPr lang="en-US" altLang="zh-CN" baseline="0" dirty="0" smtClean="0"/>
-          </a:p>
-          <a:p>
-            <a:endParaRPr lang="en-US" altLang="zh-CN" baseline="0" dirty="0" smtClean="0"/>
-          </a:p>
-          <a:p>
-            <a:r>
-              <a:rPr lang="en-US" altLang="zh-CN" dirty="0" err="1" smtClean="0"/>
-              <a:t>Pdepend</a:t>
-            </a:r>
-            <a:r>
-              <a:rPr lang="en-US" altLang="zh-CN" dirty="0" smtClean="0"/>
-              <a:t> </a:t>
-            </a:r>
-            <a:r>
-              <a:rPr lang="zh-CN" altLang="en-US" dirty="0" smtClean="0"/>
-              <a:t>是一个代码度量工具，对代码规模、复杂度、抽象性、依赖性进行总体度量，生成一个项目总体观感的报告。给大家演示</a:t>
-            </a:r>
-            <a:r>
-              <a:rPr lang="en-US" altLang="zh-CN" dirty="0" err="1" smtClean="0"/>
-              <a:t>jdepend</a:t>
-            </a:r>
-            <a:r>
-              <a:rPr lang="en-US" altLang="zh-CN" dirty="0" smtClean="0"/>
-              <a:t>,</a:t>
-            </a:r>
-            <a:r>
-              <a:rPr lang="zh-CN" altLang="en-US" dirty="0" smtClean="0"/>
-              <a:t>和那两个</a:t>
-            </a:r>
-            <a:r>
-              <a:rPr lang="en-US" altLang="zh-CN" dirty="0" err="1" smtClean="0"/>
-              <a:t>svg</a:t>
-            </a:r>
-            <a:r>
-              <a:rPr lang="zh-CN" altLang="en-US" dirty="0" smtClean="0"/>
-              <a:t>。</a:t>
-            </a:r>
-            <a:endParaRPr lang="en-US" altLang="zh-CN" dirty="0" smtClean="0"/>
-          </a:p>
-          <a:p>
-            <a:endParaRPr lang="en-US" altLang="zh-CN" baseline="0" dirty="0" smtClean="0"/>
-          </a:p>
-          <a:p>
-            <a:r>
-              <a:rPr lang="en-US" altLang="zh-CN" dirty="0" smtClean="0"/>
-              <a:t>PHPCS  </a:t>
-            </a:r>
-            <a:r>
-              <a:rPr lang="zh-CN" altLang="en-US" dirty="0" smtClean="0"/>
-              <a:t>用于进行</a:t>
-            </a:r>
-            <a:r>
               <a:rPr lang="en-US" altLang="zh-CN" dirty="0" smtClean="0"/>
               <a:t>PHP</a:t>
             </a:r>
             <a:r>
               <a:rPr lang="zh-CN" altLang="en-US" dirty="0" smtClean="0"/>
-              <a:t>代码规范检查，演示一下 </a:t>
-            </a:r>
-            <a:r>
-              <a:rPr lang="en-US" altLang="zh-CN" sz="1200" b="0" i="0" u="none" strike="noStrike" kern="1200" dirty="0" err="1" smtClean="0">
-                <a:solidFill>
-                  <a:schemeClr val="tx1"/>
-                </a:solidFill>
-                <a:effectLst/>
-                <a:latin typeface="+mn-lt"/>
-                <a:ea typeface="+mn-ea"/>
-                <a:cs typeface="+mn-cs"/>
-              </a:rPr>
-              <a:t>Checkstyle</a:t>
-            </a:r>
-            <a:r>
-              <a:rPr lang="zh-CN" altLang="en-US" sz="1200" b="0" i="0" u="none" strike="noStrike" kern="1200" dirty="0" smtClean="0">
-                <a:solidFill>
-                  <a:schemeClr val="tx1"/>
-                </a:solidFill>
-                <a:effectLst/>
-                <a:latin typeface="+mn-lt"/>
-                <a:ea typeface="+mn-ea"/>
-                <a:cs typeface="+mn-cs"/>
-              </a:rPr>
-              <a:t>。</a:t>
-            </a:r>
-            <a:endParaRPr lang="en-US" altLang="zh-CN" baseline="0" dirty="0" smtClean="0"/>
-          </a:p>
-          <a:p>
+              <a:t>有一套自动化构建工具，如果不用</a:t>
+            </a:r>
+            <a:r>
+              <a:rPr lang="en-US" altLang="zh-CN" dirty="0" smtClean="0"/>
+              <a:t>Jenkins</a:t>
+            </a:r>
+            <a:r>
+              <a:rPr lang="zh-CN" altLang="en-US" dirty="0" smtClean="0"/>
+              <a:t>的话，我们需要手工编写一个</a:t>
+            </a:r>
+            <a:r>
+              <a:rPr lang="en-US" altLang="zh-CN" dirty="0" smtClean="0"/>
+              <a:t>SHELL</a:t>
+            </a:r>
+            <a:r>
+              <a:rPr lang="zh-CN" altLang="en-US" dirty="0" smtClean="0"/>
+              <a:t>脚本自动运行这些工具，还要编写一个后台来展示构建的结果。</a:t>
+            </a:r>
             <a:endParaRPr lang="en-US" altLang="zh-CN" dirty="0" smtClean="0"/>
           </a:p>
           <a:p>
             <a:r>
+              <a:rPr lang="zh-CN" altLang="en-US" dirty="0" smtClean="0"/>
+              <a:t>所以呢，还是用</a:t>
+            </a:r>
+            <a:r>
               <a:rPr lang="en-US" altLang="zh-CN" dirty="0" smtClean="0"/>
-              <a:t>PHPMD </a:t>
+              <a:t>Jenkins</a:t>
             </a:r>
             <a:r>
               <a:rPr lang="zh-CN" altLang="en-US" dirty="0" smtClean="0"/>
-              <a:t>用来探测那些设计的不好的代码，演示一下</a:t>
-            </a:r>
+              <a:t>方便一些。</a:t>
+            </a:r>
+            <a:endParaRPr lang="en-US" altLang="zh-CN" dirty="0" smtClean="0"/>
+          </a:p>
+          <a:p>
             <a:r>
               <a:rPr lang="en-US" altLang="zh-CN" dirty="0" smtClean="0"/>
-              <a:t>PMD</a:t>
+              <a:t>Jenkins</a:t>
             </a:r>
             <a:r>
               <a:rPr lang="zh-CN" altLang="en-US" dirty="0" smtClean="0"/>
-              <a:t>。</a:t>
+              <a:t>是用</a:t>
+            </a:r>
+            <a:r>
+              <a:rPr lang="en-US" altLang="zh-CN" dirty="0" smtClean="0"/>
+              <a:t>JAVA</a:t>
+            </a:r>
+            <a:r>
+              <a:rPr lang="zh-CN" altLang="en-US" dirty="0" smtClean="0"/>
+              <a:t>编写的，开源，轻量，可扩展，牛逼的是还支持主从，用于构建</a:t>
+            </a:r>
+            <a:r>
+              <a:rPr lang="en-US" altLang="zh-CN" dirty="0" smtClean="0"/>
+              <a:t>JAVA</a:t>
+            </a:r>
+            <a:r>
+              <a:rPr lang="zh-CN" altLang="en-US" dirty="0" smtClean="0"/>
+              <a:t>项目，但是由于插件特别丰富，所以并不局限于</a:t>
+            </a:r>
+            <a:r>
+              <a:rPr lang="en-US" altLang="zh-CN" dirty="0" smtClean="0"/>
+              <a:t>JAVA</a:t>
+            </a:r>
+            <a:r>
+              <a:rPr lang="zh-CN" altLang="en-US" dirty="0" smtClean="0"/>
+              <a:t>项目。</a:t>
             </a:r>
             <a:endParaRPr lang="en-US" altLang="zh-CN" dirty="0" smtClean="0"/>
           </a:p>
           <a:p>
+            <a:pPr marL="0" marR="0" lvl="0" indent="0" algn="l" defTabSz="914400" rtl="0" eaLnBrk="1" fontAlgn="auto" latinLnBrk="0" hangingPunct="1">
+              <a:lnSpc>
+                <a:spcPct val="100000"/>
+              </a:lnSpc>
+              <a:spcBef>
+                <a:spcPts val="0"/>
+              </a:spcBef>
+              <a:spcAft>
+                <a:spcPts val="0"/>
+              </a:spcAft>
+              <a:buClrTx/>
+              <a:buSzTx/>
+              <a:buFontTx/>
+              <a:buNone/>
+              <a:tabLst/>
+              <a:defRPr/>
+            </a:pPr>
+            <a:r>
+              <a:rPr lang="en-US" altLang="zh-CN" dirty="0" smtClean="0"/>
+              <a:t>Jenkins</a:t>
+            </a:r>
+            <a:r>
+              <a:rPr lang="zh-CN" altLang="en-US" dirty="0" smtClean="0"/>
+              <a:t>可以通过</a:t>
+            </a:r>
+            <a:r>
+              <a:rPr lang="en-US" altLang="zh-CN" dirty="0" err="1" smtClean="0"/>
+              <a:t>ansible</a:t>
+            </a:r>
+            <a:r>
+              <a:rPr lang="zh-CN" altLang="en-US" dirty="0" smtClean="0"/>
+              <a:t>把代码部署到远程服务器上，也可以通过</a:t>
+            </a:r>
+            <a:r>
+              <a:rPr lang="en-US" altLang="zh-CN" dirty="0" err="1" smtClean="0"/>
+              <a:t>docker</a:t>
+            </a:r>
+            <a:r>
+              <a:rPr lang="zh-CN" altLang="en-US" dirty="0" smtClean="0"/>
+              <a:t>把代码部署到容器中。</a:t>
+            </a:r>
+          </a:p>
+          <a:p>
             <a:endParaRPr lang="en-US" altLang="zh-CN" dirty="0" smtClean="0"/>
           </a:p>
           <a:p>
-            <a:r>
-              <a:rPr lang="en-US" altLang="zh-CN" dirty="0" smtClean="0"/>
-              <a:t>PHPLOC </a:t>
-            </a:r>
-            <a:r>
-              <a:rPr lang="zh-CN" altLang="en-US" dirty="0" smtClean="0"/>
-              <a:t>用来探测代码圈复杂度 演示一下 </a:t>
-            </a:r>
-            <a:r>
-              <a:rPr lang="en-US" altLang="zh-CN" dirty="0" smtClean="0"/>
-              <a:t>plots.</a:t>
-            </a:r>
-          </a:p>
-          <a:p>
             <a:endParaRPr lang="en-US" altLang="zh-CN" dirty="0" smtClean="0"/>
           </a:p>
           <a:p>
-            <a:r>
-              <a:rPr lang="en-US" altLang="zh-CN" dirty="0" smtClean="0"/>
-              <a:t>PHPCPD </a:t>
-            </a:r>
-            <a:r>
-              <a:rPr lang="zh-CN" altLang="en-US" dirty="0" smtClean="0"/>
-              <a:t>探测代码中复制黏贴，演示一下</a:t>
-            </a:r>
-            <a:r>
-              <a:rPr lang="en-US" altLang="zh-CN" sz="1200" b="1" i="0" kern="1200" dirty="0" smtClean="0">
-                <a:solidFill>
-                  <a:schemeClr val="tx1"/>
-                </a:solidFill>
-                <a:effectLst/>
-                <a:latin typeface="+mn-lt"/>
-                <a:ea typeface="+mn-ea"/>
-                <a:cs typeface="+mn-cs"/>
-              </a:rPr>
-              <a:t>DRY</a:t>
-            </a:r>
-          </a:p>
-          <a:p>
-            <a:endParaRPr lang="en-US" altLang="zh-CN" sz="1200" b="1" i="0" kern="1200" dirty="0" smtClean="0">
-              <a:solidFill>
-                <a:schemeClr val="tx1"/>
-              </a:solidFill>
-              <a:effectLst/>
-              <a:latin typeface="+mn-lt"/>
-              <a:ea typeface="+mn-ea"/>
-              <a:cs typeface="+mn-cs"/>
-            </a:endParaRPr>
-          </a:p>
-          <a:p>
-            <a:r>
-              <a:rPr lang="en-US" altLang="zh-CN" dirty="0" smtClean="0"/>
-              <a:t>PHPDOX </a:t>
-            </a:r>
-            <a:r>
-              <a:rPr lang="zh-CN" altLang="en-US" dirty="0" smtClean="0"/>
-              <a:t>生成代码文档，演示一下</a:t>
-            </a:r>
-            <a:r>
-              <a:rPr lang="en-US" altLang="zh-CN" dirty="0" smtClean="0"/>
-              <a:t>HTML Report</a:t>
-            </a:r>
-          </a:p>
-          <a:p>
             <a:endParaRPr lang="en-US" altLang="zh-CN" dirty="0" smtClean="0"/>
-          </a:p>
-          <a:p>
-            <a:r>
-              <a:rPr lang="en-US" altLang="zh-CN" dirty="0" smtClean="0"/>
-              <a:t>PHPUNIT </a:t>
-            </a:r>
-            <a:r>
-              <a:rPr lang="zh-CN" altLang="en-US" dirty="0" smtClean="0"/>
-              <a:t>单元测试工具，</a:t>
-            </a:r>
-            <a:r>
-              <a:rPr lang="en-US" altLang="zh-CN" dirty="0" smtClean="0"/>
-              <a:t>Clover PHP </a:t>
-            </a:r>
-            <a:r>
-              <a:rPr lang="zh-CN" altLang="en-US" dirty="0" smtClean="0"/>
-              <a:t>代码覆盖率插件， </a:t>
-            </a:r>
-            <a:r>
-              <a:rPr lang="en-US" altLang="zh-CN" dirty="0" smtClean="0"/>
-              <a:t>Crap4J </a:t>
-            </a:r>
-            <a:r>
-              <a:rPr lang="zh-CN" altLang="en-US" dirty="0" smtClean="0"/>
-              <a:t>单元测试报告插件 时间关系没装，就先不演示。</a:t>
-            </a:r>
-            <a:endParaRPr lang="en-US" altLang="zh-CN" dirty="0" smtClean="0"/>
-          </a:p>
-          <a:p>
-            <a:endParaRPr lang="zh-CN" altLang="en-US" dirty="0"/>
           </a:p>
         </p:txBody>
       </p:sp>
@@ -18376,7 +14603,7 @@
     </p:spTree>
     <p:extLst>
       <p:ext uri="{BB962C8B-B14F-4D97-AF65-F5344CB8AC3E}">
-        <p14:creationId xmlns:p14="http://schemas.microsoft.com/office/powerpoint/2010/main" val="359717484"/>
+        <p14:creationId xmlns:p14="http://schemas.microsoft.com/office/powerpoint/2010/main" val="588486941"/>
       </p:ext>
     </p:extLst>
   </p:cSld>
@@ -18430,62 +14657,316 @@
           <a:bodyPr/>
           <a:lstStyle/>
           <a:p>
-            <a:pPr marL="0" marR="0" lvl="0" indent="0" algn="l" defTabSz="914400" rtl="0" eaLnBrk="1" fontAlgn="auto" latinLnBrk="0" hangingPunct="1">
-              <a:lnSpc>
-                <a:spcPct val="100000"/>
-              </a:lnSpc>
-              <a:spcBef>
-                <a:spcPts val="0"/>
-              </a:spcBef>
-              <a:spcAft>
-                <a:spcPts val="0"/>
-              </a:spcAft>
-              <a:buClrTx/>
-              <a:buSzTx/>
-              <a:buFontTx/>
-              <a:buNone/>
-              <a:tabLst/>
-              <a:defRPr/>
-            </a:pPr>
+            <a:r>
+              <a:rPr lang="en-US" altLang="zh-CN" dirty="0" err="1" smtClean="0"/>
+              <a:t>Phing</a:t>
+            </a:r>
+            <a:r>
+              <a:rPr lang="zh-CN" altLang="en-US" dirty="0" smtClean="0"/>
+              <a:t>是一个</a:t>
+            </a:r>
+            <a:r>
+              <a:rPr lang="zh-CN" altLang="en-US" baseline="0" dirty="0" smtClean="0"/>
+              <a:t>项目构建系统，它是其他构建工具的骨架，有点类似于</a:t>
+            </a:r>
+            <a:r>
+              <a:rPr lang="en-US" altLang="zh-CN" baseline="0" dirty="0" smtClean="0"/>
+              <a:t>GNU Make</a:t>
+            </a:r>
+            <a:r>
+              <a:rPr lang="zh-CN" altLang="en-US" baseline="0" dirty="0" smtClean="0"/>
+              <a:t>，区别在于</a:t>
+            </a:r>
+            <a:r>
+              <a:rPr lang="en-US" altLang="zh-CN" baseline="0" dirty="0" smtClean="0"/>
+              <a:t>make</a:t>
+            </a:r>
+            <a:r>
+              <a:rPr lang="zh-CN" altLang="en-US" baseline="0" dirty="0" smtClean="0"/>
+              <a:t>用的是</a:t>
+            </a:r>
+            <a:r>
+              <a:rPr lang="en-US" altLang="zh-CN" baseline="0" dirty="0" err="1" smtClean="0"/>
+              <a:t>makefile</a:t>
+            </a:r>
+            <a:r>
+              <a:rPr lang="zh-CN" altLang="en-US" baseline="0" dirty="0" smtClean="0"/>
+              <a:t>的配置脚本，而</a:t>
+            </a:r>
+            <a:r>
+              <a:rPr lang="en-US" altLang="zh-CN" baseline="0" dirty="0" err="1" smtClean="0"/>
+              <a:t>phing</a:t>
+            </a:r>
+            <a:r>
+              <a:rPr lang="zh-CN" altLang="en-US" baseline="0" dirty="0" smtClean="0"/>
+              <a:t>用的是一个</a:t>
+            </a:r>
+            <a:r>
+              <a:rPr lang="en-US" altLang="zh-CN" baseline="0" dirty="0" smtClean="0"/>
+              <a:t>XML</a:t>
+            </a:r>
+            <a:r>
+              <a:rPr lang="zh-CN" altLang="en-US" baseline="0" dirty="0" smtClean="0"/>
+              <a:t>文件，实际上呢 </a:t>
+            </a:r>
+            <a:r>
+              <a:rPr lang="en-US" altLang="zh-CN" baseline="0" dirty="0" smtClean="0"/>
+              <a:t>make</a:t>
+            </a:r>
+            <a:r>
+              <a:rPr lang="zh-CN" altLang="en-US" baseline="0" dirty="0" smtClean="0"/>
+              <a:t>能做的事，</a:t>
+            </a:r>
+            <a:r>
+              <a:rPr lang="en-US" altLang="zh-CN" baseline="0" dirty="0" err="1" smtClean="0"/>
+              <a:t>phing</a:t>
+            </a:r>
+            <a:r>
+              <a:rPr lang="zh-CN" altLang="en-US" baseline="0" dirty="0" smtClean="0"/>
+              <a:t>也能做，那么</a:t>
+            </a:r>
+            <a:r>
+              <a:rPr lang="en-US" altLang="zh-CN" baseline="0" dirty="0" smtClean="0"/>
+              <a:t>Jenkins</a:t>
+            </a:r>
+            <a:r>
+              <a:rPr lang="zh-CN" altLang="en-US" baseline="0" dirty="0" smtClean="0"/>
+              <a:t>为什么不用</a:t>
+            </a:r>
+            <a:r>
+              <a:rPr lang="en-US" altLang="zh-CN" baseline="0" dirty="0" smtClean="0"/>
+              <a:t>make</a:t>
+            </a:r>
+            <a:r>
+              <a:rPr lang="zh-CN" altLang="en-US" baseline="0" dirty="0" smtClean="0"/>
+              <a:t>呢，其实是因为</a:t>
+            </a:r>
+            <a:r>
+              <a:rPr lang="en-US" altLang="zh-CN" baseline="0" dirty="0" err="1" smtClean="0"/>
+              <a:t>jenkins</a:t>
+            </a:r>
+            <a:r>
+              <a:rPr lang="zh-CN" altLang="en-US" baseline="0" dirty="0" smtClean="0"/>
+              <a:t>没有</a:t>
+            </a:r>
+            <a:r>
+              <a:rPr lang="en-US" altLang="zh-CN" baseline="0" dirty="0" smtClean="0"/>
+              <a:t>make</a:t>
+            </a:r>
+            <a:r>
+              <a:rPr lang="zh-CN" altLang="en-US" baseline="0" dirty="0" smtClean="0"/>
+              <a:t>插件，仅此而已。给大家展示一下 </a:t>
+            </a:r>
+            <a:r>
+              <a:rPr lang="en-US" altLang="zh-CN" baseline="0" dirty="0" smtClean="0"/>
+              <a:t>build.xml </a:t>
+            </a:r>
+            <a:r>
+              <a:rPr lang="zh-CN" altLang="en-US" baseline="0" dirty="0" smtClean="0"/>
+              <a:t>实例。</a:t>
+            </a:r>
+            <a:endParaRPr lang="en-US" altLang="zh-CN" baseline="0" dirty="0" smtClean="0"/>
+          </a:p>
+          <a:p>
+            <a:endParaRPr lang="en-US" altLang="zh-CN" baseline="0" dirty="0" smtClean="0"/>
+          </a:p>
+          <a:p>
+            <a:r>
+              <a:rPr lang="en-US" altLang="zh-CN" dirty="0" err="1" smtClean="0"/>
+              <a:t>Pdepend</a:t>
+            </a:r>
             <a:r>
               <a:rPr lang="en-US" altLang="zh-CN" dirty="0" smtClean="0"/>
-              <a:t>Jenkins</a:t>
+              <a:t> </a:t>
             </a:r>
             <a:r>
               <a:rPr lang="zh-CN" altLang="en-US" dirty="0" smtClean="0"/>
-              <a:t>的工作流程是，从版本库中检出代码，放到本地工作区，调用插件对工作区中的代码进行构建或者是检查，构建结束后，再次调用另一批插件对构建结果进行统计并部署项目。</a:t>
+              <a:t>是一个代码度量工具，对代码规模、复杂度、抽象性、依赖性进行总体度量，生成一个项目总体观感的报告。给大家演示</a:t>
+            </a:r>
+            <a:r>
+              <a:rPr lang="en-US" altLang="zh-CN" dirty="0" err="1" smtClean="0"/>
+              <a:t>jdepend</a:t>
+            </a:r>
+            <a:r>
+              <a:rPr lang="en-US" altLang="zh-CN" dirty="0" smtClean="0"/>
+              <a:t>,</a:t>
+            </a:r>
+            <a:r>
+              <a:rPr lang="zh-CN" altLang="en-US" dirty="0" smtClean="0"/>
+              <a:t>和那两个</a:t>
+            </a:r>
+            <a:r>
+              <a:rPr lang="en-US" altLang="zh-CN" dirty="0" err="1" smtClean="0"/>
+              <a:t>svg</a:t>
+            </a:r>
+            <a:r>
+              <a:rPr lang="zh-CN" altLang="en-US" dirty="0" smtClean="0"/>
+              <a:t>。</a:t>
             </a:r>
             <a:endParaRPr lang="en-US" altLang="zh-CN" dirty="0" smtClean="0"/>
           </a:p>
           <a:p>
-            <a:pPr marL="0" marR="0" lvl="0" indent="0" algn="l" defTabSz="914400" rtl="0" eaLnBrk="1" fontAlgn="auto" latinLnBrk="0" hangingPunct="1">
-              <a:lnSpc>
-                <a:spcPct val="100000"/>
-              </a:lnSpc>
-              <a:spcBef>
-                <a:spcPts val="0"/>
-              </a:spcBef>
-              <a:spcAft>
-                <a:spcPts val="0"/>
-              </a:spcAft>
-              <a:buClrTx/>
-              <a:buSzTx/>
-              <a:buFontTx/>
-              <a:buNone/>
-              <a:tabLst/>
-              <a:defRPr/>
-            </a:pPr>
+            <a:endParaRPr lang="en-US" altLang="zh-CN" baseline="0" dirty="0" smtClean="0"/>
+          </a:p>
+          <a:p>
+            <a:r>
+              <a:rPr lang="en-US" altLang="zh-CN" dirty="0" smtClean="0"/>
+              <a:t>PHPCS  </a:t>
+            </a:r>
             <a:r>
               <a:rPr lang="zh-CN" altLang="en-US" dirty="0" smtClean="0"/>
-              <a:t>给大家展示</a:t>
-            </a:r>
-            <a:r>
-              <a:rPr lang="en-US" altLang="zh-CN" dirty="0" err="1" smtClean="0"/>
-              <a:t>jenkins</a:t>
+              <a:t>用于进行</a:t>
+            </a:r>
+            <a:r>
+              <a:rPr lang="en-US" altLang="zh-CN" dirty="0" smtClean="0"/>
+              <a:t>PHP</a:t>
             </a:r>
             <a:r>
               <a:rPr lang="zh-CN" altLang="en-US" dirty="0" smtClean="0"/>
-              <a:t>项目配置过程 以及一次构建过程。</a:t>
+              <a:t>代码规范检查，演示一下 </a:t>
+            </a:r>
+            <a:r>
+              <a:rPr lang="en-US" altLang="zh-CN" sz="1200" b="0" i="0" u="none" strike="noStrike" kern="1200" dirty="0" err="1" smtClean="0">
+                <a:solidFill>
+                  <a:schemeClr val="tx1"/>
+                </a:solidFill>
+                <a:effectLst/>
+                <a:latin typeface="+mn-lt"/>
+                <a:ea typeface="+mn-ea"/>
+                <a:cs typeface="+mn-cs"/>
+              </a:rPr>
+              <a:t>Checkstyle</a:t>
+            </a:r>
+            <a:r>
+              <a:rPr lang="zh-CN" altLang="en-US" sz="1200" b="0" i="0" u="none" strike="noStrike" kern="1200" dirty="0" smtClean="0">
+                <a:solidFill>
+                  <a:schemeClr val="tx1"/>
+                </a:solidFill>
+                <a:effectLst/>
+                <a:latin typeface="+mn-lt"/>
+                <a:ea typeface="+mn-ea"/>
+                <a:cs typeface="+mn-cs"/>
+              </a:rPr>
+              <a:t>。</a:t>
+            </a:r>
+            <a:endParaRPr lang="en-US" altLang="zh-CN" baseline="0" dirty="0" smtClean="0"/>
+          </a:p>
+          <a:p>
+            <a:endParaRPr lang="en-US" altLang="zh-CN" dirty="0" smtClean="0"/>
+          </a:p>
+          <a:p>
+            <a:r>
+              <a:rPr lang="en-US" altLang="zh-CN" dirty="0" smtClean="0"/>
+              <a:t>PHPMD </a:t>
+            </a:r>
+            <a:r>
+              <a:rPr lang="zh-CN" altLang="en-US" dirty="0" smtClean="0"/>
+              <a:t>用来探测那些设计的不好的代码，演示一下</a:t>
+            </a:r>
+            <a:r>
+              <a:rPr lang="en-US" altLang="zh-CN" dirty="0" smtClean="0"/>
+              <a:t>PMD</a:t>
+            </a:r>
+            <a:r>
+              <a:rPr lang="zh-CN" altLang="en-US" dirty="0" smtClean="0"/>
+              <a:t>。</a:t>
+            </a:r>
+            <a:endParaRPr lang="en-US" altLang="zh-CN" dirty="0" smtClean="0"/>
+          </a:p>
+          <a:p>
+            <a:endParaRPr lang="en-US" altLang="zh-CN" dirty="0" smtClean="0"/>
+          </a:p>
+          <a:p>
+            <a:r>
+              <a:rPr lang="en-US" altLang="zh-CN" dirty="0" smtClean="0"/>
+              <a:t>PHPLOC </a:t>
+            </a:r>
+            <a:r>
+              <a:rPr lang="zh-CN" altLang="en-US" dirty="0" smtClean="0"/>
+              <a:t>用来探测代码圈复杂度 演示一下 </a:t>
+            </a:r>
+            <a:r>
+              <a:rPr lang="en-US" altLang="zh-CN" dirty="0" smtClean="0"/>
+              <a:t>plots.</a:t>
+            </a:r>
+          </a:p>
+          <a:p>
+            <a:endParaRPr lang="en-US" altLang="zh-CN" dirty="0" smtClean="0"/>
+          </a:p>
+          <a:p>
+            <a:r>
+              <a:rPr lang="en-US" altLang="zh-CN" dirty="0" smtClean="0"/>
+              <a:t>PHPCPD </a:t>
+            </a:r>
+            <a:r>
+              <a:rPr lang="zh-CN" altLang="en-US" dirty="0" smtClean="0"/>
+              <a:t>探测代码中复制黏贴，演示一下</a:t>
+            </a:r>
+            <a:r>
+              <a:rPr lang="en-US" altLang="zh-CN" sz="1200" b="1" i="0" kern="1200" dirty="0" smtClean="0">
+                <a:solidFill>
+                  <a:schemeClr val="tx1"/>
+                </a:solidFill>
+                <a:effectLst/>
+                <a:latin typeface="+mn-lt"/>
+                <a:ea typeface="+mn-ea"/>
+                <a:cs typeface="+mn-cs"/>
+              </a:rPr>
+              <a:t>DRY</a:t>
+            </a:r>
+          </a:p>
+          <a:p>
+            <a:endParaRPr lang="en-US" altLang="zh-CN" sz="1200" b="1" i="0" kern="1200" dirty="0" smtClean="0">
+              <a:solidFill>
+                <a:schemeClr val="tx1"/>
+              </a:solidFill>
+              <a:effectLst/>
+              <a:latin typeface="+mn-lt"/>
+              <a:ea typeface="+mn-ea"/>
+              <a:cs typeface="+mn-cs"/>
+            </a:endParaRPr>
+          </a:p>
+          <a:p>
+            <a:r>
+              <a:rPr lang="en-US" altLang="zh-CN" dirty="0" smtClean="0"/>
+              <a:t>PHPDOX </a:t>
+            </a:r>
+            <a:r>
+              <a:rPr lang="zh-CN" altLang="en-US" dirty="0" smtClean="0"/>
+              <a:t>生成代码文档，演示一下</a:t>
+            </a:r>
+            <a:r>
+              <a:rPr lang="en-US" altLang="zh-CN" dirty="0" smtClean="0"/>
+              <a:t>HTML Report</a:t>
+            </a:r>
+          </a:p>
+          <a:p>
+            <a:endParaRPr lang="en-US" altLang="zh-CN" dirty="0" smtClean="0"/>
+          </a:p>
+          <a:p>
+            <a:r>
+              <a:rPr lang="en-US" altLang="zh-CN" dirty="0" smtClean="0"/>
+              <a:t>PHPUNIT </a:t>
+            </a:r>
+            <a:r>
+              <a:rPr lang="zh-CN" altLang="en-US" dirty="0" smtClean="0"/>
+              <a:t>单元测试工具，</a:t>
+            </a:r>
+            <a:r>
+              <a:rPr lang="en-US" altLang="zh-CN" dirty="0" smtClean="0"/>
+              <a:t>Clover PHP </a:t>
+            </a:r>
+            <a:r>
+              <a:rPr lang="zh-CN" altLang="en-US" dirty="0" smtClean="0"/>
+              <a:t>代码覆盖率插件， </a:t>
+            </a:r>
+            <a:r>
+              <a:rPr lang="en-US" altLang="zh-CN" dirty="0" smtClean="0"/>
+              <a:t>Crap4J </a:t>
+            </a:r>
+            <a:r>
+              <a:rPr lang="zh-CN" altLang="en-US" dirty="0" smtClean="0"/>
+              <a:t>垃圾代码报告插件。</a:t>
             </a:r>
             <a:endParaRPr lang="en-US" altLang="zh-CN" dirty="0" smtClean="0"/>
           </a:p>
@@ -18520,7 +15001,7 @@
     </p:spTree>
     <p:extLst>
       <p:ext uri="{BB962C8B-B14F-4D97-AF65-F5344CB8AC3E}">
-        <p14:creationId xmlns:p14="http://schemas.microsoft.com/office/powerpoint/2010/main" val="390790006"/>
+        <p14:creationId xmlns:p14="http://schemas.microsoft.com/office/powerpoint/2010/main" val="359717484"/>
       </p:ext>
     </p:extLst>
   </p:cSld>
@@ -18574,40 +15055,54 @@
           <a:bodyPr/>
           <a:lstStyle/>
           <a:p>
+            <a:pPr marL="0" marR="0" lvl="0" indent="0" algn="l" defTabSz="914400" rtl="0" eaLnBrk="1" fontAlgn="auto" latinLnBrk="0" hangingPunct="1">
+              <a:lnSpc>
+                <a:spcPct val="100000"/>
+              </a:lnSpc>
+              <a:spcBef>
+                <a:spcPts val="0"/>
+              </a:spcBef>
+              <a:spcAft>
+                <a:spcPts val="0"/>
+              </a:spcAft>
+              <a:buClrTx/>
+              <a:buSzTx/>
+              <a:buFontTx/>
+              <a:buNone/>
+              <a:tabLst/>
+              <a:defRPr/>
+            </a:pPr>
+            <a:r>
+              <a:rPr lang="en-US" altLang="zh-CN" dirty="0" smtClean="0"/>
+              <a:t>Jenkins</a:t>
+            </a:r>
             <a:r>
               <a:rPr lang="zh-CN" altLang="en-US" dirty="0" smtClean="0"/>
-              <a:t>为了践行持续集成频繁构建的原则呢，我们在开发过程中要经常把我们个人开发分支中的内容合并到公共功能分支中，并对功能分支进行构建，构建之后自动部署在测试机上，借以检查成功功能分支的有效性。</a:t>
+              <a:t>的工作流程是，从版本库中检出代码，放到本地工作区，调用插件对工作区中的代码进行构建或者是检查，构建结束后，再次调用另一批插件对构建结果进行统计并部署项目。</a:t>
             </a:r>
             <a:endParaRPr lang="en-US" altLang="zh-CN" dirty="0" smtClean="0"/>
           </a:p>
           <a:p>
+            <a:pPr marL="0" marR="0" lvl="0" indent="0" algn="l" defTabSz="914400" rtl="0" eaLnBrk="1" fontAlgn="auto" latinLnBrk="0" hangingPunct="1">
+              <a:lnSpc>
+                <a:spcPct val="100000"/>
+              </a:lnSpc>
+              <a:spcBef>
+                <a:spcPts val="0"/>
+              </a:spcBef>
+              <a:spcAft>
+                <a:spcPts val="0"/>
+              </a:spcAft>
+              <a:buClrTx/>
+              <a:buSzTx/>
+              <a:buFontTx/>
+              <a:buNone/>
+              <a:tabLst/>
+              <a:defRPr/>
+            </a:pPr>
             <a:r>
               <a:rPr lang="zh-CN" altLang="en-US" dirty="0" smtClean="0"/>
-              <a:t>如果是用</a:t>
-            </a:r>
-            <a:r>
-              <a:rPr lang="en-US" altLang="zh-CN" dirty="0" err="1" smtClean="0"/>
-              <a:t>git</a:t>
-            </a:r>
-            <a:r>
-              <a:rPr lang="zh-CN" altLang="en-US" dirty="0" smtClean="0"/>
-              <a:t>的项目，可以在</a:t>
-            </a:r>
-            <a:r>
-              <a:rPr lang="en-US" altLang="zh-CN" dirty="0" err="1" smtClean="0"/>
-              <a:t>gitlab</a:t>
-            </a:r>
-            <a:r>
-              <a:rPr lang="zh-CN" altLang="en-US" dirty="0" smtClean="0"/>
-              <a:t>中配置触发器，当功能分支</a:t>
-            </a:r>
-            <a:r>
-              <a:rPr lang="en-US" altLang="zh-CN" dirty="0" smtClean="0"/>
-              <a:t>push</a:t>
-            </a:r>
-            <a:r>
-              <a:rPr lang="zh-CN" altLang="en-US" dirty="0" smtClean="0"/>
-              <a:t>的时候自动通知</a:t>
+              <a:t>给大家展示</a:t>
             </a:r>
             <a:r>
               <a:rPr lang="en-US" altLang="zh-CN" dirty="0" err="1" smtClean="0"/>
@@ -18615,73 +15110,11 @@
             </a:r>
             <a:r>
               <a:rPr lang="zh-CN" altLang="en-US" dirty="0" smtClean="0"/>
-              <a:t>进行构建，当然如果</a:t>
-            </a:r>
-            <a:r>
-              <a:rPr lang="en-US" altLang="zh-CN" dirty="0" smtClean="0"/>
-              <a:t>SVN</a:t>
-            </a:r>
-            <a:r>
-              <a:rPr lang="zh-CN" altLang="en-US" dirty="0" smtClean="0"/>
-              <a:t>的话恐怕就要另想办法解决了。</a:t>
+              <a:t>项目配置过程 以及一次构建过程。</a:t>
             </a:r>
             <a:endParaRPr lang="en-US" altLang="zh-CN" dirty="0" smtClean="0"/>
           </a:p>
           <a:p>
-            <a:r>
-              <a:rPr lang="zh-CN" altLang="en-US" dirty="0" smtClean="0"/>
-              <a:t>也可以部署到</a:t>
-            </a:r>
-            <a:r>
-              <a:rPr lang="en-US" altLang="zh-CN" dirty="0" err="1" smtClean="0"/>
-              <a:t>Docker</a:t>
-            </a:r>
-            <a:r>
-              <a:rPr lang="zh-CN" altLang="en-US" dirty="0" smtClean="0"/>
-              <a:t>容器中，</a:t>
-            </a:r>
-            <a:r>
-              <a:rPr lang="en-US" altLang="zh-CN" dirty="0" err="1" smtClean="0"/>
-              <a:t>docker</a:t>
-            </a:r>
-            <a:r>
-              <a:rPr lang="zh-CN" altLang="en-US" dirty="0" smtClean="0"/>
-              <a:t>我暂时不太熟，我只知道这个方案是可行的。</a:t>
-            </a:r>
-            <a:endParaRPr lang="en-US" altLang="zh-CN" dirty="0" smtClean="0"/>
-          </a:p>
-          <a:p>
-            <a:endParaRPr lang="en-US" altLang="zh-CN" dirty="0" smtClean="0"/>
-          </a:p>
-          <a:p>
-            <a:r>
-              <a:rPr lang="zh-CN" altLang="en-US" dirty="0" smtClean="0"/>
-              <a:t>另外</a:t>
-            </a:r>
-            <a:r>
-              <a:rPr lang="en-US" altLang="zh-CN" dirty="0" smtClean="0"/>
-              <a:t>Jenkins</a:t>
-            </a:r>
-            <a:r>
-              <a:rPr lang="zh-CN" altLang="en-US" dirty="0" smtClean="0"/>
-              <a:t>支持一条符合</a:t>
-            </a:r>
-            <a:r>
-              <a:rPr lang="en-US" altLang="zh-CN" dirty="0" smtClean="0"/>
-              <a:t>REST</a:t>
-            </a:r>
-            <a:r>
-              <a:rPr lang="zh-CN" altLang="en-US" dirty="0" smtClean="0"/>
-              <a:t>标准的</a:t>
-            </a:r>
-            <a:r>
-              <a:rPr lang="en-US" altLang="zh-CN" dirty="0" smtClean="0"/>
-              <a:t>API</a:t>
-            </a:r>
-            <a:r>
-              <a:rPr lang="zh-CN" altLang="en-US" dirty="0" smtClean="0"/>
-              <a:t>，可以拷贝项目，修改项目，构建项目等，主要是为了方便和现有其他系统进行打通。如果现在和运维那些管理界面打通不现实的话，也只能在组内测试机上玩。</a:t>
-            </a:r>
             <a:endParaRPr lang="zh-CN" altLang="en-US" dirty="0"/>
           </a:p>
         </p:txBody>
@@ -18712,7 +15145,7 @@
     </p:spTree>
     <p:extLst>
       <p:ext uri="{BB962C8B-B14F-4D97-AF65-F5344CB8AC3E}">
-        <p14:creationId xmlns:p14="http://schemas.microsoft.com/office/powerpoint/2010/main" val="647004060"/>
+        <p14:creationId xmlns:p14="http://schemas.microsoft.com/office/powerpoint/2010/main" val="390790006"/>
       </p:ext>
     </p:extLst>
   </p:cSld>
@@ -18768,7 +15201,111 @@
           <a:p>
             <a:r>
               <a:rPr lang="zh-CN" altLang="en-US" dirty="0" smtClean="0"/>
-              <a:t>我自己暂时还不了解，以后再补充吧。</a:t>
+              <a:t>为了践行持续集成频繁构建的原则呢，我们在开发过程中要经常把我们个人开发分支中的内容合并到公共功能分支中，并对功能分支进行构建，构建之后自动部署在测试机上，借以检查成功功能分支的有效性。</a:t>
+            </a:r>
+            <a:endParaRPr lang="en-US" altLang="zh-CN" dirty="0" smtClean="0"/>
+          </a:p>
+          <a:p>
+            <a:r>
+              <a:rPr lang="zh-CN" altLang="en-US" dirty="0" smtClean="0"/>
+              <a:t>如果是用</a:t>
+            </a:r>
+            <a:r>
+              <a:rPr lang="en-US" altLang="zh-CN" dirty="0" err="1" smtClean="0"/>
+              <a:t>git</a:t>
+            </a:r>
+            <a:r>
+              <a:rPr lang="zh-CN" altLang="en-US" dirty="0" smtClean="0"/>
+              <a:t>的项目，可以在</a:t>
+            </a:r>
+            <a:r>
+              <a:rPr lang="en-US" altLang="zh-CN" dirty="0" err="1" smtClean="0"/>
+              <a:t>gitlab</a:t>
+            </a:r>
+            <a:r>
+              <a:rPr lang="zh-CN" altLang="en-US" dirty="0" smtClean="0"/>
+              <a:t>中配置触发器，当功能分支</a:t>
+            </a:r>
+            <a:r>
+              <a:rPr lang="en-US" altLang="zh-CN" dirty="0" smtClean="0"/>
+              <a:t>push</a:t>
+            </a:r>
+            <a:r>
+              <a:rPr lang="zh-CN" altLang="en-US" dirty="0" smtClean="0"/>
+              <a:t>的时候自动通知</a:t>
+            </a:r>
+            <a:r>
+              <a:rPr lang="en-US" altLang="zh-CN" dirty="0" err="1" smtClean="0"/>
+              <a:t>jenkins</a:t>
+            </a:r>
+            <a:r>
+              <a:rPr lang="zh-CN" altLang="en-US" dirty="0" smtClean="0"/>
+              <a:t>进行构建，当然如果</a:t>
+            </a:r>
+            <a:r>
+              <a:rPr lang="en-US" altLang="zh-CN" dirty="0" smtClean="0"/>
+              <a:t>SVN</a:t>
+            </a:r>
+            <a:r>
+              <a:rPr lang="zh-CN" altLang="en-US" dirty="0" smtClean="0"/>
+              <a:t>的话恐怕就要另想办法解决了。</a:t>
+            </a:r>
+            <a:endParaRPr lang="en-US" altLang="zh-CN" dirty="0" smtClean="0"/>
+          </a:p>
+          <a:p>
+            <a:r>
+              <a:rPr lang="zh-CN" altLang="en-US" dirty="0" smtClean="0"/>
+              <a:t>也可以部署到</a:t>
+            </a:r>
+            <a:r>
+              <a:rPr lang="en-US" altLang="zh-CN" dirty="0" err="1" smtClean="0"/>
+              <a:t>Docker</a:t>
+            </a:r>
+            <a:r>
+              <a:rPr lang="zh-CN" altLang="en-US" dirty="0" smtClean="0"/>
+              <a:t>容器中，</a:t>
+            </a:r>
+            <a:r>
+              <a:rPr lang="en-US" altLang="zh-CN" dirty="0" err="1" smtClean="0"/>
+              <a:t>docker</a:t>
+            </a:r>
+            <a:r>
+              <a:rPr lang="zh-CN" altLang="en-US" dirty="0" smtClean="0"/>
+              <a:t>我暂时不太熟，我只知道这个方案是可行的。</a:t>
+            </a:r>
+            <a:endParaRPr lang="en-US" altLang="zh-CN" dirty="0" smtClean="0"/>
+          </a:p>
+          <a:p>
+            <a:endParaRPr lang="en-US" altLang="zh-CN" dirty="0" smtClean="0"/>
+          </a:p>
+          <a:p>
+            <a:r>
+              <a:rPr lang="zh-CN" altLang="en-US" dirty="0" smtClean="0"/>
+              <a:t>另外</a:t>
+            </a:r>
+            <a:r>
+              <a:rPr lang="en-US" altLang="zh-CN" dirty="0" smtClean="0"/>
+              <a:t>Jenkins</a:t>
+            </a:r>
+            <a:r>
+              <a:rPr lang="zh-CN" altLang="en-US" dirty="0" smtClean="0"/>
+              <a:t>支持一条符合</a:t>
+            </a:r>
+            <a:r>
+              <a:rPr lang="en-US" altLang="zh-CN" dirty="0" smtClean="0"/>
+              <a:t>REST</a:t>
+            </a:r>
+            <a:r>
+              <a:rPr lang="zh-CN" altLang="en-US" dirty="0" smtClean="0"/>
+              <a:t>标准的</a:t>
+            </a:r>
+            <a:r>
+              <a:rPr lang="en-US" altLang="zh-CN" dirty="0" smtClean="0"/>
+              <a:t>API</a:t>
+            </a:r>
+            <a:r>
+              <a:rPr lang="zh-CN" altLang="en-US" dirty="0" smtClean="0"/>
+              <a:t>，可以拷贝项目，修改项目，构建项目等，主要是为了方便和现有其他系统进行打通。如果现在和运维那些管理界面打通不现实的话，也只能在组内测试机上玩。</a:t>
             </a:r>
             <a:endParaRPr lang="zh-CN" altLang="en-US" dirty="0"/>
           </a:p>
@@ -18791,7 +15328,7 @@
           <a:p>
             <a:fld id="{F3A51B88-FA27-4C4B-A44D-BC18220430FC}" type="slidenum">
               <a:rPr lang="zh-CN" altLang="en-US" smtClean="0"/>
-              <a:t>26</a:t>
+              <a:t>25</a:t>
             </a:fld>
             <a:endParaRPr lang="zh-CN" altLang="en-US"/>
           </a:p>
@@ -18800,7 +15337,7 @@
     </p:spTree>
     <p:extLst>
       <p:ext uri="{BB962C8B-B14F-4D97-AF65-F5344CB8AC3E}">
-        <p14:creationId xmlns:p14="http://schemas.microsoft.com/office/powerpoint/2010/main" val="3659660825"/>
+        <p14:creationId xmlns:p14="http://schemas.microsoft.com/office/powerpoint/2010/main" val="647004060"/>
       </p:ext>
     </p:extLst>
   </p:cSld>
@@ -18854,6 +15391,94 @@
           <a:bodyPr/>
           <a:lstStyle/>
           <a:p>
+            <a:r>
+              <a:rPr lang="zh-CN" altLang="en-US" dirty="0" smtClean="0"/>
+              <a:t>我自己暂时还不了解，以后再补充吧。</a:t>
+            </a:r>
+            <a:endParaRPr lang="zh-CN" altLang="en-US" dirty="0"/>
+          </a:p>
+        </p:txBody>
+      </p:sp>
+      <p:sp>
+        <p:nvSpPr>
+          <p:cNvPr id="4" name="灯片编号占位符 3"/>
+          <p:cNvSpPr>
+            <a:spLocks noGrp="1"/>
+          </p:cNvSpPr>
+          <p:nvPr>
+            <p:ph type="sldNum" sz="quarter" idx="10"/>
+          </p:nvPr>
+        </p:nvSpPr>
+        <p:spPr/>
+        <p:txBody>
+          <a:bodyPr/>
+          <a:lstStyle/>
+          <a:p>
+            <a:fld id="{F3A51B88-FA27-4C4B-A44D-BC18220430FC}" type="slidenum">
+              <a:rPr lang="zh-CN" altLang="en-US" smtClean="0"/>
+              <a:t>27</a:t>
+            </a:fld>
+            <a:endParaRPr lang="zh-CN" altLang="en-US"/>
+          </a:p>
+        </p:txBody>
+      </p:sp>
+    </p:spTree>
+    <p:extLst>
+      <p:ext uri="{BB962C8B-B14F-4D97-AF65-F5344CB8AC3E}">
+        <p14:creationId xmlns:p14="http://schemas.microsoft.com/office/powerpoint/2010/main" val="3659660825"/>
+      </p:ext>
+    </p:extLst>
+  </p:cSld>
+  <p:clrMapOvr>
+    <a:masterClrMapping/>
+  </p:clrMapOvr>
+</p:notes>
+</file>
+
+<file path=ppt/notesSlides/notesSlide26.xml><?xml version="1.0" encoding="utf-8"?>
+<p:notes xmlns:a="http://schemas.openxmlformats.org/drawingml/2006/main" xmlns:r="http://schemas.openxmlformats.org/officeDocument/2006/relationships" xmlns:p="http://schemas.openxmlformats.org/presentationml/2006/main">
+  <p:cSld>
+    <p:spTree>
+      <p:nvGrpSpPr>
+        <p:cNvPr id="1" name=""/>
+        <p:cNvGrpSpPr/>
+        <p:nvPr/>
+      </p:nvGrpSpPr>
+      <p:grpSpPr>
+        <a:xfrm>
+          <a:off x="0" y="0"/>
+          <a:ext cx="0" cy="0"/>
+          <a:chOff x="0" y="0"/>
+          <a:chExt cx="0" cy="0"/>
+        </a:xfrm>
+      </p:grpSpPr>
+      <p:sp>
+        <p:nvSpPr>
+          <p:cNvPr id="2" name="幻灯片图像占位符 1"/>
+          <p:cNvSpPr>
+            <a:spLocks noGrp="1" noRot="1" noChangeAspect="1"/>
+          </p:cNvSpPr>
+          <p:nvPr>
+            <p:ph type="sldImg"/>
+          </p:nvPr>
+        </p:nvSpPr>
+        <p:spPr/>
+      </p:sp>
+      <p:sp>
+        <p:nvSpPr>
+          <p:cNvPr id="3" name="备注占位符 2"/>
+          <p:cNvSpPr>
+            <a:spLocks noGrp="1"/>
+          </p:cNvSpPr>
+          <p:nvPr>
+            <p:ph type="body" idx="1"/>
+          </p:nvPr>
+        </p:nvSpPr>
+        <p:spPr/>
+        <p:txBody>
+          <a:bodyPr/>
+          <a:lstStyle/>
+          <a:p>
             <a:pPr marL="0" marR="0" lvl="0" indent="0" algn="l" defTabSz="914400" rtl="0" eaLnBrk="1" fontAlgn="auto" latinLnBrk="0" hangingPunct="1">
               <a:lnSpc>
                 <a:spcPct val="100000"/>
@@ -18873,7 +15498,7 @@
             </a:pPr>
             <a:r>
               <a:rPr lang="zh-CN" altLang="en-US" dirty="0" smtClean="0"/>
-              <a:t>未调通的技术细节：代码覆盖率统计，</a:t>
+              <a:t>未调通的技术细节：</a:t>
             </a:r>
             <a:r>
               <a:rPr lang="en-US" altLang="zh-CN" dirty="0" err="1" smtClean="0"/>
@@ -18889,15 +15514,23 @@
             </a:r>
             <a:r>
               <a:rPr lang="zh-CN" altLang="en-US" dirty="0" smtClean="0"/>
-              <a:t>，</a:t>
-            </a:r>
-            <a:r>
-              <a:rPr lang="en-US" altLang="zh-CN" dirty="0" err="1" smtClean="0"/>
-              <a:t>gitlab</a:t>
+              <a:t>，还有</a:t>
+            </a:r>
+            <a:r>
+              <a:rPr lang="en-US" altLang="zh-CN" dirty="0" smtClean="0"/>
+              <a:t>SVN</a:t>
             </a:r>
             <a:r>
               <a:rPr lang="zh-CN" altLang="en-US" dirty="0" smtClean="0"/>
-              <a:t>触发器。</a:t>
+              <a:t>和</a:t>
+            </a:r>
+            <a:r>
+              <a:rPr lang="en-US" altLang="zh-CN" dirty="0" smtClean="0"/>
+              <a:t>CI</a:t>
+            </a:r>
+            <a:r>
+              <a:rPr lang="zh-CN" altLang="en-US" dirty="0" smtClean="0"/>
+              <a:t>框架。</a:t>
             </a:r>
             <a:endParaRPr lang="en-US" altLang="zh-CN" dirty="0" smtClean="0"/>
           </a:p>
@@ -19104,7 +15737,7 @@
           <a:p>
             <a:fld id="{F3A51B88-FA27-4C4B-A44D-BC18220430FC}" type="slidenum">
               <a:rPr lang="zh-CN" altLang="en-US" smtClean="0"/>
-              <a:t>27</a:t>
+              <a:t>28</a:t>
             </a:fld>
             <a:endParaRPr lang="zh-CN" altLang="en-US"/>
           </a:p>
@@ -20495,7 +17128,7 @@
             <a:fld id="{B61BEF0D-F0BB-DE4B-95CE-6DB70DBA9567}" type="datetimeFigureOut">
               <a:rPr lang="en-US" dirty="0"/>
               <a:pPr/>
-              <a:t>5/3/2018</a:t>
+              <a:t>5/7/2018</a:t>
             </a:fld>
             <a:endParaRPr lang="en-US" dirty="0"/>
           </a:p>
@@ -20826,7 +17459,7 @@
             <a:fld id="{B61BEF0D-F0BB-DE4B-95CE-6DB70DBA9567}" type="datetimeFigureOut">
               <a:rPr lang="en-US" dirty="0"/>
               <a:pPr/>
-              <a:t>5/3/2018</a:t>
+              <a:t>5/7/2018</a:t>
             </a:fld>
             <a:endParaRPr lang="en-US" dirty="0"/>
           </a:p>
@@ -21101,7 +17734,7 @@
             <a:fld id="{B61BEF0D-F0BB-DE4B-95CE-6DB70DBA9567}" type="datetimeFigureOut">
               <a:rPr lang="en-US" dirty="0"/>
               <a:pPr/>
-              <a:t>5/3/2018</a:t>
+              <a:t>5/7/2018</a:t>
             </a:fld>
             <a:endParaRPr lang="en-US" dirty="0"/>
           </a:p>
@@ -21666,7 +18299,7 @@
             <a:fld id="{B61BEF0D-F0BB-DE4B-95CE-6DB70DBA9567}" type="datetimeFigureOut">
               <a:rPr lang="en-US" dirty="0"/>
               <a:pPr/>
-              <a:t>5/3/2018</a:t>
+              <a:t>5/7/2018</a:t>
             </a:fld>
             <a:endParaRPr lang="en-US" dirty="0"/>
           </a:p>
@@ -21941,7 +18574,7 @@
             <a:fld id="{B61BEF0D-F0BB-DE4B-95CE-6DB70DBA9567}" type="datetimeFigureOut">
               <a:rPr lang="en-US" dirty="0"/>
               <a:pPr/>
-              <a:t>5/3/2018</a:t>
+              <a:t>5/7/2018</a:t>
             </a:fld>
             <a:endParaRPr lang="en-US" dirty="0"/>
           </a:p>
@@ -22500,7 +19133,7 @@
             <a:fld id="{B61BEF0D-F0BB-DE4B-95CE-6DB70DBA9567}" type="datetimeFigureOut">
               <a:rPr lang="en-US" dirty="0"/>
               <a:pPr/>
-              <a:t>5/3/2018</a:t>
+              <a:t>5/7/2018</a:t>
             </a:fld>
             <a:endParaRPr lang="en-US" dirty="0"/>
           </a:p>
@@ -22824,7 +19457,7 @@
             <a:fld id="{B61BEF0D-F0BB-DE4B-95CE-6DB70DBA9567}" type="datetimeFigureOut">
               <a:rPr lang="en-US" dirty="0"/>
               <a:pPr/>
-              <a:t>5/3/2018</a:t>
+              <a:t>5/7/2018</a:t>
             </a:fld>
             <a:endParaRPr lang="en-US" dirty="0"/>
           </a:p>
@@ -22998,7 +19631,7 @@
             <a:fld id="{B61BEF0D-F0BB-DE4B-95CE-6DB70DBA9567}" type="datetimeFigureOut">
               <a:rPr lang="en-US" dirty="0"/>
               <a:pPr/>
-              <a:t>5/3/2018</a:t>
+              <a:t>5/7/2018</a:t>
             </a:fld>
             <a:endParaRPr lang="en-US" dirty="0"/>
           </a:p>
@@ -23233,7 +19866,7 @@
             <a:fld id="{B61BEF0D-F0BB-DE4B-95CE-6DB70DBA9567}" type="datetimeFigureOut">
               <a:rPr lang="en-US" dirty="0"/>
               <a:pPr/>
-              <a:t>5/3/2018</a:t>
+              <a:t>5/7/2018</a:t>
             </a:fld>
             <a:endParaRPr lang="en-US" dirty="0"/>
           </a:p>
@@ -23430,7 +20063,7 @@
             <a:fld id="{B61BEF0D-F0BB-DE4B-95CE-6DB70DBA9567}" type="datetimeFigureOut">
               <a:rPr lang="en-US" dirty="0"/>
               <a:pPr/>
-              <a:t>5/3/2018</a:t>
+              <a:t>5/7/2018</a:t>
             </a:fld>
             <a:endParaRPr lang="en-US" dirty="0"/>
           </a:p>
@@ -23703,7 +20336,7 @@
             <a:fld id="{B61BEF0D-F0BB-DE4B-95CE-6DB70DBA9567}" type="datetimeFigureOut">
               <a:rPr lang="en-US" dirty="0"/>
               <a:pPr/>
-              <a:t>5/3/2018</a:t>
+              <a:t>5/7/2018</a:t>
             </a:fld>
             <a:endParaRPr lang="en-US" dirty="0"/>
           </a:p>
@@ -23966,7 +20599,7 @@
             <a:fld id="{B61BEF0D-F0BB-DE4B-95CE-6DB70DBA9567}" type="datetimeFigureOut">
               <a:rPr lang="en-US" dirty="0"/>
               <a:pPr/>
-              <a:t>5/3/2018</a:t>
+              <a:t>5/7/2018</a:t>
             </a:fld>
             <a:endParaRPr lang="en-US" dirty="0"/>
           </a:p>
@@ -24337,7 +20970,7 @@
             <a:fld id="{B61BEF0D-F0BB-DE4B-95CE-6DB70DBA9567}" type="datetimeFigureOut">
               <a:rPr lang="en-US" dirty="0"/>
               <a:pPr/>
-              <a:t>5/3/2018</a:t>
+              <a:t>5/7/2018</a:t>
             </a:fld>
             <a:endParaRPr lang="en-US" dirty="0"/>
           </a:p>
@@ -24482,7 +21115,7 @@
             <a:fld id="{B61BEF0D-F0BB-DE4B-95CE-6DB70DBA9567}" type="datetimeFigureOut">
               <a:rPr lang="en-US" dirty="0"/>
               <a:pPr/>
-              <a:t>5/3/2018</a:t>
+              <a:t>5/7/2018</a:t>
             </a:fld>
             <a:endParaRPr lang="en-US" dirty="0"/>
           </a:p>
@@ -24604,7 +21237,7 @@
             <a:fld id="{B61BEF0D-F0BB-DE4B-95CE-6DB70DBA9567}" type="datetimeFigureOut">
               <a:rPr lang="en-US" dirty="0"/>
               <a:pPr/>
-              <a:t>5/3/2018</a:t>
+              <a:t>5/7/2018</a:t>
             </a:fld>
             <a:endParaRPr lang="en-US" dirty="0"/>
           </a:p>
@@ -24886,7 +21519,7 @@
             <a:fld id="{B61BEF0D-F0BB-DE4B-95CE-6DB70DBA9567}" type="datetimeFigureOut">
               <a:rPr lang="en-US" dirty="0"/>
               <a:pPr/>
-              <a:t>5/3/2018</a:t>
+              <a:t>5/7/2018</a:t>
             </a:fld>
             <a:endParaRPr lang="en-US" dirty="0"/>
           </a:p>
@@ -25207,7 +21840,7 @@
             <a:fld id="{B61BEF0D-F0BB-DE4B-95CE-6DB70DBA9567}" type="datetimeFigureOut">
               <a:rPr lang="en-US" dirty="0"/>
               <a:pPr/>
-              <a:t>5/3/2018</a:t>
+              <a:t>5/7/2018</a:t>
             </a:fld>
             <a:endParaRPr lang="en-US" dirty="0"/>
           </a:p>
@@ -25418,7 +22051,7 @@
             <a:fld id="{B61BEF0D-F0BB-DE4B-95CE-6DB70DBA9567}" type="datetimeFigureOut">
               <a:rPr lang="en-US" dirty="0"/>
               <a:pPr/>
-              <a:t>5/3/2018</a:t>
+              <a:t>5/7/2018</a:t>
             </a:fld>
             <a:endParaRPr lang="en-US" dirty="0"/>
           </a:p>
@@ -30518,8 +27151,21 @@
           <a:p>
             <a:r>
               <a:rPr lang="zh-CN" altLang="en-US" dirty="0"/>
-              <a:t>自动化构建</a:t>
-            </a:r>
+              <a:t>单元测试规范</a:t>
+            </a:r>
+            <a:r>
+              <a:rPr lang="en-US" altLang="zh-CN" dirty="0"/>
+              <a:t>(</a:t>
+            </a:r>
+            <a:r>
+              <a:rPr lang="zh-CN" altLang="en-US" dirty="0"/>
+              <a:t>量化垃圾代码</a:t>
+            </a:r>
+            <a:r>
+              <a:rPr lang="en-US" altLang="zh-CN" dirty="0"/>
+              <a:t>)</a:t>
+            </a:r>
+            <a:endParaRPr lang="zh-CN" altLang="en-US" dirty="0"/>
           </a:p>
         </p:txBody>
       </p:sp>
@@ -30539,39 +27185,101 @@
           <a:lstStyle/>
           <a:p>
             <a:r>
-              <a:rPr lang="en-US" altLang="zh-CN" dirty="0" smtClean="0"/>
-              <a:t>PHP</a:t>
-            </a:r>
-            <a:r>
-              <a:rPr lang="zh-CN" altLang="en-US" dirty="0" smtClean="0"/>
-              <a:t>自动化构建工具</a:t>
-            </a:r>
-            <a:endParaRPr lang="en-US" altLang="zh-CN" dirty="0" smtClean="0"/>
-          </a:p>
-          <a:p>
-            <a:r>
-              <a:rPr lang="en-US" altLang="zh-CN" dirty="0" smtClean="0"/>
-              <a:t>Jenkins</a:t>
-            </a:r>
-            <a:r>
-              <a:rPr lang="zh-CN" altLang="en-US" dirty="0" smtClean="0"/>
-              <a:t>及其插件</a:t>
-            </a:r>
-            <a:endParaRPr lang="en-US" altLang="zh-CN" dirty="0" smtClean="0"/>
-          </a:p>
-          <a:p>
-            <a:r>
-              <a:rPr lang="zh-CN" altLang="en-US" dirty="0" smtClean="0"/>
-              <a:t>自动化部署</a:t>
+              <a:rPr lang="en-US" altLang="zh-CN" dirty="0"/>
+              <a:t>CRAP(m) = comp(m) ^ 2 * (1 - </a:t>
+            </a:r>
+            <a:r>
+              <a:rPr lang="en-US" altLang="zh-CN" dirty="0" err="1"/>
+              <a:t>cov</a:t>
+            </a:r>
+            <a:r>
+              <a:rPr lang="en-US" altLang="zh-CN" dirty="0"/>
+              <a:t>(m) / 100) ^ 3 + comp(m)</a:t>
+            </a:r>
+          </a:p>
+          <a:p>
+            <a:r>
+              <a:rPr lang="en-US" altLang="zh-CN" dirty="0"/>
+              <a:t>CRAP(m) </a:t>
+            </a:r>
+            <a:r>
+              <a:rPr lang="zh-CN" altLang="en-US" dirty="0"/>
+              <a:t>垃圾指数</a:t>
+            </a:r>
+          </a:p>
+          <a:p>
+            <a:r>
+              <a:rPr lang="en-US" altLang="zh-CN" dirty="0"/>
+              <a:t>comp(m) </a:t>
+            </a:r>
+            <a:r>
+              <a:rPr lang="zh-CN" altLang="en-US" dirty="0"/>
+              <a:t>圈复杂度</a:t>
+            </a:r>
+          </a:p>
+          <a:p>
+            <a:r>
+              <a:rPr lang="en-US" altLang="zh-CN" dirty="0" err="1"/>
+              <a:t>cov</a:t>
+            </a:r>
+            <a:r>
+              <a:rPr lang="en-US" altLang="zh-CN" dirty="0"/>
+              <a:t>(m) </a:t>
+            </a:r>
+            <a:r>
+              <a:rPr lang="zh-CN" altLang="en-US" dirty="0"/>
+              <a:t>代码覆盖率 </a:t>
+            </a:r>
+            <a:r>
+              <a:rPr lang="en-US" altLang="zh-CN" dirty="0"/>
+              <a:t>[</a:t>
+            </a:r>
+            <a:r>
+              <a:rPr lang="zh-CN" altLang="en-US" dirty="0"/>
+              <a:t>路径覆盖</a:t>
+            </a:r>
+            <a:r>
+              <a:rPr lang="en-US" altLang="zh-CN" dirty="0"/>
+              <a:t>]</a:t>
             </a:r>
             <a:endParaRPr lang="zh-CN" altLang="en-US" dirty="0"/>
           </a:p>
         </p:txBody>
       </p:sp>
+      <p:pic>
+        <p:nvPicPr>
+          <p:cNvPr id="4" name="图片 3"/>
+          <p:cNvPicPr>
+            <a:picLocks noChangeAspect="1"/>
+          </p:cNvPicPr>
+          <p:nvPr/>
+        </p:nvPicPr>
+        <p:blipFill>
+          <a:blip r:embed="rId3">
+            <a:extLst>
+              <a:ext uri="{28A0092B-C50C-407E-A947-70E740481C1C}">
+                <a14:useLocalDpi xmlns:a14="http://schemas.microsoft.com/office/drawing/2010/main" val="0"/>
+              </a:ext>
+            </a:extLst>
+          </a:blip>
+          <a:stretch>
+            <a:fillRect/>
+          </a:stretch>
+        </p:blipFill>
+        <p:spPr>
+          <a:xfrm>
+            <a:off x="406627" y="2761587"/>
+            <a:ext cx="11496227" cy="2410092"/>
+          </a:xfrm>
+          <a:prstGeom prst="rect">
+            <a:avLst/>
+          </a:prstGeom>
+        </p:spPr>
+      </p:pic>
     </p:spTree>
     <p:extLst>
       <p:ext uri="{BB962C8B-B14F-4D97-AF65-F5344CB8AC3E}">
-        <p14:creationId xmlns:p14="http://schemas.microsoft.com/office/powerpoint/2010/main" val="3240694380"/>
+        <p14:creationId xmlns:p14="http://schemas.microsoft.com/office/powerpoint/2010/main" val="2020294922"/>
       </p:ext>
     </p:extLst>
   </p:cSld>
@@ -30581,7 +27289,83 @@
   <p:timing>
     <p:tnLst>
       <p:par>
-        <p:cTn id="1" dur="indefinite" restart="never" nodeType="tmRoot"/>
+        <p:cTn id="1" dur="indefinite" restart="never" nodeType="tmRoot">
+          <p:childTnLst>
+            <p:seq concurrent="1" nextAc="seek">
+              <p:cTn id="2" dur="indefinite" nodeType="mainSeq">
+                <p:childTnLst>
+                  <p:par>
+                    <p:cTn id="3" fill="hold">
+                      <p:stCondLst>
+                        <p:cond delay="indefinite"/>
+                      </p:stCondLst>
+                      <p:childTnLst>
+                        <p:par>
+                          <p:cTn id="4" fill="hold">
+                            <p:stCondLst>
+                              <p:cond delay="0"/>
+                            </p:stCondLst>
+                            <p:childTnLst>
+                              <p:par>
+                                <p:cTn id="5" presetID="10" presetClass="entr" presetSubtype="0" fill="hold" nodeType="clickEffect">
+                                  <p:stCondLst>
+                                    <p:cond delay="0"/>
+                                  </p:stCondLst>
+                                  <p:childTnLst>
+                                    <p:set>
+                                      <p:cBhvr>
+                                        <p:cTn id="6" dur="1" fill="hold">
+                                          <p:stCondLst>
+                                            <p:cond delay="0"/>
+                                          </p:stCondLst>
+                                        </p:cTn>
+                                        <p:tgtEl>
+                                          <p:spTgt spid="4"/>
+                                        </p:tgtEl>
+                                        <p:attrNameLst>
+                                          <p:attrName>style.visibility</p:attrName>
+                                        </p:attrNameLst>
+                                      </p:cBhvr>
+                                      <p:to>
+                                        <p:strVal val="visible"/>
+                                      </p:to>
+                                    </p:set>
+                                    <p:animEffect transition="in" filter="fade">
+                                      <p:cBhvr>
+                                        <p:cTn id="7" dur="500"/>
+                                        <p:tgtEl>
+                                          <p:spTgt spid="4"/>
+                                        </p:tgtEl>
+                                      </p:cBhvr>
+                                    </p:animEffect>
+                                  </p:childTnLst>
+                                </p:cTn>
+                              </p:par>
+                            </p:childTnLst>
+                          </p:cTn>
+                        </p:par>
+                      </p:childTnLst>
+                    </p:cTn>
+                  </p:par>
+                </p:childTnLst>
+              </p:cTn>
+              <p:prevCondLst>
+                <p:cond evt="onPrev" delay="0">
+                  <p:tgtEl>
+                    <p:sldTgt/>
+                  </p:tgtEl>
+                </p:cond>
+              </p:prevCondLst>
+              <p:nextCondLst>
+                <p:cond evt="onNext" delay="0">
+                  <p:tgtEl>
+                    <p:sldTgt/>
+                  </p:tgtEl>
+                </p:cond>
+              </p:nextCondLst>
+            </p:seq>
+          </p:childTnLst>
+        </p:cTn>
       </p:par>
     </p:tnLst>
   </p:timing>
@@ -30621,14 +27405,9 @@
           <a:lstStyle/>
           <a:p>
             <a:r>
-              <a:rPr lang="en-US" altLang="zh-CN" dirty="0" smtClean="0"/>
-              <a:t>PHP</a:t>
-            </a:r>
-            <a:r>
-              <a:rPr lang="zh-CN" altLang="en-US" dirty="0" smtClean="0"/>
-              <a:t>自动化构建工具</a:t>
-            </a:r>
-            <a:endParaRPr lang="zh-CN" altLang="en-US" dirty="0"/>
+              <a:rPr lang="zh-CN" altLang="en-US" dirty="0"/>
+              <a:t>自动化构建</a:t>
+            </a:r>
           </a:p>
         </p:txBody>
       </p:sp>
@@ -30648,52 +27427,30 @@
           <a:lstStyle/>
           <a:p>
             <a:r>
-              <a:rPr lang="en-US" altLang="zh-CN" dirty="0" err="1" smtClean="0"/>
-              <a:t>Phing</a:t>
+              <a:rPr lang="en-US" altLang="zh-CN" dirty="0" smtClean="0"/>
+              <a:t>PHP</a:t>
+            </a:r>
+            <a:r>
+              <a:rPr lang="zh-CN" altLang="en-US" dirty="0" smtClean="0"/>
+              <a:t>自动化构建工具</a:t>
             </a:r>
             <a:endParaRPr lang="en-US" altLang="zh-CN" dirty="0" smtClean="0"/>
           </a:p>
           <a:p>
             <a:r>
-              <a:rPr lang="en-US" altLang="zh-CN" dirty="0" err="1" smtClean="0"/>
-              <a:t>Pdepend</a:t>
+              <a:rPr lang="en-US" altLang="zh-CN" dirty="0" smtClean="0"/>
+              <a:t>Jenkins</a:t>
+            </a:r>
+            <a:r>
+              <a:rPr lang="zh-CN" altLang="en-US" dirty="0" smtClean="0"/>
+              <a:t>及其插件</a:t>
             </a:r>
             <a:endParaRPr lang="en-US" altLang="zh-CN" dirty="0" smtClean="0"/>
           </a:p>
           <a:p>
             <a:r>
-              <a:rPr lang="en-US" altLang="zh-CN" dirty="0" smtClean="0"/>
-              <a:t>PHPCS</a:t>
-            </a:r>
-          </a:p>
-          <a:p>
-            <a:r>
-              <a:rPr lang="en-US" altLang="zh-CN" dirty="0" smtClean="0"/>
-              <a:t>PHPMD</a:t>
-            </a:r>
-          </a:p>
-          <a:p>
-            <a:r>
-              <a:rPr lang="en-US" altLang="zh-CN" dirty="0" smtClean="0"/>
-              <a:t>PHPLOC</a:t>
-            </a:r>
-          </a:p>
-          <a:p>
-            <a:r>
-              <a:rPr lang="en-US" altLang="zh-CN" dirty="0" smtClean="0"/>
-              <a:t>PHPCPD</a:t>
-            </a:r>
-          </a:p>
-          <a:p>
-            <a:r>
-              <a:rPr lang="en-US" altLang="zh-CN" dirty="0" smtClean="0"/>
-              <a:t>PHPDOX</a:t>
-            </a:r>
-          </a:p>
-          <a:p>
-            <a:r>
-              <a:rPr lang="en-US" altLang="zh-CN" dirty="0"/>
-              <a:t>PHPUNIT</a:t>
+              <a:rPr lang="zh-CN" altLang="en-US" dirty="0" smtClean="0"/>
+              <a:t>自动化部署</a:t>
             </a:r>
             <a:endParaRPr lang="zh-CN" altLang="en-US" dirty="0"/>
           </a:p>
@@ -30702,7 +27459,7 @@
     </p:spTree>
     <p:extLst>
       <p:ext uri="{BB962C8B-B14F-4D97-AF65-F5344CB8AC3E}">
-        <p14:creationId xmlns:p14="http://schemas.microsoft.com/office/powerpoint/2010/main" val="740622520"/>
+        <p14:creationId xmlns:p14="http://schemas.microsoft.com/office/powerpoint/2010/main" val="3240694380"/>
       </p:ext>
     </p:extLst>
   </p:cSld>
@@ -30753,6 +27510,137 @@
           <a:p>
             <a:r>
               <a:rPr lang="en-US" altLang="zh-CN" dirty="0" smtClean="0"/>
+              <a:t>PHP</a:t>
+            </a:r>
+            <a:r>
+              <a:rPr lang="zh-CN" altLang="en-US" dirty="0" smtClean="0"/>
+              <a:t>自动化构建工具</a:t>
+            </a:r>
+            <a:endParaRPr lang="zh-CN" altLang="en-US" dirty="0"/>
+          </a:p>
+        </p:txBody>
+      </p:sp>
+      <p:sp>
+        <p:nvSpPr>
+          <p:cNvPr id="3" name="内容占位符 2"/>
+          <p:cNvSpPr>
+            <a:spLocks noGrp="1"/>
+          </p:cNvSpPr>
+          <p:nvPr>
+            <p:ph idx="1"/>
+          </p:nvPr>
+        </p:nvSpPr>
+        <p:spPr/>
+        <p:txBody>
+          <a:bodyPr/>
+          <a:lstStyle/>
+          <a:p>
+            <a:r>
+              <a:rPr lang="en-US" altLang="zh-CN" dirty="0" err="1" smtClean="0"/>
+              <a:t>Phing</a:t>
+            </a:r>
+            <a:endParaRPr lang="en-US" altLang="zh-CN" dirty="0" smtClean="0"/>
+          </a:p>
+          <a:p>
+            <a:r>
+              <a:rPr lang="en-US" altLang="zh-CN" dirty="0" err="1" smtClean="0"/>
+              <a:t>Pdepend</a:t>
+            </a:r>
+            <a:endParaRPr lang="en-US" altLang="zh-CN" dirty="0" smtClean="0"/>
+          </a:p>
+          <a:p>
+            <a:r>
+              <a:rPr lang="en-US" altLang="zh-CN" dirty="0" smtClean="0"/>
+              <a:t>PHPCS</a:t>
+            </a:r>
+          </a:p>
+          <a:p>
+            <a:r>
+              <a:rPr lang="en-US" altLang="zh-CN" dirty="0" smtClean="0"/>
+              <a:t>PHPMD</a:t>
+            </a:r>
+          </a:p>
+          <a:p>
+            <a:r>
+              <a:rPr lang="en-US" altLang="zh-CN" dirty="0" smtClean="0"/>
+              <a:t>PHPLOC</a:t>
+            </a:r>
+          </a:p>
+          <a:p>
+            <a:r>
+              <a:rPr lang="en-US" altLang="zh-CN" dirty="0" smtClean="0"/>
+              <a:t>PHPCPD</a:t>
+            </a:r>
+          </a:p>
+          <a:p>
+            <a:r>
+              <a:rPr lang="en-US" altLang="zh-CN" dirty="0" smtClean="0"/>
+              <a:t>PHPDOX</a:t>
+            </a:r>
+          </a:p>
+          <a:p>
+            <a:r>
+              <a:rPr lang="en-US" altLang="zh-CN" dirty="0"/>
+              <a:t>PHPUNIT</a:t>
+            </a:r>
+            <a:endParaRPr lang="zh-CN" altLang="en-US" dirty="0"/>
+          </a:p>
+        </p:txBody>
+      </p:sp>
+    </p:spTree>
+    <p:extLst>
+      <p:ext uri="{BB962C8B-B14F-4D97-AF65-F5344CB8AC3E}">
+        <p14:creationId xmlns:p14="http://schemas.microsoft.com/office/powerpoint/2010/main" val="740622520"/>
+      </p:ext>
+    </p:extLst>
+  </p:cSld>
+  <p:clrMapOvr>
+    <a:masterClrMapping/>
+  </p:clrMapOvr>
+  <p:timing>
+    <p:tnLst>
+      <p:par>
+        <p:cTn id="1" dur="indefinite" restart="never" nodeType="tmRoot"/>
+      </p:par>
+    </p:tnLst>
+  </p:timing>
+</p:sld>
+</file>
+
+<file path=ppt/slides/slide24.xml><?xml version="1.0" encoding="utf-8"?>
+<p:sld xmlns:a="http://schemas.openxmlformats.org/drawingml/2006/main" xmlns:r="http://schemas.openxmlformats.org/officeDocument/2006/relationships" xmlns:p="http://schemas.openxmlformats.org/presentationml/2006/main">
+  <p:cSld>
+    <p:spTree>
+      <p:nvGrpSpPr>
+        <p:cNvPr id="1" name=""/>
+        <p:cNvGrpSpPr/>
+        <p:nvPr/>
+      </p:nvGrpSpPr>
+      <p:grpSpPr>
+        <a:xfrm>
+          <a:off x="0" y="0"/>
+          <a:ext cx="0" cy="0"/>
+          <a:chOff x="0" y="0"/>
+          <a:chExt cx="0" cy="0"/>
+        </a:xfrm>
+      </p:grpSpPr>
+      <p:sp>
+        <p:nvSpPr>
+          <p:cNvPr id="2" name="标题 1"/>
+          <p:cNvSpPr>
+            <a:spLocks noGrp="1"/>
+          </p:cNvSpPr>
+          <p:nvPr>
+            <p:ph type="title"/>
+          </p:nvPr>
+        </p:nvSpPr>
+        <p:spPr/>
+        <p:txBody>
+          <a:bodyPr/>
+          <a:lstStyle/>
+          <a:p>
+            <a:r>
+              <a:rPr lang="en-US" altLang="zh-CN" dirty="0" smtClean="0"/>
               <a:t>Jenkins</a:t>
             </a:r>
             <a:r>
@@ -30808,7 +27696,7 @@
 </p:sld>
 </file>
 
-<file path=ppt/slides/slide24.xml><?xml version="1.0" encoding="utf-8"?>
+<file path=ppt/slides/slide25.xml><?xml version="1.0" encoding="utf-8"?>
 <p:sld xmlns:a="http://schemas.openxmlformats.org/drawingml/2006/main" xmlns:r="http://schemas.openxmlformats.org/officeDocument/2006/relationships" xmlns:p="http://schemas.openxmlformats.org/presentationml/2006/main">
   <p:cSld>
     <p:spTree>
@@ -30897,141 +27785,6 @@
 </p:sld>
 </file>
 
-<file path=ppt/slides/slide25.xml><?xml version="1.0" encoding="utf-8"?>
-<p:sld xmlns:a="http://schemas.openxmlformats.org/drawingml/2006/main" xmlns:r="http://schemas.openxmlformats.org/officeDocument/2006/relationships" xmlns:p="http://schemas.openxmlformats.org/presentationml/2006/main">
-  <p:cSld>
-    <p:spTree>
-      <p:nvGrpSpPr>
-        <p:cNvPr id="1" name=""/>
-        <p:cNvGrpSpPr/>
-        <p:nvPr/>
-      </p:nvGrpSpPr>
-      <p:grpSpPr>
-        <a:xfrm>
-          <a:off x="0" y="0"/>
-          <a:ext cx="0" cy="0"/>
-          <a:chOff x="0" y="0"/>
-          <a:chExt cx="0" cy="0"/>
-        </a:xfrm>
-      </p:grpSpPr>
-      <p:sp>
-        <p:nvSpPr>
-          <p:cNvPr id="2" name="标题 1"/>
-          <p:cNvSpPr>
-            <a:spLocks noGrp="1"/>
-          </p:cNvSpPr>
-          <p:nvPr>
-            <p:ph type="title"/>
-          </p:nvPr>
-        </p:nvSpPr>
-        <p:spPr/>
-        <p:txBody>
-          <a:bodyPr/>
-          <a:lstStyle/>
-          <a:p>
-            <a:r>
-              <a:rPr lang="en-US" altLang="zh-CN" dirty="0" smtClean="0"/>
-              <a:t>Jenkins</a:t>
-            </a:r>
-            <a:r>
-              <a:rPr lang="zh-CN" altLang="en-US" dirty="0" smtClean="0"/>
-              <a:t>插件</a:t>
-            </a:r>
-            <a:endParaRPr lang="zh-CN" altLang="en-US" dirty="0"/>
-          </a:p>
-        </p:txBody>
-      </p:sp>
-      <p:sp>
-        <p:nvSpPr>
-          <p:cNvPr id="3" name="内容占位符 2"/>
-          <p:cNvSpPr>
-            <a:spLocks noGrp="1"/>
-          </p:cNvSpPr>
-          <p:nvPr>
-            <p:ph idx="1"/>
-          </p:nvPr>
-        </p:nvSpPr>
-        <p:spPr/>
-        <p:txBody>
-          <a:bodyPr/>
-          <a:lstStyle/>
-          <a:p>
-            <a:r>
-              <a:rPr lang="en-US" altLang="zh-CN" dirty="0" err="1" smtClean="0"/>
-              <a:t>Checkstyle</a:t>
-            </a:r>
-            <a:endParaRPr lang="en-US" altLang="zh-CN" dirty="0" smtClean="0"/>
-          </a:p>
-          <a:p>
-            <a:r>
-              <a:rPr lang="en-US" altLang="zh-CN" dirty="0" smtClean="0"/>
-              <a:t>DRY</a:t>
-            </a:r>
-          </a:p>
-          <a:p>
-            <a:r>
-              <a:rPr lang="en-US" altLang="zh-CN" dirty="0"/>
-              <a:t>HTML Publisher </a:t>
-            </a:r>
-            <a:endParaRPr lang="en-US" altLang="zh-CN" dirty="0" smtClean="0"/>
-          </a:p>
-          <a:p>
-            <a:r>
-              <a:rPr lang="en-US" altLang="zh-CN" dirty="0" err="1" smtClean="0"/>
-              <a:t>Jdepend</a:t>
-            </a:r>
-            <a:endParaRPr lang="en-US" altLang="zh-CN" dirty="0" smtClean="0"/>
-          </a:p>
-          <a:p>
-            <a:r>
-              <a:rPr lang="en-US" altLang="zh-CN" dirty="0"/>
-              <a:t>Plot </a:t>
-            </a:r>
-            <a:endParaRPr lang="en-US" altLang="zh-CN" dirty="0" smtClean="0"/>
-          </a:p>
-          <a:p>
-            <a:r>
-              <a:rPr lang="en-US" altLang="zh-CN" dirty="0"/>
-              <a:t>PMD </a:t>
-            </a:r>
-            <a:endParaRPr lang="en-US" altLang="zh-CN" dirty="0" smtClean="0"/>
-          </a:p>
-          <a:p>
-            <a:r>
-              <a:rPr lang="en-US" altLang="zh-CN" dirty="0"/>
-              <a:t>Clover PHP </a:t>
-            </a:r>
-            <a:endParaRPr lang="en-US" altLang="zh-CN" dirty="0" smtClean="0"/>
-          </a:p>
-          <a:p>
-            <a:r>
-              <a:rPr lang="en-US" altLang="zh-CN" dirty="0"/>
-              <a:t>Crap4J </a:t>
-            </a:r>
-            <a:endParaRPr lang="zh-CN" altLang="en-US" dirty="0"/>
-          </a:p>
-        </p:txBody>
-      </p:sp>
-    </p:spTree>
-    <p:extLst>
-      <p:ext uri="{BB962C8B-B14F-4D97-AF65-F5344CB8AC3E}">
-        <p14:creationId xmlns:p14="http://schemas.microsoft.com/office/powerpoint/2010/main" val="2511627016"/>
-      </p:ext>
-    </p:extLst>
-  </p:cSld>
-  <p:clrMapOvr>
-    <a:masterClrMapping/>
-  </p:clrMapOvr>
-  <p:timing>
-    <p:tnLst>
-      <p:par>
-        <p:cTn id="1" dur="indefinite" restart="never" nodeType="tmRoot"/>
-      </p:par>
-    </p:tnLst>
-  </p:timing>
-</p:sld>
-</file>
-
 <file path=ppt/slides/slide26.xml><?xml version="1.0" encoding="utf-8"?>
 <p:sld xmlns:a="http://schemas.openxmlformats.org/drawingml/2006/main" xmlns:r="http://schemas.openxmlformats.org/officeDocument/2006/relationships" xmlns:p="http://schemas.openxmlformats.org/presentationml/2006/main">
   <p:cSld>
@@ -31065,8 +27818,12 @@
           <a:lstStyle/>
           <a:p>
             <a:r>
+              <a:rPr lang="en-US" altLang="zh-CN" dirty="0" smtClean="0"/>
+              <a:t>Jenkins</a:t>
+            </a:r>
+            <a:r>
               <a:rPr lang="zh-CN" altLang="en-US" dirty="0" smtClean="0"/>
-              <a:t>自动化部署</a:t>
+              <a:t>插件</a:t>
             </a:r>
             <a:endParaRPr lang="zh-CN" altLang="en-US" dirty="0"/>
           </a:p>
@@ -31089,14 +27846,55 @@
           <a:p>
             <a:r>
               <a:rPr lang="en-US" altLang="zh-CN" dirty="0" err="1" smtClean="0"/>
-              <a:t>Ansible</a:t>
+              <a:t>Checkstyle</a:t>
             </a:r>
             <a:endParaRPr lang="en-US" altLang="zh-CN" dirty="0" smtClean="0"/>
           </a:p>
           <a:p>
             <a:r>
+              <a:rPr lang="en-US" altLang="zh-CN" dirty="0" smtClean="0"/>
+              <a:t>DRY</a:t>
+            </a:r>
+          </a:p>
+          <a:p>
+            <a:r>
+              <a:rPr lang="en-US" altLang="zh-CN" dirty="0"/>
+              <a:t>HTML Publisher </a:t>
+            </a:r>
+            <a:endParaRPr lang="en-US" altLang="zh-CN" dirty="0" smtClean="0"/>
+          </a:p>
+          <a:p>
+            <a:r>
               <a:rPr lang="en-US" altLang="zh-CN" dirty="0" err="1" smtClean="0"/>
-              <a:t>Docker</a:t>
+              <a:t>Jdepend</a:t>
+            </a:r>
+            <a:endParaRPr lang="en-US" altLang="zh-CN" dirty="0" smtClean="0"/>
+          </a:p>
+          <a:p>
+            <a:r>
+              <a:rPr lang="en-US" altLang="zh-CN" dirty="0"/>
+              <a:t>Plot </a:t>
+            </a:r>
+            <a:endParaRPr lang="en-US" altLang="zh-CN" dirty="0" smtClean="0"/>
+          </a:p>
+          <a:p>
+            <a:r>
+              <a:rPr lang="en-US" altLang="zh-CN" dirty="0"/>
+              <a:t>PMD </a:t>
+            </a:r>
+            <a:endParaRPr lang="en-US" altLang="zh-CN" dirty="0" smtClean="0"/>
+          </a:p>
+          <a:p>
+            <a:r>
+              <a:rPr lang="en-US" altLang="zh-CN" dirty="0"/>
+              <a:t>Clover PHP </a:t>
+            </a:r>
+            <a:endParaRPr lang="en-US" altLang="zh-CN" dirty="0" smtClean="0"/>
+          </a:p>
+          <a:p>
+            <a:r>
+              <a:rPr lang="en-US" altLang="zh-CN" dirty="0"/>
+              <a:t>Crap4J </a:t>
             </a:r>
             <a:endParaRPr lang="zh-CN" altLang="en-US" dirty="0"/>
           </a:p>
@@ -31105,7 +27903,7 @@
     </p:spTree>
     <p:extLst>
       <p:ext uri="{BB962C8B-B14F-4D97-AF65-F5344CB8AC3E}">
-        <p14:creationId xmlns:p14="http://schemas.microsoft.com/office/powerpoint/2010/main" val="4077508721"/>
+        <p14:creationId xmlns:p14="http://schemas.microsoft.com/office/powerpoint/2010/main" val="2511627016"/>
       </p:ext>
     </p:extLst>
   </p:cSld>
@@ -31155,6 +27953,96 @@
           <a:lstStyle/>
           <a:p>
             <a:r>
+              <a:rPr lang="zh-CN" altLang="en-US" dirty="0" smtClean="0"/>
+              <a:t>自动化部署</a:t>
+            </a:r>
+            <a:endParaRPr lang="zh-CN" altLang="en-US" dirty="0"/>
+          </a:p>
+        </p:txBody>
+      </p:sp>
+      <p:sp>
+        <p:nvSpPr>
+          <p:cNvPr id="3" name="内容占位符 2"/>
+          <p:cNvSpPr>
+            <a:spLocks noGrp="1"/>
+          </p:cNvSpPr>
+          <p:nvPr>
+            <p:ph idx="1"/>
+          </p:nvPr>
+        </p:nvSpPr>
+        <p:spPr/>
+        <p:txBody>
+          <a:bodyPr/>
+          <a:lstStyle/>
+          <a:p>
+            <a:r>
+              <a:rPr lang="en-US" altLang="zh-CN" dirty="0" err="1" smtClean="0"/>
+              <a:t>Ansible</a:t>
+            </a:r>
+            <a:endParaRPr lang="en-US" altLang="zh-CN" dirty="0" smtClean="0"/>
+          </a:p>
+          <a:p>
+            <a:r>
+              <a:rPr lang="en-US" altLang="zh-CN" dirty="0" err="1" smtClean="0"/>
+              <a:t>Docker</a:t>
+            </a:r>
+            <a:endParaRPr lang="zh-CN" altLang="en-US" dirty="0"/>
+          </a:p>
+        </p:txBody>
+      </p:sp>
+    </p:spTree>
+    <p:extLst>
+      <p:ext uri="{BB962C8B-B14F-4D97-AF65-F5344CB8AC3E}">
+        <p14:creationId xmlns:p14="http://schemas.microsoft.com/office/powerpoint/2010/main" val="4077508721"/>
+      </p:ext>
+    </p:extLst>
+  </p:cSld>
+  <p:clrMapOvr>
+    <a:masterClrMapping/>
+  </p:clrMapOvr>
+  <p:timing>
+    <p:tnLst>
+      <p:par>
+        <p:cTn id="1" dur="indefinite" restart="never" nodeType="tmRoot"/>
+      </p:par>
+    </p:tnLst>
+  </p:timing>
+</p:sld>
+</file>
+
+<file path=ppt/slides/slide28.xml><?xml version="1.0" encoding="utf-8"?>
+<p:sld xmlns:a="http://schemas.openxmlformats.org/drawingml/2006/main" xmlns:r="http://schemas.openxmlformats.org/officeDocument/2006/relationships" xmlns:p="http://schemas.openxmlformats.org/presentationml/2006/main">
+  <p:cSld>
+    <p:spTree>
+      <p:nvGrpSpPr>
+        <p:cNvPr id="1" name=""/>
+        <p:cNvGrpSpPr/>
+        <p:nvPr/>
+      </p:nvGrpSpPr>
+      <p:grpSpPr>
+        <a:xfrm>
+          <a:off x="0" y="0"/>
+          <a:ext cx="0" cy="0"/>
+          <a:chOff x="0" y="0"/>
+          <a:chExt cx="0" cy="0"/>
+        </a:xfrm>
+      </p:grpSpPr>
+      <p:sp>
+        <p:nvSpPr>
+          <p:cNvPr id="2" name="标题 1"/>
+          <p:cNvSpPr>
+            <a:spLocks noGrp="1"/>
+          </p:cNvSpPr>
+          <p:nvPr>
+            <p:ph type="title"/>
+          </p:nvPr>
+        </p:nvSpPr>
+        <p:spPr/>
+        <p:txBody>
+          <a:bodyPr/>
+          <a:lstStyle/>
+          <a:p>
+            <a:r>
               <a:rPr lang="zh-CN" altLang="en-US" dirty="0"/>
               <a:t>待</a:t>
             </a:r>
@@ -31233,7 +28121,7 @@
 </p:sld>
 </file>
 
-<file path=ppt/slides/slide28.xml><?xml version="1.0" encoding="utf-8"?>
+<file path=ppt/slides/slide29.xml><?xml version="1.0" encoding="utf-8"?>
 <p:sld xmlns:a="http://schemas.openxmlformats.org/drawingml/2006/main" xmlns:r="http://schemas.openxmlformats.org/officeDocument/2006/relationships" xmlns:p="http://schemas.openxmlformats.org/presentationml/2006/main">
   <p:cSld>
     <p:spTree>

--- a/20180428 满鸿 持续集成[CI].pptx
+++ b/20180428 满鸿 持续集成[CI].pptx
@@ -5769,6 +5769,890 @@
       <dsp:cNvGrpSpPr/>
     </dsp:nvGrpSpPr>
     <dsp:grpSpPr/>
+    <dsp:sp modelId="{E921D766-407C-4739-B6BD-3BA9DA31B585}">
+      <dsp:nvSpPr>
+        <dsp:cNvPr id="0" name=""/>
+        <dsp:cNvSpPr/>
+      </dsp:nvSpPr>
+      <dsp:spPr>
+        <a:xfrm>
+          <a:off x="540131" y="0"/>
+          <a:ext cx="700735" cy="700735"/>
+        </a:xfrm>
+        <a:prstGeom prst="ellipse">
+          <a:avLst/>
+        </a:prstGeom>
+        <a:solidFill>
+          <a:schemeClr val="accent2">
+            <a:tint val="40000"/>
+            <a:hueOff val="0"/>
+            <a:satOff val="0"/>
+            <a:lumOff val="0"/>
+            <a:alphaOff val="0"/>
+          </a:schemeClr>
+        </a:solidFill>
+        <a:ln>
+          <a:noFill/>
+        </a:ln>
+        <a:effectLst/>
+      </dsp:spPr>
+      <dsp:style>
+        <a:lnRef idx="0">
+          <a:scrgbClr r="0" g="0" b="0"/>
+        </a:lnRef>
+        <a:fillRef idx="1">
+          <a:scrgbClr r="0" g="0" b="0"/>
+        </a:fillRef>
+        <a:effectRef idx="1">
+          <a:scrgbClr r="0" g="0" b="0"/>
+        </a:effectRef>
+        <a:fontRef idx="minor"/>
+      </dsp:style>
+    </dsp:sp>
+    <dsp:sp modelId="{181D4155-1DDF-4A49-B2C3-A06495DC5DE1}">
+      <dsp:nvSpPr>
+        <dsp:cNvPr id="0" name=""/>
+        <dsp:cNvSpPr/>
+      </dsp:nvSpPr>
+      <dsp:spPr>
+        <a:xfrm>
+          <a:off x="610205" y="70073"/>
+          <a:ext cx="560588" cy="560588"/>
+        </a:xfrm>
+        <a:prstGeom prst="chord">
+          <a:avLst>
+            <a:gd name="adj1" fmla="val 1168272"/>
+            <a:gd name="adj2" fmla="val 9631728"/>
+          </a:avLst>
+        </a:prstGeom>
+        <a:gradFill rotWithShape="0">
+          <a:gsLst>
+            <a:gs pos="0">
+              <a:schemeClr val="accent2">
+                <a:hueOff val="0"/>
+                <a:satOff val="0"/>
+                <a:lumOff val="0"/>
+                <a:alphaOff val="0"/>
+                <a:tint val="70000"/>
+                <a:lumMod val="110000"/>
+              </a:schemeClr>
+            </a:gs>
+            <a:gs pos="100000">
+              <a:schemeClr val="accent2">
+                <a:hueOff val="0"/>
+                <a:satOff val="0"/>
+                <a:lumOff val="0"/>
+                <a:alphaOff val="0"/>
+                <a:tint val="82000"/>
+                <a:alpha val="74000"/>
+              </a:schemeClr>
+            </a:gs>
+          </a:gsLst>
+          <a:lin ang="5400000" scaled="0"/>
+        </a:gradFill>
+        <a:ln w="9525" cap="rnd" cmpd="sng" algn="ctr">
+          <a:solidFill>
+            <a:schemeClr val="accent2">
+              <a:hueOff val="0"/>
+              <a:satOff val="0"/>
+              <a:lumOff val="0"/>
+              <a:alphaOff val="0"/>
+            </a:schemeClr>
+          </a:solidFill>
+          <a:prstDash val="solid"/>
+        </a:ln>
+        <a:effectLst/>
+      </dsp:spPr>
+      <dsp:style>
+        <a:lnRef idx="1">
+          <a:scrgbClr r="0" g="0" b="0"/>
+        </a:lnRef>
+        <a:fillRef idx="2">
+          <a:scrgbClr r="0" g="0" b="0"/>
+        </a:fillRef>
+        <a:effectRef idx="1">
+          <a:scrgbClr r="0" g="0" b="0"/>
+        </a:effectRef>
+        <a:fontRef idx="minor">
+          <a:schemeClr val="dk1"/>
+        </a:fontRef>
+      </dsp:style>
+    </dsp:sp>
+    <dsp:sp modelId="{3EF4BB4C-CF40-4FAE-8043-F9A113C2CD0A}">
+      <dsp:nvSpPr>
+        <dsp:cNvPr id="0" name=""/>
+        <dsp:cNvSpPr/>
+      </dsp:nvSpPr>
+      <dsp:spPr>
+        <a:xfrm>
+          <a:off x="1386853" y="700735"/>
+          <a:ext cx="2073008" cy="2948926"/>
+        </a:xfrm>
+        <a:prstGeom prst="rect">
+          <a:avLst/>
+        </a:prstGeom>
+        <a:noFill/>
+        <a:ln>
+          <a:noFill/>
+        </a:ln>
+        <a:effectLst/>
+      </dsp:spPr>
+      <dsp:style>
+        <a:lnRef idx="0">
+          <a:scrgbClr r="0" g="0" b="0"/>
+        </a:lnRef>
+        <a:fillRef idx="0">
+          <a:scrgbClr r="0" g="0" b="0"/>
+        </a:fillRef>
+        <a:effectRef idx="0">
+          <a:scrgbClr r="0" g="0" b="0"/>
+        </a:effectRef>
+        <a:fontRef idx="minor"/>
+      </dsp:style>
+      <dsp:txBody>
+        <a:bodyPr spcFirstLastPara="0" vert="horz" wrap="square" lIns="68580" tIns="68580" rIns="68580" bIns="68580" numCol="1" spcCol="1270" anchor="t" anchorCtr="0">
+          <a:noAutofit/>
+        </a:bodyPr>
+        <a:lstStyle/>
+        <a:p>
+          <a:pPr lvl="0" algn="l" defTabSz="1200150">
+            <a:lnSpc>
+              <a:spcPct val="90000"/>
+            </a:lnSpc>
+            <a:spcBef>
+              <a:spcPct val="0"/>
+            </a:spcBef>
+            <a:spcAft>
+              <a:spcPct val="35000"/>
+            </a:spcAft>
+          </a:pPr>
+          <a:r>
+            <a:rPr lang="zh-CN" altLang="en-US" sz="2700" kern="1200" dirty="0" smtClean="0"/>
+            <a:t>版本库插件</a:t>
+          </a:r>
+          <a:endParaRPr lang="zh-CN" altLang="en-US" sz="2700" kern="1200" dirty="0"/>
+        </a:p>
+        <a:p>
+          <a:pPr marL="228600" lvl="1" indent="-228600" algn="l" defTabSz="933450">
+            <a:lnSpc>
+              <a:spcPct val="90000"/>
+            </a:lnSpc>
+            <a:spcBef>
+              <a:spcPct val="0"/>
+            </a:spcBef>
+            <a:spcAft>
+              <a:spcPct val="15000"/>
+            </a:spcAft>
+            <a:buChar char="••"/>
+          </a:pPr>
+          <a:r>
+            <a:rPr lang="en-US" altLang="zh-CN" sz="2100" kern="1200" dirty="0" err="1" smtClean="0"/>
+            <a:t>Git</a:t>
+          </a:r>
+          <a:endParaRPr lang="zh-CN" altLang="en-US" sz="2100" kern="1200" dirty="0"/>
+        </a:p>
+        <a:p>
+          <a:pPr marL="228600" lvl="1" indent="-228600" algn="l" defTabSz="933450">
+            <a:lnSpc>
+              <a:spcPct val="90000"/>
+            </a:lnSpc>
+            <a:spcBef>
+              <a:spcPct val="0"/>
+            </a:spcBef>
+            <a:spcAft>
+              <a:spcPct val="15000"/>
+            </a:spcAft>
+            <a:buChar char="••"/>
+          </a:pPr>
+          <a:r>
+            <a:rPr lang="en-US" altLang="zh-CN" sz="2100" kern="1200" dirty="0" smtClean="0"/>
+            <a:t>SVN</a:t>
+          </a:r>
+          <a:endParaRPr lang="zh-CN" altLang="en-US" sz="2100" kern="1200" dirty="0"/>
+        </a:p>
+      </dsp:txBody>
+      <dsp:txXfrm>
+        <a:off x="1386853" y="700735"/>
+        <a:ext cx="2073008" cy="2948926"/>
+      </dsp:txXfrm>
+    </dsp:sp>
+    <dsp:sp modelId="{290720F7-5C8D-4795-83FE-CACA63FEF398}">
+      <dsp:nvSpPr>
+        <dsp:cNvPr id="0" name=""/>
+        <dsp:cNvSpPr/>
+      </dsp:nvSpPr>
+      <dsp:spPr>
+        <a:xfrm>
+          <a:off x="1386853" y="0"/>
+          <a:ext cx="2073008" cy="700735"/>
+        </a:xfrm>
+        <a:prstGeom prst="rect">
+          <a:avLst/>
+        </a:prstGeom>
+        <a:noFill/>
+        <a:ln>
+          <a:noFill/>
+        </a:ln>
+        <a:effectLst/>
+      </dsp:spPr>
+      <dsp:style>
+        <a:lnRef idx="0">
+          <a:scrgbClr r="0" g="0" b="0"/>
+        </a:lnRef>
+        <a:fillRef idx="0">
+          <a:scrgbClr r="0" g="0" b="0"/>
+        </a:fillRef>
+        <a:effectRef idx="0">
+          <a:scrgbClr r="0" g="0" b="0"/>
+        </a:effectRef>
+        <a:fontRef idx="minor"/>
+      </dsp:style>
+      <dsp:txBody>
+        <a:bodyPr spcFirstLastPara="0" vert="horz" wrap="square" lIns="88900" tIns="88900" rIns="88900" bIns="88900" numCol="1" spcCol="1270" anchor="b" anchorCtr="0">
+          <a:noAutofit/>
+        </a:bodyPr>
+        <a:lstStyle/>
+        <a:p>
+          <a:pPr lvl="0" algn="l" defTabSz="1555750">
+            <a:lnSpc>
+              <a:spcPct val="90000"/>
+            </a:lnSpc>
+            <a:spcBef>
+              <a:spcPct val="0"/>
+            </a:spcBef>
+            <a:spcAft>
+              <a:spcPct val="35000"/>
+            </a:spcAft>
+          </a:pPr>
+          <a:r>
+            <a:rPr lang="zh-CN" altLang="en-US" sz="3500" kern="1200" dirty="0" smtClean="0"/>
+            <a:t>检出代码</a:t>
+          </a:r>
+          <a:endParaRPr lang="zh-CN" altLang="en-US" sz="3500" kern="1200" dirty="0"/>
+        </a:p>
+      </dsp:txBody>
+      <dsp:txXfrm>
+        <a:off x="1386853" y="0"/>
+        <a:ext cx="2073008" cy="700735"/>
+      </dsp:txXfrm>
+    </dsp:sp>
+    <dsp:sp modelId="{4A50AA1D-2DA7-43E3-B527-992849A0B3B0}">
+      <dsp:nvSpPr>
+        <dsp:cNvPr id="0" name=""/>
+        <dsp:cNvSpPr/>
+      </dsp:nvSpPr>
+      <dsp:spPr>
+        <a:xfrm>
+          <a:off x="3605847" y="0"/>
+          <a:ext cx="700735" cy="700735"/>
+        </a:xfrm>
+        <a:prstGeom prst="ellipse">
+          <a:avLst/>
+        </a:prstGeom>
+        <a:solidFill>
+          <a:schemeClr val="accent2">
+            <a:tint val="40000"/>
+            <a:hueOff val="0"/>
+            <a:satOff val="0"/>
+            <a:lumOff val="0"/>
+            <a:alphaOff val="0"/>
+          </a:schemeClr>
+        </a:solidFill>
+        <a:ln>
+          <a:noFill/>
+        </a:ln>
+        <a:effectLst/>
+      </dsp:spPr>
+      <dsp:style>
+        <a:lnRef idx="0">
+          <a:scrgbClr r="0" g="0" b="0"/>
+        </a:lnRef>
+        <a:fillRef idx="1">
+          <a:scrgbClr r="0" g="0" b="0"/>
+        </a:fillRef>
+        <a:effectRef idx="1">
+          <a:scrgbClr r="0" g="0" b="0"/>
+        </a:effectRef>
+        <a:fontRef idx="minor"/>
+      </dsp:style>
+    </dsp:sp>
+    <dsp:sp modelId="{EB18BEF2-450D-4715-A619-1DE031E80D4B}">
+      <dsp:nvSpPr>
+        <dsp:cNvPr id="0" name=""/>
+        <dsp:cNvSpPr/>
+      </dsp:nvSpPr>
+      <dsp:spPr>
+        <a:xfrm>
+          <a:off x="3675921" y="70073"/>
+          <a:ext cx="560588" cy="560588"/>
+        </a:xfrm>
+        <a:prstGeom prst="chord">
+          <a:avLst>
+            <a:gd name="adj1" fmla="val 20431728"/>
+            <a:gd name="adj2" fmla="val 11968272"/>
+          </a:avLst>
+        </a:prstGeom>
+        <a:gradFill rotWithShape="0">
+          <a:gsLst>
+            <a:gs pos="0">
+              <a:schemeClr val="accent2">
+                <a:hueOff val="-1555074"/>
+                <a:satOff val="-8227"/>
+                <a:lumOff val="-3137"/>
+                <a:alphaOff val="0"/>
+                <a:tint val="70000"/>
+                <a:lumMod val="110000"/>
+              </a:schemeClr>
+            </a:gs>
+            <a:gs pos="100000">
+              <a:schemeClr val="accent2">
+                <a:hueOff val="-1555074"/>
+                <a:satOff val="-8227"/>
+                <a:lumOff val="-3137"/>
+                <a:alphaOff val="0"/>
+                <a:tint val="82000"/>
+                <a:alpha val="74000"/>
+              </a:schemeClr>
+            </a:gs>
+          </a:gsLst>
+          <a:lin ang="5400000" scaled="0"/>
+        </a:gradFill>
+        <a:ln w="9525" cap="rnd" cmpd="sng" algn="ctr">
+          <a:solidFill>
+            <a:schemeClr val="accent2">
+              <a:hueOff val="-1555074"/>
+              <a:satOff val="-8227"/>
+              <a:lumOff val="-3137"/>
+              <a:alphaOff val="0"/>
+            </a:schemeClr>
+          </a:solidFill>
+          <a:prstDash val="solid"/>
+        </a:ln>
+        <a:effectLst/>
+      </dsp:spPr>
+      <dsp:style>
+        <a:lnRef idx="1">
+          <a:scrgbClr r="0" g="0" b="0"/>
+        </a:lnRef>
+        <a:fillRef idx="2">
+          <a:scrgbClr r="0" g="0" b="0"/>
+        </a:fillRef>
+        <a:effectRef idx="1">
+          <a:scrgbClr r="0" g="0" b="0"/>
+        </a:effectRef>
+        <a:fontRef idx="minor">
+          <a:schemeClr val="dk1"/>
+        </a:fontRef>
+      </dsp:style>
+    </dsp:sp>
+    <dsp:sp modelId="{65E9E6D8-F0C9-481F-964B-E157591E177F}">
+      <dsp:nvSpPr>
+        <dsp:cNvPr id="0" name=""/>
+        <dsp:cNvSpPr/>
+      </dsp:nvSpPr>
+      <dsp:spPr>
+        <a:xfrm>
+          <a:off x="4452569" y="700735"/>
+          <a:ext cx="2073008" cy="2948926"/>
+        </a:xfrm>
+        <a:prstGeom prst="rect">
+          <a:avLst/>
+        </a:prstGeom>
+        <a:noFill/>
+        <a:ln>
+          <a:noFill/>
+        </a:ln>
+        <a:effectLst/>
+      </dsp:spPr>
+      <dsp:style>
+        <a:lnRef idx="0">
+          <a:scrgbClr r="0" g="0" b="0"/>
+        </a:lnRef>
+        <a:fillRef idx="0">
+          <a:scrgbClr r="0" g="0" b="0"/>
+        </a:fillRef>
+        <a:effectRef idx="0">
+          <a:scrgbClr r="0" g="0" b="0"/>
+        </a:effectRef>
+        <a:fontRef idx="minor"/>
+      </dsp:style>
+      <dsp:txBody>
+        <a:bodyPr spcFirstLastPara="0" vert="horz" wrap="square" lIns="68580" tIns="68580" rIns="68580" bIns="68580" numCol="1" spcCol="1270" anchor="t" anchorCtr="0">
+          <a:noAutofit/>
+        </a:bodyPr>
+        <a:lstStyle/>
+        <a:p>
+          <a:pPr lvl="0" algn="l" defTabSz="1200150">
+            <a:lnSpc>
+              <a:spcPct val="90000"/>
+            </a:lnSpc>
+            <a:spcBef>
+              <a:spcPct val="0"/>
+            </a:spcBef>
+            <a:spcAft>
+              <a:spcPct val="35000"/>
+            </a:spcAft>
+          </a:pPr>
+          <a:r>
+            <a:rPr lang="zh-CN" altLang="en-US" sz="2700" kern="1200" dirty="0" smtClean="0"/>
+            <a:t>构建插件</a:t>
+          </a:r>
+          <a:endParaRPr lang="zh-CN" altLang="en-US" sz="2700" kern="1200" dirty="0"/>
+        </a:p>
+        <a:p>
+          <a:pPr marL="228600" lvl="1" indent="-228600" algn="l" defTabSz="933450">
+            <a:lnSpc>
+              <a:spcPct val="90000"/>
+            </a:lnSpc>
+            <a:spcBef>
+              <a:spcPct val="0"/>
+            </a:spcBef>
+            <a:spcAft>
+              <a:spcPct val="15000"/>
+            </a:spcAft>
+            <a:buChar char="••"/>
+          </a:pPr>
+          <a:r>
+            <a:rPr lang="en-US" altLang="zh-CN" sz="2100" kern="1200" dirty="0" err="1" smtClean="0"/>
+            <a:t>Phing</a:t>
+          </a:r>
+          <a:endParaRPr lang="zh-CN" altLang="en-US" sz="2100" kern="1200" dirty="0"/>
+        </a:p>
+        <a:p>
+          <a:pPr marL="228600" lvl="1" indent="-228600" algn="l" defTabSz="933450">
+            <a:lnSpc>
+              <a:spcPct val="90000"/>
+            </a:lnSpc>
+            <a:spcBef>
+              <a:spcPct val="0"/>
+            </a:spcBef>
+            <a:spcAft>
+              <a:spcPct val="15000"/>
+            </a:spcAft>
+            <a:buChar char="••"/>
+          </a:pPr>
+          <a:r>
+            <a:rPr lang="en-US" altLang="zh-CN" sz="2100" kern="1200" dirty="0" smtClean="0"/>
+            <a:t>PHPCS</a:t>
+          </a:r>
+          <a:endParaRPr lang="zh-CN" altLang="en-US" sz="2100" kern="1200" dirty="0"/>
+        </a:p>
+      </dsp:txBody>
+      <dsp:txXfrm>
+        <a:off x="4452569" y="700735"/>
+        <a:ext cx="2073008" cy="2948926"/>
+      </dsp:txXfrm>
+    </dsp:sp>
+    <dsp:sp modelId="{958EC24F-3D2F-416C-9868-843774FA3604}">
+      <dsp:nvSpPr>
+        <dsp:cNvPr id="0" name=""/>
+        <dsp:cNvSpPr/>
+      </dsp:nvSpPr>
+      <dsp:spPr>
+        <a:xfrm>
+          <a:off x="4452569" y="0"/>
+          <a:ext cx="2073008" cy="700735"/>
+        </a:xfrm>
+        <a:prstGeom prst="rect">
+          <a:avLst/>
+        </a:prstGeom>
+        <a:noFill/>
+        <a:ln>
+          <a:noFill/>
+        </a:ln>
+        <a:effectLst/>
+      </dsp:spPr>
+      <dsp:style>
+        <a:lnRef idx="0">
+          <a:scrgbClr r="0" g="0" b="0"/>
+        </a:lnRef>
+        <a:fillRef idx="0">
+          <a:scrgbClr r="0" g="0" b="0"/>
+        </a:fillRef>
+        <a:effectRef idx="0">
+          <a:scrgbClr r="0" g="0" b="0"/>
+        </a:effectRef>
+        <a:fontRef idx="minor"/>
+      </dsp:style>
+      <dsp:txBody>
+        <a:bodyPr spcFirstLastPara="0" vert="horz" wrap="square" lIns="88900" tIns="88900" rIns="88900" bIns="88900" numCol="1" spcCol="1270" anchor="b" anchorCtr="0">
+          <a:noAutofit/>
+        </a:bodyPr>
+        <a:lstStyle/>
+        <a:p>
+          <a:pPr lvl="0" algn="l" defTabSz="1555750">
+            <a:lnSpc>
+              <a:spcPct val="90000"/>
+            </a:lnSpc>
+            <a:spcBef>
+              <a:spcPct val="0"/>
+            </a:spcBef>
+            <a:spcAft>
+              <a:spcPct val="35000"/>
+            </a:spcAft>
+          </a:pPr>
+          <a:r>
+            <a:rPr lang="zh-CN" altLang="en-US" sz="3500" kern="1200" dirty="0" smtClean="0"/>
+            <a:t>构建</a:t>
+          </a:r>
+          <a:endParaRPr lang="zh-CN" altLang="en-US" sz="3500" kern="1200" dirty="0"/>
+        </a:p>
+      </dsp:txBody>
+      <dsp:txXfrm>
+        <a:off x="4452569" y="0"/>
+        <a:ext cx="2073008" cy="700735"/>
+      </dsp:txXfrm>
+    </dsp:sp>
+    <dsp:sp modelId="{624305A5-91C6-4EE4-95AD-42BB0BADA751}">
+      <dsp:nvSpPr>
+        <dsp:cNvPr id="0" name=""/>
+        <dsp:cNvSpPr/>
+      </dsp:nvSpPr>
+      <dsp:spPr>
+        <a:xfrm>
+          <a:off x="6671563" y="0"/>
+          <a:ext cx="700735" cy="700735"/>
+        </a:xfrm>
+        <a:prstGeom prst="ellipse">
+          <a:avLst/>
+        </a:prstGeom>
+        <a:solidFill>
+          <a:schemeClr val="accent2">
+            <a:tint val="40000"/>
+            <a:hueOff val="0"/>
+            <a:satOff val="0"/>
+            <a:lumOff val="0"/>
+            <a:alphaOff val="0"/>
+          </a:schemeClr>
+        </a:solidFill>
+        <a:ln>
+          <a:noFill/>
+        </a:ln>
+        <a:effectLst/>
+      </dsp:spPr>
+      <dsp:style>
+        <a:lnRef idx="0">
+          <a:scrgbClr r="0" g="0" b="0"/>
+        </a:lnRef>
+        <a:fillRef idx="1">
+          <a:scrgbClr r="0" g="0" b="0"/>
+        </a:fillRef>
+        <a:effectRef idx="1">
+          <a:scrgbClr r="0" g="0" b="0"/>
+        </a:effectRef>
+        <a:fontRef idx="minor"/>
+      </dsp:style>
+    </dsp:sp>
+    <dsp:sp modelId="{02C40580-DA68-4488-8610-3F0FC983DF05}">
+      <dsp:nvSpPr>
+        <dsp:cNvPr id="0" name=""/>
+        <dsp:cNvSpPr/>
+      </dsp:nvSpPr>
+      <dsp:spPr>
+        <a:xfrm>
+          <a:off x="6741637" y="70073"/>
+          <a:ext cx="560588" cy="560588"/>
+        </a:xfrm>
+        <a:prstGeom prst="chord">
+          <a:avLst>
+            <a:gd name="adj1" fmla="val 16200000"/>
+            <a:gd name="adj2" fmla="val 16200000"/>
+          </a:avLst>
+        </a:prstGeom>
+        <a:gradFill rotWithShape="0">
+          <a:gsLst>
+            <a:gs pos="0">
+              <a:schemeClr val="accent2">
+                <a:hueOff val="-3110148"/>
+                <a:satOff val="-16453"/>
+                <a:lumOff val="-6274"/>
+                <a:alphaOff val="0"/>
+                <a:tint val="70000"/>
+                <a:lumMod val="110000"/>
+              </a:schemeClr>
+            </a:gs>
+            <a:gs pos="100000">
+              <a:schemeClr val="accent2">
+                <a:hueOff val="-3110148"/>
+                <a:satOff val="-16453"/>
+                <a:lumOff val="-6274"/>
+                <a:alphaOff val="0"/>
+                <a:tint val="82000"/>
+                <a:alpha val="74000"/>
+              </a:schemeClr>
+            </a:gs>
+          </a:gsLst>
+          <a:lin ang="5400000" scaled="0"/>
+        </a:gradFill>
+        <a:ln w="9525" cap="rnd" cmpd="sng" algn="ctr">
+          <a:solidFill>
+            <a:schemeClr val="accent2">
+              <a:hueOff val="-3110148"/>
+              <a:satOff val="-16453"/>
+              <a:lumOff val="-6274"/>
+              <a:alphaOff val="0"/>
+            </a:schemeClr>
+          </a:solidFill>
+          <a:prstDash val="solid"/>
+        </a:ln>
+        <a:effectLst/>
+      </dsp:spPr>
+      <dsp:style>
+        <a:lnRef idx="1">
+          <a:scrgbClr r="0" g="0" b="0"/>
+        </a:lnRef>
+        <a:fillRef idx="2">
+          <a:scrgbClr r="0" g="0" b="0"/>
+        </a:fillRef>
+        <a:effectRef idx="1">
+          <a:scrgbClr r="0" g="0" b="0"/>
+        </a:effectRef>
+        <a:fontRef idx="minor">
+          <a:schemeClr val="dk1"/>
+        </a:fontRef>
+      </dsp:style>
+    </dsp:sp>
+    <dsp:sp modelId="{0BAD94B1-DA31-4BE1-A3AD-855B5C345992}">
+      <dsp:nvSpPr>
+        <dsp:cNvPr id="0" name=""/>
+        <dsp:cNvSpPr/>
+      </dsp:nvSpPr>
+      <dsp:spPr>
+        <a:xfrm>
+          <a:off x="7518285" y="700735"/>
+          <a:ext cx="2073008" cy="2948926"/>
+        </a:xfrm>
+        <a:prstGeom prst="rect">
+          <a:avLst/>
+        </a:prstGeom>
+        <a:noFill/>
+        <a:ln>
+          <a:noFill/>
+        </a:ln>
+        <a:effectLst/>
+      </dsp:spPr>
+      <dsp:style>
+        <a:lnRef idx="0">
+          <a:scrgbClr r="0" g="0" b="0"/>
+        </a:lnRef>
+        <a:fillRef idx="0">
+          <a:scrgbClr r="0" g="0" b="0"/>
+        </a:fillRef>
+        <a:effectRef idx="0">
+          <a:scrgbClr r="0" g="0" b="0"/>
+        </a:effectRef>
+        <a:fontRef idx="minor"/>
+      </dsp:style>
+      <dsp:txBody>
+        <a:bodyPr spcFirstLastPara="0" vert="horz" wrap="square" lIns="68580" tIns="68580" rIns="68580" bIns="68580" numCol="1" spcCol="1270" anchor="t" anchorCtr="0">
+          <a:noAutofit/>
+        </a:bodyPr>
+        <a:lstStyle/>
+        <a:p>
+          <a:pPr lvl="0" algn="l" defTabSz="1200150">
+            <a:lnSpc>
+              <a:spcPct val="90000"/>
+            </a:lnSpc>
+            <a:spcBef>
+              <a:spcPct val="0"/>
+            </a:spcBef>
+            <a:spcAft>
+              <a:spcPct val="35000"/>
+            </a:spcAft>
+          </a:pPr>
+          <a:r>
+            <a:rPr lang="zh-CN" altLang="en-US" sz="2700" kern="1200" dirty="0" smtClean="0"/>
+            <a:t>统计插件</a:t>
+          </a:r>
+          <a:endParaRPr lang="zh-CN" altLang="en-US" sz="2700" kern="1200" dirty="0"/>
+        </a:p>
+        <a:p>
+          <a:pPr marL="228600" lvl="1" indent="-228600" algn="l" defTabSz="933450">
+            <a:lnSpc>
+              <a:spcPct val="90000"/>
+            </a:lnSpc>
+            <a:spcBef>
+              <a:spcPct val="0"/>
+            </a:spcBef>
+            <a:spcAft>
+              <a:spcPct val="15000"/>
+            </a:spcAft>
+            <a:buChar char="••"/>
+          </a:pPr>
+          <a:r>
+            <a:rPr lang="en-US" altLang="en-US" sz="2100" kern="1200" dirty="0" err="1" smtClean="0"/>
+            <a:t>Checkstyle</a:t>
+          </a:r>
+          <a:endParaRPr lang="zh-CN" altLang="en-US" sz="2100" kern="1200" dirty="0"/>
+        </a:p>
+        <a:p>
+          <a:pPr marL="228600" lvl="1" indent="-228600" algn="l" defTabSz="933450">
+            <a:lnSpc>
+              <a:spcPct val="90000"/>
+            </a:lnSpc>
+            <a:spcBef>
+              <a:spcPct val="0"/>
+            </a:spcBef>
+            <a:spcAft>
+              <a:spcPct val="15000"/>
+            </a:spcAft>
+            <a:buChar char="••"/>
+          </a:pPr>
+          <a:r>
+            <a:rPr lang="en-US" altLang="zh-CN" sz="2100" kern="1200" dirty="0" smtClean="0"/>
+            <a:t>PMD</a:t>
+          </a:r>
+          <a:endParaRPr lang="zh-CN" altLang="en-US" sz="2100" kern="1200" dirty="0"/>
+        </a:p>
+        <a:p>
+          <a:pPr marL="228600" lvl="1" indent="-228600" algn="l" defTabSz="933450">
+            <a:lnSpc>
+              <a:spcPct val="90000"/>
+            </a:lnSpc>
+            <a:spcBef>
+              <a:spcPct val="0"/>
+            </a:spcBef>
+            <a:spcAft>
+              <a:spcPct val="15000"/>
+            </a:spcAft>
+            <a:buChar char="••"/>
+          </a:pPr>
+          <a:endParaRPr lang="zh-CN" altLang="en-US" sz="2100" kern="1200" dirty="0"/>
+        </a:p>
+        <a:p>
+          <a:pPr lvl="0" algn="l" defTabSz="1200150">
+            <a:lnSpc>
+              <a:spcPct val="90000"/>
+            </a:lnSpc>
+            <a:spcBef>
+              <a:spcPct val="0"/>
+            </a:spcBef>
+            <a:spcAft>
+              <a:spcPct val="35000"/>
+            </a:spcAft>
+          </a:pPr>
+          <a:r>
+            <a:rPr lang="zh-CN" altLang="en-US" sz="2700" kern="1200" dirty="0" smtClean="0"/>
+            <a:t>部署插件</a:t>
+          </a:r>
+          <a:endParaRPr lang="zh-CN" altLang="en-US" sz="2700" kern="1200" dirty="0"/>
+        </a:p>
+        <a:p>
+          <a:pPr marL="228600" lvl="1" indent="-228600" algn="l" defTabSz="933450">
+            <a:lnSpc>
+              <a:spcPct val="90000"/>
+            </a:lnSpc>
+            <a:spcBef>
+              <a:spcPct val="0"/>
+            </a:spcBef>
+            <a:spcAft>
+              <a:spcPct val="15000"/>
+            </a:spcAft>
+            <a:buChar char="••"/>
+          </a:pPr>
+          <a:r>
+            <a:rPr lang="en-US" altLang="zh-CN" sz="2100" kern="1200" dirty="0" err="1" smtClean="0"/>
+            <a:t>Anisble</a:t>
+          </a:r>
+          <a:r>
+            <a:rPr lang="en-US" altLang="zh-CN" sz="2100" kern="1200" dirty="0" smtClean="0"/>
+            <a:t>[</a:t>
+          </a:r>
+          <a:r>
+            <a:rPr lang="en-US" altLang="zh-CN" sz="2100" kern="1200" dirty="0" err="1" smtClean="0"/>
+            <a:t>sh</a:t>
+          </a:r>
+          <a:r>
+            <a:rPr lang="en-US" altLang="zh-CN" sz="2100" kern="1200" dirty="0" smtClean="0"/>
+            <a:t>]</a:t>
+          </a:r>
+          <a:endParaRPr lang="zh-CN" altLang="en-US" sz="2100" kern="1200" dirty="0"/>
+        </a:p>
+        <a:p>
+          <a:pPr marL="228600" lvl="1" indent="-228600" algn="l" defTabSz="933450">
+            <a:lnSpc>
+              <a:spcPct val="90000"/>
+            </a:lnSpc>
+            <a:spcBef>
+              <a:spcPct val="0"/>
+            </a:spcBef>
+            <a:spcAft>
+              <a:spcPct val="15000"/>
+            </a:spcAft>
+            <a:buChar char="••"/>
+          </a:pPr>
+          <a:r>
+            <a:rPr lang="en-US" altLang="zh-CN" sz="2100" kern="1200" dirty="0" err="1" smtClean="0"/>
+            <a:t>Docker</a:t>
+          </a:r>
+          <a:endParaRPr lang="zh-CN" altLang="en-US" sz="2100" kern="1200" dirty="0"/>
+        </a:p>
+      </dsp:txBody>
+      <dsp:txXfrm>
+        <a:off x="7518285" y="700735"/>
+        <a:ext cx="2073008" cy="2948926"/>
+      </dsp:txXfrm>
+    </dsp:sp>
+    <dsp:sp modelId="{7A1646CE-349E-45CA-9DF3-7E32376FAF21}">
+      <dsp:nvSpPr>
+        <dsp:cNvPr id="0" name=""/>
+        <dsp:cNvSpPr/>
+      </dsp:nvSpPr>
+      <dsp:spPr>
+        <a:xfrm>
+          <a:off x="7518285" y="0"/>
+          <a:ext cx="2073008" cy="700735"/>
+        </a:xfrm>
+        <a:prstGeom prst="rect">
+          <a:avLst/>
+        </a:prstGeom>
+        <a:noFill/>
+        <a:ln>
+          <a:noFill/>
+        </a:ln>
+        <a:effectLst/>
+      </dsp:spPr>
+      <dsp:style>
+        <a:lnRef idx="0">
+          <a:scrgbClr r="0" g="0" b="0"/>
+        </a:lnRef>
+        <a:fillRef idx="0">
+          <a:scrgbClr r="0" g="0" b="0"/>
+        </a:fillRef>
+        <a:effectRef idx="0">
+          <a:scrgbClr r="0" g="0" b="0"/>
+        </a:effectRef>
+        <a:fontRef idx="minor"/>
+      </dsp:style>
+      <dsp:txBody>
+        <a:bodyPr spcFirstLastPara="0" vert="horz" wrap="square" lIns="88900" tIns="88900" rIns="88900" bIns="88900" numCol="1" spcCol="1270" anchor="b" anchorCtr="0">
+          <a:noAutofit/>
+        </a:bodyPr>
+        <a:lstStyle/>
+        <a:p>
+          <a:pPr lvl="0" algn="l" defTabSz="1555750">
+            <a:lnSpc>
+              <a:spcPct val="90000"/>
+            </a:lnSpc>
+            <a:spcBef>
+              <a:spcPct val="0"/>
+            </a:spcBef>
+            <a:spcAft>
+              <a:spcPct val="35000"/>
+            </a:spcAft>
+          </a:pPr>
+          <a:r>
+            <a:rPr lang="zh-CN" altLang="en-US" sz="3500" kern="1200" dirty="0" smtClean="0"/>
+            <a:t>清理</a:t>
+          </a:r>
+          <a:endParaRPr lang="zh-CN" altLang="en-US" sz="3500" kern="1200" dirty="0"/>
+        </a:p>
+      </dsp:txBody>
+      <dsp:txXfrm>
+        <a:off x="7518285" y="0"/>
+        <a:ext cx="2073008" cy="700735"/>
+      </dsp:txXfrm>
+    </dsp:sp>
   </dsp:spTree>
 </dsp:drawing>
 </file>
@@ -11333,7 +12217,7 @@
           <a:p>
             <a:fld id="{2A2A3262-417E-4FD9-A211-CB83CA50ECE9}" type="datetimeFigureOut">
               <a:rPr lang="zh-CN" altLang="en-US" smtClean="0"/>
-              <a:t>2018/5/7</a:t>
+              <a:t>2018/5/10</a:t>
             </a:fld>
             <a:endParaRPr lang="zh-CN" altLang="en-US"/>
           </a:p>
@@ -11744,11 +12628,7 @@
             </a:pPr>
             <a:r>
               <a:rPr lang="zh-CN" altLang="en-US" dirty="0" smtClean="0"/>
-              <a:t>我</a:t>
-            </a:r>
-            <a:r>
-              <a:rPr lang="zh-CN" altLang="en-US" dirty="0" smtClean="0"/>
-              <a:t>首先要是说一下，对于持续集成我之前也是只有简单的了解，深入的学习这也是第一次，跟大家一样，所以这次分享也是重理论轻实践，</a:t>
+              <a:t>我首先要是说一下，对于持续集成我之前也是只有简单的了解，深入的学习这也是第一次，跟大家一样，所以这次分享也是重理论轻实践，</a:t>
             </a:r>
             <a:endParaRPr lang="en-US" altLang="zh-CN" dirty="0" smtClean="0"/>
           </a:p>
@@ -17128,7 +18008,7 @@
             <a:fld id="{B61BEF0D-F0BB-DE4B-95CE-6DB70DBA9567}" type="datetimeFigureOut">
               <a:rPr lang="en-US" dirty="0"/>
               <a:pPr/>
-              <a:t>5/7/2018</a:t>
+              <a:t>5/10/2018</a:t>
             </a:fld>
             <a:endParaRPr lang="en-US" dirty="0"/>
           </a:p>
@@ -17459,7 +18339,7 @@
             <a:fld id="{B61BEF0D-F0BB-DE4B-95CE-6DB70DBA9567}" type="datetimeFigureOut">
               <a:rPr lang="en-US" dirty="0"/>
               <a:pPr/>
-              <a:t>5/7/2018</a:t>
+              <a:t>5/10/2018</a:t>
             </a:fld>
             <a:endParaRPr lang="en-US" dirty="0"/>
           </a:p>
@@ -17734,7 +18614,7 @@
             <a:fld id="{B61BEF0D-F0BB-DE4B-95CE-6DB70DBA9567}" type="datetimeFigureOut">
               <a:rPr lang="en-US" dirty="0"/>
               <a:pPr/>
-              <a:t>5/7/2018</a:t>
+              <a:t>5/10/2018</a:t>
             </a:fld>
             <a:endParaRPr lang="en-US" dirty="0"/>
           </a:p>
@@ -18299,7 +19179,7 @@
             <a:fld id="{B61BEF0D-F0BB-DE4B-95CE-6DB70DBA9567}" type="datetimeFigureOut">
               <a:rPr lang="en-US" dirty="0"/>
               <a:pPr/>
-              <a:t>5/7/2018</a:t>
+              <a:t>5/10/2018</a:t>
             </a:fld>
             <a:endParaRPr lang="en-US" dirty="0"/>
           </a:p>
@@ -18574,7 +19454,7 @@
             <a:fld id="{B61BEF0D-F0BB-DE4B-95CE-6DB70DBA9567}" type="datetimeFigureOut">
               <a:rPr lang="en-US" dirty="0"/>
               <a:pPr/>
-              <a:t>5/7/2018</a:t>
+              <a:t>5/10/2018</a:t>
             </a:fld>
             <a:endParaRPr lang="en-US" dirty="0"/>
           </a:p>
@@ -19133,7 +20013,7 @@
             <a:fld id="{B61BEF0D-F0BB-DE4B-95CE-6DB70DBA9567}" type="datetimeFigureOut">
               <a:rPr lang="en-US" dirty="0"/>
               <a:pPr/>
-              <a:t>5/7/2018</a:t>
+              <a:t>5/10/2018</a:t>
             </a:fld>
             <a:endParaRPr lang="en-US" dirty="0"/>
           </a:p>
@@ -19457,7 +20337,7 @@
             <a:fld id="{B61BEF0D-F0BB-DE4B-95CE-6DB70DBA9567}" type="datetimeFigureOut">
               <a:rPr lang="en-US" dirty="0"/>
               <a:pPr/>
-              <a:t>5/7/2018</a:t>
+              <a:t>5/10/2018</a:t>
             </a:fld>
             <a:endParaRPr lang="en-US" dirty="0"/>
           </a:p>
@@ -19631,7 +20511,7 @@
             <a:fld id="{B61BEF0D-F0BB-DE4B-95CE-6DB70DBA9567}" type="datetimeFigureOut">
               <a:rPr lang="en-US" dirty="0"/>
               <a:pPr/>
-              <a:t>5/7/2018</a:t>
+              <a:t>5/10/2018</a:t>
             </a:fld>
             <a:endParaRPr lang="en-US" dirty="0"/>
           </a:p>
@@ -19866,7 +20746,7 @@
             <a:fld id="{B61BEF0D-F0BB-DE4B-95CE-6DB70DBA9567}" type="datetimeFigureOut">
               <a:rPr lang="en-US" dirty="0"/>
               <a:pPr/>
-              <a:t>5/7/2018</a:t>
+              <a:t>5/10/2018</a:t>
             </a:fld>
             <a:endParaRPr lang="en-US" dirty="0"/>
           </a:p>
@@ -20063,7 +20943,7 @@
             <a:fld id="{B61BEF0D-F0BB-DE4B-95CE-6DB70DBA9567}" type="datetimeFigureOut">
               <a:rPr lang="en-US" dirty="0"/>
               <a:pPr/>
-              <a:t>5/7/2018</a:t>
+              <a:t>5/10/2018</a:t>
             </a:fld>
             <a:endParaRPr lang="en-US" dirty="0"/>
           </a:p>
@@ -20336,7 +21216,7 @@
             <a:fld id="{B61BEF0D-F0BB-DE4B-95CE-6DB70DBA9567}" type="datetimeFigureOut">
               <a:rPr lang="en-US" dirty="0"/>
               <a:pPr/>
-              <a:t>5/7/2018</a:t>
+              <a:t>5/10/2018</a:t>
             </a:fld>
             <a:endParaRPr lang="en-US" dirty="0"/>
           </a:p>
@@ -20599,7 +21479,7 @@
             <a:fld id="{B61BEF0D-F0BB-DE4B-95CE-6DB70DBA9567}" type="datetimeFigureOut">
               <a:rPr lang="en-US" dirty="0"/>
               <a:pPr/>
-              <a:t>5/7/2018</a:t>
+              <a:t>5/10/2018</a:t>
             </a:fld>
             <a:endParaRPr lang="en-US" dirty="0"/>
           </a:p>
@@ -20970,7 +21850,7 @@
             <a:fld id="{B61BEF0D-F0BB-DE4B-95CE-6DB70DBA9567}" type="datetimeFigureOut">
               <a:rPr lang="en-US" dirty="0"/>
               <a:pPr/>
-              <a:t>5/7/2018</a:t>
+              <a:t>5/10/2018</a:t>
             </a:fld>
             <a:endParaRPr lang="en-US" dirty="0"/>
           </a:p>
@@ -21115,7 +21995,7 @@
             <a:fld id="{B61BEF0D-F0BB-DE4B-95CE-6DB70DBA9567}" type="datetimeFigureOut">
               <a:rPr lang="en-US" dirty="0"/>
               <a:pPr/>
-              <a:t>5/7/2018</a:t>
+              <a:t>5/10/2018</a:t>
             </a:fld>
             <a:endParaRPr lang="en-US" dirty="0"/>
           </a:p>
@@ -21237,7 +22117,7 @@
             <a:fld id="{B61BEF0D-F0BB-DE4B-95CE-6DB70DBA9567}" type="datetimeFigureOut">
               <a:rPr lang="en-US" dirty="0"/>
               <a:pPr/>
-              <a:t>5/7/2018</a:t>
+              <a:t>5/10/2018</a:t>
             </a:fld>
             <a:endParaRPr lang="en-US" dirty="0"/>
           </a:p>
@@ -21519,7 +22399,7 @@
             <a:fld id="{B61BEF0D-F0BB-DE4B-95CE-6DB70DBA9567}" type="datetimeFigureOut">
               <a:rPr lang="en-US" dirty="0"/>
               <a:pPr/>
-              <a:t>5/7/2018</a:t>
+              <a:t>5/10/2018</a:t>
             </a:fld>
             <a:endParaRPr lang="en-US" dirty="0"/>
           </a:p>
@@ -21840,7 +22720,7 @@
             <a:fld id="{B61BEF0D-F0BB-DE4B-95CE-6DB70DBA9567}" type="datetimeFigureOut">
               <a:rPr lang="en-US" dirty="0"/>
               <a:pPr/>
-              <a:t>5/7/2018</a:t>
+              <a:t>5/10/2018</a:t>
             </a:fld>
             <a:endParaRPr lang="en-US" dirty="0"/>
           </a:p>
@@ -22051,7 +22931,7 @@
             <a:fld id="{B61BEF0D-F0BB-DE4B-95CE-6DB70DBA9567}" type="datetimeFigureOut">
               <a:rPr lang="en-US" dirty="0"/>
               <a:pPr/>
-              <a:t>5/7/2018</a:t>
+              <a:t>5/10/2018</a:t>
             </a:fld>
             <a:endParaRPr lang="en-US" dirty="0"/>
           </a:p>
@@ -25880,8 +26760,21 @@
             </a:r>
             <a:r>
               <a:rPr lang="en-US" altLang="zh-CN" dirty="0" smtClean="0"/>
-              <a:t>Instability = Ce / Ca + Ce</a:t>
-            </a:r>
+              <a:t>Instability = Ce / </a:t>
+            </a:r>
+            <a:r>
+              <a:rPr lang="en-US" altLang="zh-CN" dirty="0" smtClean="0"/>
+              <a:t>(Ca </a:t>
+            </a:r>
+            <a:r>
+              <a:rPr lang="en-US" altLang="zh-CN" dirty="0" smtClean="0"/>
+              <a:t>+ </a:t>
+            </a:r>
+            <a:r>
+              <a:rPr lang="en-US" altLang="zh-CN" dirty="0" smtClean="0"/>
+              <a:t>Ce)</a:t>
+            </a:r>
+            <a:endParaRPr lang="en-US" altLang="zh-CN" dirty="0" smtClean="0"/>
           </a:p>
           <a:p>
             <a:r>
@@ -25890,7 +26783,23 @@
             </a:r>
             <a:r>
               <a:rPr lang="en-US" altLang="zh-CN" dirty="0" smtClean="0"/>
-              <a:t>Abstractness = Ac / Ac + Cc</a:t>
+              <a:t>Abstractness = Ac </a:t>
+            </a:r>
+            <a:r>
+              <a:rPr lang="en-US" altLang="zh-CN" smtClean="0"/>
+              <a:t>/ </a:t>
+            </a:r>
+            <a:r>
+              <a:rPr lang="en-US" altLang="zh-CN" smtClean="0"/>
+              <a:t>(Ac </a:t>
+            </a:r>
+            <a:r>
+              <a:rPr lang="en-US" altLang="zh-CN" smtClean="0"/>
+              <a:t>+ </a:t>
+            </a:r>
+            <a:r>
+              <a:rPr lang="en-US" altLang="zh-CN" smtClean="0"/>
+              <a:t>Cc)</a:t>
             </a:r>
             <a:endParaRPr lang="zh-CN" altLang="en-US" dirty="0"/>
           </a:p>
